--- a/gmu-prezentace.pptx
+++ b/gmu-prezentace.pptx
@@ -10,11 +10,15 @@
     <p:sldId id="258" r:id="rId4"/>
     <p:sldId id="259" r:id="rId5"/>
     <p:sldId id="260" r:id="rId6"/>
-    <p:sldId id="261" r:id="rId7"/>
-    <p:sldId id="262" r:id="rId8"/>
-    <p:sldId id="263" r:id="rId9"/>
-    <p:sldId id="264" r:id="rId10"/>
-    <p:sldId id="265" r:id="rId11"/>
+    <p:sldId id="269" r:id="rId7"/>
+    <p:sldId id="268" r:id="rId8"/>
+    <p:sldId id="267" r:id="rId9"/>
+    <p:sldId id="266" r:id="rId10"/>
+    <p:sldId id="261" r:id="rId11"/>
+    <p:sldId id="262" r:id="rId12"/>
+    <p:sldId id="263" r:id="rId13"/>
+    <p:sldId id="264" r:id="rId14"/>
+    <p:sldId id="265" r:id="rId15"/>
   </p:sldIdLst>
   <p:sldSz cx="9144000" cy="6858000" type="screen4x3"/>
   <p:notesSz cx="6858000" cy="9144000"/>
@@ -253,7 +257,7 @@
           <a:p>
             <a:fld id="{8659894E-4B8B-4C3B-AE32-131AE11BA6F5}" type="datetimeFigureOut">
               <a:rPr lang="cs-CZ" smtClean="0"/>
-              <a:t>5.12.2013</a:t>
+              <a:t>5. 12. 2013</a:t>
             </a:fld>
             <a:endParaRPr lang="cs-CZ"/>
           </a:p>
@@ -1122,7 +1126,7 @@
           <a:p>
             <a:fld id="{8659894E-4B8B-4C3B-AE32-131AE11BA6F5}" type="datetimeFigureOut">
               <a:rPr lang="cs-CZ" smtClean="0"/>
-              <a:t>5.12.2013</a:t>
+              <a:t>5. 12. 2013</a:t>
             </a:fld>
             <a:endParaRPr lang="cs-CZ"/>
           </a:p>
@@ -1297,7 +1301,7 @@
           <a:p>
             <a:fld id="{8659894E-4B8B-4C3B-AE32-131AE11BA6F5}" type="datetimeFigureOut">
               <a:rPr lang="cs-CZ" smtClean="0"/>
-              <a:t>5.12.2013</a:t>
+              <a:t>5. 12. 2013</a:t>
             </a:fld>
             <a:endParaRPr lang="cs-CZ"/>
           </a:p>
@@ -1467,7 +1471,7 @@
           <a:p>
             <a:fld id="{8659894E-4B8B-4C3B-AE32-131AE11BA6F5}" type="datetimeFigureOut">
               <a:rPr lang="cs-CZ" smtClean="0"/>
-              <a:t>5.12.2013</a:t>
+              <a:t>5. 12. 2013</a:t>
             </a:fld>
             <a:endParaRPr lang="cs-CZ"/>
           </a:p>
@@ -1677,7 +1681,7 @@
           <a:p>
             <a:fld id="{8659894E-4B8B-4C3B-AE32-131AE11BA6F5}" type="datetimeFigureOut">
               <a:rPr lang="cs-CZ" smtClean="0"/>
-              <a:t>5.12.2013</a:t>
+              <a:t>5. 12. 2013</a:t>
             </a:fld>
             <a:endParaRPr lang="cs-CZ"/>
           </a:p>
@@ -2491,7 +2495,7 @@
           <a:p>
             <a:fld id="{8659894E-4B8B-4C3B-AE32-131AE11BA6F5}" type="datetimeFigureOut">
               <a:rPr lang="cs-CZ" smtClean="0"/>
-              <a:t>5.12.2013</a:t>
+              <a:t>5. 12. 2013</a:t>
             </a:fld>
             <a:endParaRPr lang="cs-CZ"/>
           </a:p>
@@ -2727,7 +2731,7 @@
           <a:p>
             <a:fld id="{8659894E-4B8B-4C3B-AE32-131AE11BA6F5}" type="datetimeFigureOut">
               <a:rPr lang="cs-CZ" smtClean="0"/>
-              <a:t>5.12.2013</a:t>
+              <a:t>5. 12. 2013</a:t>
             </a:fld>
             <a:endParaRPr lang="cs-CZ"/>
           </a:p>
@@ -3050,7 +3054,7 @@
           <a:p>
             <a:fld id="{8659894E-4B8B-4C3B-AE32-131AE11BA6F5}" type="datetimeFigureOut">
               <a:rPr lang="cs-CZ" smtClean="0"/>
-              <a:t>5.12.2013</a:t>
+              <a:t>5. 12. 2013</a:t>
             </a:fld>
             <a:endParaRPr lang="cs-CZ"/>
           </a:p>
@@ -3140,7 +3144,7 @@
           <a:p>
             <a:fld id="{8659894E-4B8B-4C3B-AE32-131AE11BA6F5}" type="datetimeFigureOut">
               <a:rPr lang="cs-CZ" smtClean="0"/>
-              <a:t>5.12.2013</a:t>
+              <a:t>5. 12. 2013</a:t>
             </a:fld>
             <a:endParaRPr lang="cs-CZ"/>
           </a:p>
@@ -3657,7 +3661,7 @@
           <a:p>
             <a:fld id="{8659894E-4B8B-4C3B-AE32-131AE11BA6F5}" type="datetimeFigureOut">
               <a:rPr lang="cs-CZ" smtClean="0"/>
-              <a:t>5.12.2013</a:t>
+              <a:t>5. 12. 2013</a:t>
             </a:fld>
             <a:endParaRPr lang="cs-CZ"/>
           </a:p>
@@ -4168,7 +4172,7 @@
           <a:p>
             <a:fld id="{8659894E-4B8B-4C3B-AE32-131AE11BA6F5}" type="datetimeFigureOut">
               <a:rPr lang="cs-CZ" smtClean="0"/>
-              <a:t>5.12.2013</a:t>
+              <a:t>5. 12. 2013</a:t>
             </a:fld>
             <a:endParaRPr lang="cs-CZ"/>
           </a:p>
@@ -4413,7 +4417,7 @@
           <a:p>
             <a:fld id="{8659894E-4B8B-4C3B-AE32-131AE11BA6F5}" type="datetimeFigureOut">
               <a:rPr lang="cs-CZ" smtClean="0"/>
-              <a:t>5.12.2013</a:t>
+              <a:t>5. 12. 2013</a:t>
             </a:fld>
             <a:endParaRPr lang="cs-CZ"/>
           </a:p>
@@ -5376,13 +5380,6 @@
               </a:rPr>
               <a:t>, xvybir05</a:t>
             </a:r>
-            <a:endParaRPr lang="cs-CZ" dirty="0">
-              <a:solidFill>
-                <a:schemeClr val="tx2">
-                  <a:lumMod val="75000"/>
-                </a:schemeClr>
-              </a:solidFill>
-            </a:endParaRPr>
           </a:p>
         </p:txBody>
       </p:sp>
@@ -5396,6 +5393,13 @@
   <p:clrMapOvr>
     <a:masterClrMapping/>
   </p:clrMapOvr>
+  <p:timing>
+    <p:tnLst>
+      <p:par>
+        <p:cTn id="1" dur="indefinite" restart="never" nodeType="tmRoot"/>
+      </p:par>
+    </p:tnLst>
+  </p:timing>
 </p:sld>
 </file>
 
@@ -5432,228 +5436,84 @@
           <a:lstStyle/>
           <a:p>
             <a:r>
+              <a:rPr lang="cs-CZ" dirty="0"/>
+              <a:t>Segmentace obrazu na základě prahování histogramu</a:t>
+            </a:r>
+          </a:p>
+        </p:txBody>
+      </p:sp>
+      <p:sp>
+        <p:nvSpPr>
+          <p:cNvPr id="3" name="Zástupný symbol pro obsah 2"/>
+          <p:cNvSpPr>
+            <a:spLocks noGrp="1"/>
+          </p:cNvSpPr>
+          <p:nvPr>
+            <p:ph sz="quarter" idx="1"/>
+          </p:nvPr>
+        </p:nvSpPr>
+        <p:spPr/>
+        <p:txBody>
+          <a:bodyPr/>
+          <a:lstStyle/>
+          <a:p>
+            <a:r>
+              <a:rPr lang="cs-CZ" dirty="0"/>
+              <a:t>rozdělení jednotlivých částí obrazu do několika </a:t>
+            </a:r>
+            <a:r>
               <a:rPr lang="cs-CZ" dirty="0" smtClean="0"/>
-              <a:t>Použitá literatura</a:t>
-            </a:r>
-            <a:endParaRPr lang="cs-CZ" dirty="0"/>
-          </a:p>
-        </p:txBody>
-      </p:sp>
-      <p:sp>
-        <p:nvSpPr>
-          <p:cNvPr id="3" name="Zástupný symbol pro obsah 2"/>
-          <p:cNvSpPr>
-            <a:spLocks noGrp="1"/>
-          </p:cNvSpPr>
-          <p:nvPr>
-            <p:ph sz="quarter" idx="1"/>
-          </p:nvPr>
-        </p:nvSpPr>
-        <p:spPr/>
-        <p:txBody>
-          <a:bodyPr/>
-          <a:lstStyle/>
-          <a:p>
-            <a:r>
-              <a:rPr lang="cs-CZ" sz="1400" dirty="0" smtClean="0"/>
-              <a:t>L</a:t>
-            </a:r>
-            <a:r>
-              <a:rPr lang="cs-CZ" sz="1400" dirty="0"/>
-              <a:t>. Lucas, Image </a:t>
-            </a:r>
-            <a:r>
-              <a:rPr lang="cs-CZ" sz="1400" dirty="0" err="1"/>
-              <a:t>Segmentation</a:t>
-            </a:r>
-            <a:r>
-              <a:rPr lang="cs-CZ" sz="1400" dirty="0"/>
-              <a:t>. </a:t>
-            </a:r>
-            <a:r>
-              <a:rPr lang="cs-CZ" sz="1400" dirty="0" err="1"/>
-              <a:t>München</a:t>
-            </a:r>
-            <a:r>
-              <a:rPr lang="cs-CZ" sz="1400" dirty="0"/>
-              <a:t> : </a:t>
-            </a:r>
-            <a:r>
-              <a:rPr lang="cs-CZ" sz="1400" dirty="0" err="1"/>
-              <a:t>Technische</a:t>
-            </a:r>
-            <a:r>
-              <a:rPr lang="cs-CZ" sz="1400" dirty="0"/>
-              <a:t> </a:t>
-            </a:r>
-            <a:r>
-              <a:rPr lang="cs-CZ" sz="1400" dirty="0" err="1"/>
-              <a:t>Universität</a:t>
-            </a:r>
-            <a:r>
-              <a:rPr lang="cs-CZ" sz="1400" dirty="0"/>
-              <a:t> </a:t>
-            </a:r>
-            <a:r>
-              <a:rPr lang="cs-CZ" sz="1400" dirty="0" err="1"/>
-              <a:t>München</a:t>
-            </a:r>
-            <a:r>
-              <a:rPr lang="cs-CZ" sz="1400" dirty="0"/>
-              <a:t>, 2010.</a:t>
-            </a:r>
-          </a:p>
-          <a:p>
-            <a:r>
-              <a:rPr lang="cs-CZ" sz="1400" dirty="0"/>
-              <a:t>F. </a:t>
-            </a:r>
-            <a:r>
-              <a:rPr lang="cs-CZ" sz="1400" dirty="0" err="1"/>
-              <a:t>Kurugollu</a:t>
-            </a:r>
-            <a:r>
-              <a:rPr lang="cs-CZ" sz="1400" dirty="0"/>
-              <a:t>, B. </a:t>
-            </a:r>
-            <a:r>
-              <a:rPr lang="cs-CZ" sz="1400" dirty="0" err="1"/>
-              <a:t>Sankur</a:t>
-            </a:r>
-            <a:r>
-              <a:rPr lang="cs-CZ" sz="1400" dirty="0"/>
-              <a:t>, A.E. Harmanci. </a:t>
-            </a:r>
-            <a:r>
-              <a:rPr lang="cs-CZ" sz="1400" dirty="0" err="1"/>
-              <a:t>Color</a:t>
-            </a:r>
-            <a:r>
-              <a:rPr lang="cs-CZ" sz="1400" dirty="0"/>
-              <a:t> image </a:t>
-            </a:r>
-            <a:r>
-              <a:rPr lang="cs-CZ" sz="1400" dirty="0" err="1"/>
-              <a:t>segmentation</a:t>
-            </a:r>
-            <a:r>
-              <a:rPr lang="cs-CZ" sz="1400" dirty="0"/>
-              <a:t> </a:t>
-            </a:r>
-            <a:r>
-              <a:rPr lang="cs-CZ" sz="1400" dirty="0" err="1"/>
-              <a:t>using</a:t>
-            </a:r>
-            <a:r>
-              <a:rPr lang="cs-CZ" sz="1400" dirty="0"/>
-              <a:t> histogram </a:t>
-            </a:r>
-            <a:r>
-              <a:rPr lang="cs-CZ" sz="1400" dirty="0" err="1"/>
-              <a:t>multithresholding</a:t>
-            </a:r>
-            <a:r>
-              <a:rPr lang="cs-CZ" sz="1400" dirty="0"/>
-              <a:t> and </a:t>
-            </a:r>
-            <a:r>
-              <a:rPr lang="cs-CZ" sz="1400" dirty="0" err="1"/>
-              <a:t>fusion</a:t>
-            </a:r>
-            <a:r>
-              <a:rPr lang="cs-CZ" sz="1400" dirty="0"/>
-              <a:t>. 2001.</a:t>
-            </a:r>
-          </a:p>
-          <a:p>
-            <a:r>
-              <a:rPr lang="cs-CZ" sz="1400" dirty="0" err="1"/>
-              <a:t>Rajagopal</a:t>
-            </a:r>
-            <a:r>
-              <a:rPr lang="cs-CZ" sz="1400" dirty="0"/>
-              <a:t>, </a:t>
-            </a:r>
-            <a:r>
-              <a:rPr lang="cs-CZ" sz="1400" dirty="0" err="1"/>
-              <a:t>Venugopal</a:t>
-            </a:r>
-            <a:r>
-              <a:rPr lang="cs-CZ" sz="1400" dirty="0"/>
-              <a:t>. Image </a:t>
-            </a:r>
-            <a:r>
-              <a:rPr lang="cs-CZ" sz="1400" dirty="0" err="1"/>
-              <a:t>Segmentation</a:t>
-            </a:r>
-            <a:r>
-              <a:rPr lang="cs-CZ" sz="1400" dirty="0"/>
-              <a:t> by Histogram </a:t>
-            </a:r>
-            <a:r>
-              <a:rPr lang="cs-CZ" sz="1400" dirty="0" err="1"/>
-              <a:t>Thresholding</a:t>
-            </a:r>
-            <a:r>
-              <a:rPr lang="cs-CZ" sz="1400" dirty="0"/>
-              <a:t>. 2002</a:t>
-            </a:r>
-            <a:r>
-              <a:rPr lang="cs-CZ" sz="1400" dirty="0" smtClean="0"/>
-              <a:t>.</a:t>
-            </a:r>
-          </a:p>
-          <a:p>
-            <a:r>
-              <a:rPr lang="pl-PL" sz="1400" dirty="0" smtClean="0"/>
-              <a:t>http</a:t>
-            </a:r>
-            <a:r>
-              <a:rPr lang="pl-PL" sz="1400" dirty="0"/>
-              <a:t>://homepages.inf.ed.ac.uk/rbf/CVonline/LOCAL_COPIES/MORSE/threshold.pdf</a:t>
-            </a:r>
-          </a:p>
-          <a:p>
-            <a:r>
-              <a:rPr lang="pl-PL" sz="1400" dirty="0" smtClean="0"/>
-              <a:t>http</a:t>
-            </a:r>
-            <a:r>
-              <a:rPr lang="pl-PL" sz="1400" dirty="0"/>
-              <a:t>://www.codeproject.com/Articles/38319/Famous-Otsu-Thresholding-in-C</a:t>
-            </a:r>
-          </a:p>
-          <a:p>
-            <a:r>
-              <a:rPr lang="pl-PL" sz="1400" dirty="0" smtClean="0"/>
-              <a:t>http</a:t>
-            </a:r>
-            <a:r>
-              <a:rPr lang="pl-PL" sz="1400" dirty="0"/>
-              <a:t>://www.labbookpages.co.uk/software/imgProc/otsuThreshold.html</a:t>
-            </a:r>
-          </a:p>
-          <a:p>
-            <a:r>
-              <a:rPr lang="pl-PL" sz="1400" dirty="0" smtClean="0"/>
-              <a:t>Inspirace </a:t>
-            </a:r>
-            <a:r>
-              <a:rPr lang="pl-PL" sz="1400" dirty="0"/>
-              <a:t>z projektu z HSC (FIT VUT Brno)</a:t>
-            </a:r>
-          </a:p>
-          <a:p>
-            <a:r>
-              <a:rPr lang="cs-CZ" sz="1400" smtClean="0"/>
-              <a:t>http</a:t>
-            </a:r>
-            <a:r>
-              <a:rPr lang="cs-CZ" sz="1400" dirty="0"/>
-              <a:t>://www.khronos.org/files/opencl-1-2-quick-reference-card.pdf</a:t>
-            </a:r>
-          </a:p>
-          <a:p>
+              <a:t>podmnožin (popředí x pozadí)</a:t>
+            </a:r>
+          </a:p>
+          <a:p>
+            <a:r>
+              <a:rPr lang="cs-CZ" dirty="0" smtClean="0"/>
+              <a:t>V histogramu hledáme práh</a:t>
+            </a:r>
+          </a:p>
+          <a:p>
+            <a:pPr lvl="1"/>
+            <a:r>
+              <a:rPr lang="cs-CZ" dirty="0" smtClean="0"/>
+              <a:t>Leží mezi shluky podobných bodů</a:t>
+            </a:r>
+          </a:p>
+          <a:p>
+            <a:pPr lvl="1"/>
+            <a:r>
+              <a:rPr lang="cs-CZ" dirty="0" smtClean="0"/>
+              <a:t>Hledáme jej iterativně – dělíme histogram na části podle aktuálního prahu a spočítáme střed mezi průměry hodnot – nový práh</a:t>
+            </a:r>
+          </a:p>
+          <a:p>
+            <a:r>
+              <a:rPr lang="cs-CZ" dirty="0" smtClean="0"/>
+              <a:t>Zvolena adaptivní metoda</a:t>
+            </a:r>
+          </a:p>
+          <a:p>
+            <a:pPr lvl="1"/>
+            <a:r>
+              <a:rPr lang="cs-CZ" dirty="0" smtClean="0"/>
+              <a:t>Práh je ovlivněn pouze malým (</a:t>
+            </a:r>
+            <a:r>
+              <a:rPr lang="cs-CZ" dirty="0" err="1" smtClean="0"/>
+              <a:t>např</a:t>
+            </a:r>
+            <a:r>
+              <a:rPr lang="cs-CZ" dirty="0" smtClean="0"/>
+              <a:t>, 30 x 30 </a:t>
+            </a:r>
+            <a:r>
+              <a:rPr lang="cs-CZ" dirty="0" err="1" smtClean="0"/>
+              <a:t>px</a:t>
+            </a:r>
+            <a:r>
+              <a:rPr lang="cs-CZ" dirty="0" smtClean="0"/>
+              <a:t>) okolím bodu</a:t>
+            </a:r>
             <a:endParaRPr lang="cs-CZ" dirty="0"/>
           </a:p>
         </p:txBody>
@@ -5661,17 +5521,24 @@
     </p:spTree>
     <p:extLst>
       <p:ext uri="{BB962C8B-B14F-4D97-AF65-F5344CB8AC3E}">
-        <p14:creationId xmlns:p14="http://schemas.microsoft.com/office/powerpoint/2010/main" val="437460664"/>
+        <p14:creationId xmlns:p14="http://schemas.microsoft.com/office/powerpoint/2010/main" val="234269293"/>
       </p:ext>
     </p:extLst>
   </p:cSld>
   <p:clrMapOvr>
     <a:masterClrMapping/>
   </p:clrMapOvr>
+  <p:timing>
+    <p:tnLst>
+      <p:par>
+        <p:cTn id="1" dur="indefinite" restart="never" nodeType="tmRoot"/>
+      </p:par>
+    </p:tnLst>
+  </p:timing>
 </p:sld>
 </file>
 
-<file path=ppt/slides/slide2.xml><?xml version="1.0" encoding="utf-8"?>
+<file path=ppt/slides/slide11.xml><?xml version="1.0" encoding="utf-8"?>
 <p:sld xmlns:a="http://schemas.openxmlformats.org/drawingml/2006/main" xmlns:r="http://schemas.openxmlformats.org/officeDocument/2006/relationships" xmlns:p="http://schemas.openxmlformats.org/presentationml/2006/main">
   <p:cSld>
     <p:spTree>
@@ -5705,538 +5572,6 @@
           <a:p>
             <a:r>
               <a:rPr lang="cs-CZ" dirty="0" smtClean="0"/>
-              <a:t>Upřesnění zadání</a:t>
-            </a:r>
-            <a:endParaRPr lang="cs-CZ" dirty="0"/>
-          </a:p>
-        </p:txBody>
-      </p:sp>
-      <p:sp>
-        <p:nvSpPr>
-          <p:cNvPr id="3" name="Zástupný symbol pro obsah 2"/>
-          <p:cNvSpPr>
-            <a:spLocks noGrp="1"/>
-          </p:cNvSpPr>
-          <p:nvPr>
-            <p:ph sz="quarter" idx="1"/>
-          </p:nvPr>
-        </p:nvSpPr>
-        <p:spPr/>
-        <p:txBody>
-          <a:bodyPr>
-            <a:normAutofit/>
-          </a:bodyPr>
-          <a:lstStyle/>
-          <a:p>
-            <a:pPr lvl="0"/>
-            <a:r>
-              <a:rPr lang="cs-CZ" dirty="0"/>
-              <a:t>Implementovat výpočet histogramu vstupního obrázku pomocí </a:t>
-            </a:r>
-            <a:r>
-              <a:rPr lang="cs-CZ" dirty="0" err="1"/>
-              <a:t>OpenCL</a:t>
-            </a:r>
-            <a:r>
-              <a:rPr lang="cs-CZ" dirty="0"/>
-              <a:t>.</a:t>
-            </a:r>
-          </a:p>
-          <a:p>
-            <a:pPr lvl="0"/>
-            <a:r>
-              <a:rPr lang="cs-CZ" dirty="0"/>
-              <a:t>Každý člen týmu implementovat jednu metodu využívající histogramu, a to jak s pomocí </a:t>
-            </a:r>
-            <a:r>
-              <a:rPr lang="cs-CZ" dirty="0" err="1"/>
-              <a:t>OpenCL</a:t>
-            </a:r>
-            <a:r>
-              <a:rPr lang="cs-CZ" dirty="0"/>
-              <a:t> tak CPU implementaci.</a:t>
-            </a:r>
-          </a:p>
-          <a:p>
-            <a:pPr lvl="0"/>
-            <a:r>
-              <a:rPr lang="cs-CZ" dirty="0"/>
-              <a:t>Vstup aplikace zpracuje vždy oběma způsoby a vypíše čas každé z nich</a:t>
-            </a:r>
-            <a:r>
-              <a:rPr lang="cs-CZ" dirty="0" smtClean="0"/>
-              <a:t>. Zvolené </a:t>
-            </a:r>
-            <a:r>
-              <a:rPr lang="cs-CZ" dirty="0"/>
-              <a:t>metody (algoritmy):</a:t>
-            </a:r>
-          </a:p>
-          <a:p>
-            <a:pPr lvl="1"/>
-            <a:r>
-              <a:rPr lang="cs-CZ" dirty="0" err="1"/>
-              <a:t>Ekvalizace</a:t>
-            </a:r>
-            <a:r>
-              <a:rPr lang="cs-CZ" dirty="0"/>
-              <a:t> histogramu</a:t>
-            </a:r>
-          </a:p>
-          <a:p>
-            <a:pPr lvl="1"/>
-            <a:r>
-              <a:rPr lang="cs-CZ" dirty="0"/>
-              <a:t>Prahování s pomocí metody </a:t>
-            </a:r>
-            <a:r>
-              <a:rPr lang="cs-CZ" dirty="0" err="1"/>
-              <a:t>Otsu</a:t>
-            </a:r>
-            <a:r>
-              <a:rPr lang="cs-CZ" dirty="0"/>
-              <a:t> </a:t>
-            </a:r>
-          </a:p>
-          <a:p>
-            <a:pPr lvl="1"/>
-            <a:r>
-              <a:rPr lang="cs-CZ" dirty="0"/>
-              <a:t>Segmentace obrazu na základě prahování </a:t>
-            </a:r>
-            <a:r>
-              <a:rPr lang="cs-CZ" dirty="0" smtClean="0"/>
-              <a:t>histogramu</a:t>
-            </a:r>
-            <a:endParaRPr lang="cs-CZ" dirty="0"/>
-          </a:p>
-        </p:txBody>
-      </p:sp>
-    </p:spTree>
-    <p:extLst>
-      <p:ext uri="{BB962C8B-B14F-4D97-AF65-F5344CB8AC3E}">
-        <p14:creationId xmlns:p14="http://schemas.microsoft.com/office/powerpoint/2010/main" val="4017374415"/>
-      </p:ext>
-    </p:extLst>
-  </p:cSld>
-  <p:clrMapOvr>
-    <a:masterClrMapping/>
-  </p:clrMapOvr>
-</p:sld>
-</file>
-
-<file path=ppt/slides/slide3.xml><?xml version="1.0" encoding="utf-8"?>
-<p:sld xmlns:a="http://schemas.openxmlformats.org/drawingml/2006/main" xmlns:r="http://schemas.openxmlformats.org/officeDocument/2006/relationships" xmlns:p="http://schemas.openxmlformats.org/presentationml/2006/main">
-  <p:cSld>
-    <p:spTree>
-      <p:nvGrpSpPr>
-        <p:cNvPr id="1" name=""/>
-        <p:cNvGrpSpPr/>
-        <p:nvPr/>
-      </p:nvGrpSpPr>
-      <p:grpSpPr>
-        <a:xfrm>
-          <a:off x="0" y="0"/>
-          <a:ext cx="0" cy="0"/>
-          <a:chOff x="0" y="0"/>
-          <a:chExt cx="0" cy="0"/>
-        </a:xfrm>
-      </p:grpSpPr>
-      <p:sp>
-        <p:nvSpPr>
-          <p:cNvPr id="2" name="Nadpis 1"/>
-          <p:cNvSpPr>
-            <a:spLocks noGrp="1"/>
-          </p:cNvSpPr>
-          <p:nvPr>
-            <p:ph type="title"/>
-          </p:nvPr>
-        </p:nvSpPr>
-        <p:spPr/>
-        <p:txBody>
-          <a:bodyPr/>
-          <a:lstStyle/>
-          <a:p>
-            <a:r>
-              <a:rPr lang="cs-CZ" dirty="0" smtClean="0"/>
-              <a:t>Výpočet histogramu</a:t>
-            </a:r>
-            <a:endParaRPr lang="cs-CZ" dirty="0"/>
-          </a:p>
-        </p:txBody>
-      </p:sp>
-      <p:sp>
-        <p:nvSpPr>
-          <p:cNvPr id="3" name="Zástupný symbol pro obsah 2"/>
-          <p:cNvSpPr>
-            <a:spLocks noGrp="1"/>
-          </p:cNvSpPr>
-          <p:nvPr>
-            <p:ph sz="quarter" idx="1"/>
-          </p:nvPr>
-        </p:nvSpPr>
-        <p:spPr/>
-        <p:txBody>
-          <a:bodyPr/>
-          <a:lstStyle/>
-          <a:p>
-            <a:r>
-              <a:rPr lang="cs-CZ" dirty="0" smtClean="0"/>
-              <a:t>TODO</a:t>
-            </a:r>
-            <a:endParaRPr lang="cs-CZ" dirty="0"/>
-          </a:p>
-        </p:txBody>
-      </p:sp>
-    </p:spTree>
-    <p:extLst>
-      <p:ext uri="{BB962C8B-B14F-4D97-AF65-F5344CB8AC3E}">
-        <p14:creationId xmlns:p14="http://schemas.microsoft.com/office/powerpoint/2010/main" val="515786011"/>
-      </p:ext>
-    </p:extLst>
-  </p:cSld>
-  <p:clrMapOvr>
-    <a:masterClrMapping/>
-  </p:clrMapOvr>
-</p:sld>
-</file>
-
-<file path=ppt/slides/slide4.xml><?xml version="1.0" encoding="utf-8"?>
-<p:sld xmlns:a="http://schemas.openxmlformats.org/drawingml/2006/main" xmlns:r="http://schemas.openxmlformats.org/officeDocument/2006/relationships" xmlns:p="http://schemas.openxmlformats.org/presentationml/2006/main">
-  <p:cSld>
-    <p:spTree>
-      <p:nvGrpSpPr>
-        <p:cNvPr id="1" name=""/>
-        <p:cNvGrpSpPr/>
-        <p:nvPr/>
-      </p:nvGrpSpPr>
-      <p:grpSpPr>
-        <a:xfrm>
-          <a:off x="0" y="0"/>
-          <a:ext cx="0" cy="0"/>
-          <a:chOff x="0" y="0"/>
-          <a:chExt cx="0" cy="0"/>
-        </a:xfrm>
-      </p:grpSpPr>
-      <p:sp>
-        <p:nvSpPr>
-          <p:cNvPr id="2" name="Nadpis 1"/>
-          <p:cNvSpPr>
-            <a:spLocks noGrp="1"/>
-          </p:cNvSpPr>
-          <p:nvPr>
-            <p:ph type="title"/>
-          </p:nvPr>
-        </p:nvSpPr>
-        <p:spPr/>
-        <p:txBody>
-          <a:bodyPr/>
-          <a:lstStyle/>
-          <a:p>
-            <a:r>
-              <a:rPr lang="cs-CZ" dirty="0" err="1" smtClean="0"/>
-              <a:t>Ekvalizace</a:t>
-            </a:r>
-            <a:r>
-              <a:rPr lang="cs-CZ" dirty="0" smtClean="0"/>
-              <a:t> histogramu</a:t>
-            </a:r>
-            <a:endParaRPr lang="cs-CZ" dirty="0"/>
-          </a:p>
-        </p:txBody>
-      </p:sp>
-      <p:sp>
-        <p:nvSpPr>
-          <p:cNvPr id="3" name="Zástupný symbol pro obsah 2"/>
-          <p:cNvSpPr>
-            <a:spLocks noGrp="1"/>
-          </p:cNvSpPr>
-          <p:nvPr>
-            <p:ph sz="quarter" idx="1"/>
-          </p:nvPr>
-        </p:nvSpPr>
-        <p:spPr/>
-        <p:txBody>
-          <a:bodyPr/>
-          <a:lstStyle/>
-          <a:p>
-            <a:r>
-              <a:rPr lang="cs-CZ" dirty="0" smtClean="0"/>
-              <a:t>TODO</a:t>
-            </a:r>
-            <a:endParaRPr lang="cs-CZ" dirty="0"/>
-          </a:p>
-        </p:txBody>
-      </p:sp>
-    </p:spTree>
-    <p:extLst>
-      <p:ext uri="{BB962C8B-B14F-4D97-AF65-F5344CB8AC3E}">
-        <p14:creationId xmlns:p14="http://schemas.microsoft.com/office/powerpoint/2010/main" val="1104924098"/>
-      </p:ext>
-    </p:extLst>
-  </p:cSld>
-  <p:clrMapOvr>
-    <a:masterClrMapping/>
-  </p:clrMapOvr>
-</p:sld>
-</file>
-
-<file path=ppt/slides/slide5.xml><?xml version="1.0" encoding="utf-8"?>
-<p:sld xmlns:a="http://schemas.openxmlformats.org/drawingml/2006/main" xmlns:r="http://schemas.openxmlformats.org/officeDocument/2006/relationships" xmlns:p="http://schemas.openxmlformats.org/presentationml/2006/main">
-  <p:cSld>
-    <p:spTree>
-      <p:nvGrpSpPr>
-        <p:cNvPr id="1" name=""/>
-        <p:cNvGrpSpPr/>
-        <p:nvPr/>
-      </p:nvGrpSpPr>
-      <p:grpSpPr>
-        <a:xfrm>
-          <a:off x="0" y="0"/>
-          <a:ext cx="0" cy="0"/>
-          <a:chOff x="0" y="0"/>
-          <a:chExt cx="0" cy="0"/>
-        </a:xfrm>
-      </p:grpSpPr>
-      <p:sp>
-        <p:nvSpPr>
-          <p:cNvPr id="2" name="Nadpis 1"/>
-          <p:cNvSpPr>
-            <a:spLocks noGrp="1"/>
-          </p:cNvSpPr>
-          <p:nvPr>
-            <p:ph type="title"/>
-          </p:nvPr>
-        </p:nvSpPr>
-        <p:spPr/>
-        <p:txBody>
-          <a:bodyPr>
-            <a:normAutofit/>
-          </a:bodyPr>
-          <a:lstStyle/>
-          <a:p>
-            <a:r>
-              <a:rPr lang="cs-CZ" dirty="0"/>
-              <a:t/>
-            </a:r>
-            <a:br>
-              <a:rPr lang="cs-CZ" dirty="0"/>
-            </a:br>
-            <a:r>
-              <a:rPr lang="cs-CZ" dirty="0"/>
-              <a:t>Prahování s pomocí metody </a:t>
-            </a:r>
-            <a:r>
-              <a:rPr lang="cs-CZ" dirty="0" err="1"/>
-              <a:t>Otsu</a:t>
-            </a:r>
-            <a:r>
-              <a:rPr lang="cs-CZ" dirty="0"/>
-              <a:t> </a:t>
-            </a:r>
-            <a:endParaRPr lang="cs-CZ" dirty="0"/>
-          </a:p>
-        </p:txBody>
-      </p:sp>
-      <p:sp>
-        <p:nvSpPr>
-          <p:cNvPr id="3" name="Zástupný symbol pro obsah 2"/>
-          <p:cNvSpPr>
-            <a:spLocks noGrp="1"/>
-          </p:cNvSpPr>
-          <p:nvPr>
-            <p:ph sz="quarter" idx="1"/>
-          </p:nvPr>
-        </p:nvSpPr>
-        <p:spPr/>
-        <p:txBody>
-          <a:bodyPr/>
-          <a:lstStyle/>
-          <a:p>
-            <a:r>
-              <a:rPr lang="cs-CZ" dirty="0" smtClean="0"/>
-              <a:t>TODO</a:t>
-            </a:r>
-            <a:endParaRPr lang="cs-CZ" dirty="0"/>
-          </a:p>
-        </p:txBody>
-      </p:sp>
-    </p:spTree>
-    <p:extLst>
-      <p:ext uri="{BB962C8B-B14F-4D97-AF65-F5344CB8AC3E}">
-        <p14:creationId xmlns:p14="http://schemas.microsoft.com/office/powerpoint/2010/main" val="3373878369"/>
-      </p:ext>
-    </p:extLst>
-  </p:cSld>
-  <p:clrMapOvr>
-    <a:masterClrMapping/>
-  </p:clrMapOvr>
-</p:sld>
-</file>
-
-<file path=ppt/slides/slide6.xml><?xml version="1.0" encoding="utf-8"?>
-<p:sld xmlns:a="http://schemas.openxmlformats.org/drawingml/2006/main" xmlns:r="http://schemas.openxmlformats.org/officeDocument/2006/relationships" xmlns:p="http://schemas.openxmlformats.org/presentationml/2006/main">
-  <p:cSld>
-    <p:spTree>
-      <p:nvGrpSpPr>
-        <p:cNvPr id="1" name=""/>
-        <p:cNvGrpSpPr/>
-        <p:nvPr/>
-      </p:nvGrpSpPr>
-      <p:grpSpPr>
-        <a:xfrm>
-          <a:off x="0" y="0"/>
-          <a:ext cx="0" cy="0"/>
-          <a:chOff x="0" y="0"/>
-          <a:chExt cx="0" cy="0"/>
-        </a:xfrm>
-      </p:grpSpPr>
-      <p:sp>
-        <p:nvSpPr>
-          <p:cNvPr id="2" name="Nadpis 1"/>
-          <p:cNvSpPr>
-            <a:spLocks noGrp="1"/>
-          </p:cNvSpPr>
-          <p:nvPr>
-            <p:ph type="title"/>
-          </p:nvPr>
-        </p:nvSpPr>
-        <p:spPr/>
-        <p:txBody>
-          <a:bodyPr/>
-          <a:lstStyle/>
-          <a:p>
-            <a:r>
-              <a:rPr lang="cs-CZ" dirty="0"/>
-              <a:t>Segmentace obrazu na základě prahování histogramu</a:t>
-            </a:r>
-            <a:endParaRPr lang="cs-CZ" dirty="0"/>
-          </a:p>
-        </p:txBody>
-      </p:sp>
-      <p:sp>
-        <p:nvSpPr>
-          <p:cNvPr id="3" name="Zástupný symbol pro obsah 2"/>
-          <p:cNvSpPr>
-            <a:spLocks noGrp="1"/>
-          </p:cNvSpPr>
-          <p:nvPr>
-            <p:ph sz="quarter" idx="1"/>
-          </p:nvPr>
-        </p:nvSpPr>
-        <p:spPr/>
-        <p:txBody>
-          <a:bodyPr/>
-          <a:lstStyle/>
-          <a:p>
-            <a:r>
-              <a:rPr lang="cs-CZ" dirty="0"/>
-              <a:t>rozdělení jednotlivých částí obrazu do několika </a:t>
-            </a:r>
-            <a:r>
-              <a:rPr lang="cs-CZ" dirty="0" smtClean="0"/>
-              <a:t>podmnožin (popředí x pozadí)</a:t>
-            </a:r>
-          </a:p>
-          <a:p>
-            <a:r>
-              <a:rPr lang="cs-CZ" dirty="0" smtClean="0"/>
-              <a:t>V histogramu hledáme práh</a:t>
-            </a:r>
-          </a:p>
-          <a:p>
-            <a:pPr lvl="1"/>
-            <a:r>
-              <a:rPr lang="cs-CZ" dirty="0" smtClean="0"/>
-              <a:t>Leží mezi shluky podobných bodů</a:t>
-            </a:r>
-          </a:p>
-          <a:p>
-            <a:pPr lvl="1"/>
-            <a:r>
-              <a:rPr lang="cs-CZ" dirty="0" smtClean="0"/>
-              <a:t>Hledáme jej iterativně – dělíme histogram na části podle aktuálního prahu a spočítáme střed mezi průměry hodnot – nový práh</a:t>
-            </a:r>
-          </a:p>
-          <a:p>
-            <a:r>
-              <a:rPr lang="cs-CZ" dirty="0" smtClean="0"/>
-              <a:t>Zvolena adaptivní metoda</a:t>
-            </a:r>
-          </a:p>
-          <a:p>
-            <a:pPr lvl="1"/>
-            <a:r>
-              <a:rPr lang="cs-CZ" dirty="0" smtClean="0"/>
-              <a:t>Práh je ovlivněn pouze malým (</a:t>
-            </a:r>
-            <a:r>
-              <a:rPr lang="cs-CZ" dirty="0" err="1" smtClean="0"/>
-              <a:t>např</a:t>
-            </a:r>
-            <a:r>
-              <a:rPr lang="cs-CZ" dirty="0" smtClean="0"/>
-              <a:t>, 30 x 30 </a:t>
-            </a:r>
-            <a:r>
-              <a:rPr lang="cs-CZ" dirty="0" err="1" smtClean="0"/>
-              <a:t>px</a:t>
-            </a:r>
-            <a:r>
-              <a:rPr lang="cs-CZ" dirty="0" smtClean="0"/>
-              <a:t>) okolím bodu</a:t>
-            </a:r>
-            <a:endParaRPr lang="cs-CZ" dirty="0"/>
-          </a:p>
-        </p:txBody>
-      </p:sp>
-    </p:spTree>
-    <p:extLst>
-      <p:ext uri="{BB962C8B-B14F-4D97-AF65-F5344CB8AC3E}">
-        <p14:creationId xmlns:p14="http://schemas.microsoft.com/office/powerpoint/2010/main" val="234269293"/>
-      </p:ext>
-    </p:extLst>
-  </p:cSld>
-  <p:clrMapOvr>
-    <a:masterClrMapping/>
-  </p:clrMapOvr>
-</p:sld>
-</file>
-
-<file path=ppt/slides/slide7.xml><?xml version="1.0" encoding="utf-8"?>
-<p:sld xmlns:a="http://schemas.openxmlformats.org/drawingml/2006/main" xmlns:r="http://schemas.openxmlformats.org/officeDocument/2006/relationships" xmlns:p="http://schemas.openxmlformats.org/presentationml/2006/main">
-  <p:cSld>
-    <p:spTree>
-      <p:nvGrpSpPr>
-        <p:cNvPr id="1" name=""/>
-        <p:cNvGrpSpPr/>
-        <p:nvPr/>
-      </p:nvGrpSpPr>
-      <p:grpSpPr>
-        <a:xfrm>
-          <a:off x="0" y="0"/>
-          <a:ext cx="0" cy="0"/>
-          <a:chOff x="0" y="0"/>
-          <a:chExt cx="0" cy="0"/>
-        </a:xfrm>
-      </p:grpSpPr>
-      <p:sp>
-        <p:nvSpPr>
-          <p:cNvPr id="2" name="Nadpis 1"/>
-          <p:cNvSpPr>
-            <a:spLocks noGrp="1"/>
-          </p:cNvSpPr>
-          <p:nvPr>
-            <p:ph type="title"/>
-          </p:nvPr>
-        </p:nvSpPr>
-        <p:spPr/>
-        <p:txBody>
-          <a:bodyPr/>
-          <a:lstStyle/>
-          <a:p>
-            <a:r>
-              <a:rPr lang="cs-CZ" dirty="0" smtClean="0"/>
               <a:t>Segmentace:</a:t>
             </a:r>
             <a:br>
@@ -6358,10 +5693,17 @@
   <p:clrMapOvr>
     <a:masterClrMapping/>
   </p:clrMapOvr>
+  <p:timing>
+    <p:tnLst>
+      <p:par>
+        <p:cTn id="1" dur="indefinite" restart="never" nodeType="tmRoot"/>
+      </p:par>
+    </p:tnLst>
+  </p:timing>
 </p:sld>
 </file>
 
-<file path=ppt/slides/slide8.xml><?xml version="1.0" encoding="utf-8"?>
+<file path=ppt/slides/slide12.xml><?xml version="1.0" encoding="utf-8"?>
 <p:sld xmlns:a="http://schemas.openxmlformats.org/drawingml/2006/main" xmlns:r="http://schemas.openxmlformats.org/officeDocument/2006/relationships" xmlns:p="http://schemas.openxmlformats.org/presentationml/2006/main">
   <p:cSld>
     <p:spTree>
@@ -6467,10 +5809,17 @@
   <p:clrMapOvr>
     <a:masterClrMapping/>
   </p:clrMapOvr>
+  <p:timing>
+    <p:tnLst>
+      <p:par>
+        <p:cTn id="1" dur="indefinite" restart="never" nodeType="tmRoot"/>
+      </p:par>
+    </p:tnLst>
+  </p:timing>
 </p:sld>
 </file>
 
-<file path=ppt/slides/slide9.xml><?xml version="1.0" encoding="utf-8"?>
+<file path=ppt/slides/slide13.xml><?xml version="1.0" encoding="utf-8"?>
 <p:sld xmlns:a="http://schemas.openxmlformats.org/drawingml/2006/main" xmlns:r="http://schemas.openxmlformats.org/officeDocument/2006/relationships" xmlns:p="http://schemas.openxmlformats.org/presentationml/2006/main">
   <p:cSld>
     <p:spTree>
@@ -6790,6 +6139,1599 @@
   <p:clrMapOvr>
     <a:masterClrMapping/>
   </p:clrMapOvr>
+  <p:timing>
+    <p:tnLst>
+      <p:par>
+        <p:cTn id="1" dur="indefinite" restart="never" nodeType="tmRoot"/>
+      </p:par>
+    </p:tnLst>
+  </p:timing>
+</p:sld>
+</file>
+
+<file path=ppt/slides/slide14.xml><?xml version="1.0" encoding="utf-8"?>
+<p:sld xmlns:a="http://schemas.openxmlformats.org/drawingml/2006/main" xmlns:r="http://schemas.openxmlformats.org/officeDocument/2006/relationships" xmlns:p="http://schemas.openxmlformats.org/presentationml/2006/main">
+  <p:cSld>
+    <p:spTree>
+      <p:nvGrpSpPr>
+        <p:cNvPr id="1" name=""/>
+        <p:cNvGrpSpPr/>
+        <p:nvPr/>
+      </p:nvGrpSpPr>
+      <p:grpSpPr>
+        <a:xfrm>
+          <a:off x="0" y="0"/>
+          <a:ext cx="0" cy="0"/>
+          <a:chOff x="0" y="0"/>
+          <a:chExt cx="0" cy="0"/>
+        </a:xfrm>
+      </p:grpSpPr>
+      <p:sp>
+        <p:nvSpPr>
+          <p:cNvPr id="2" name="Nadpis 1"/>
+          <p:cNvSpPr>
+            <a:spLocks noGrp="1"/>
+          </p:cNvSpPr>
+          <p:nvPr>
+            <p:ph type="title"/>
+          </p:nvPr>
+        </p:nvSpPr>
+        <p:spPr/>
+        <p:txBody>
+          <a:bodyPr/>
+          <a:lstStyle/>
+          <a:p>
+            <a:r>
+              <a:rPr lang="cs-CZ" dirty="0" smtClean="0"/>
+              <a:t>Použitá literatura</a:t>
+            </a:r>
+            <a:endParaRPr lang="cs-CZ" dirty="0"/>
+          </a:p>
+        </p:txBody>
+      </p:sp>
+      <p:sp>
+        <p:nvSpPr>
+          <p:cNvPr id="3" name="Zástupný symbol pro obsah 2"/>
+          <p:cNvSpPr>
+            <a:spLocks noGrp="1"/>
+          </p:cNvSpPr>
+          <p:nvPr>
+            <p:ph sz="quarter" idx="1"/>
+          </p:nvPr>
+        </p:nvSpPr>
+        <p:spPr/>
+        <p:txBody>
+          <a:bodyPr/>
+          <a:lstStyle/>
+          <a:p>
+            <a:r>
+              <a:rPr lang="cs-CZ" sz="1400" dirty="0" smtClean="0"/>
+              <a:t>L</a:t>
+            </a:r>
+            <a:r>
+              <a:rPr lang="cs-CZ" sz="1400" dirty="0"/>
+              <a:t>. Lucas, Image </a:t>
+            </a:r>
+            <a:r>
+              <a:rPr lang="cs-CZ" sz="1400" dirty="0" err="1"/>
+              <a:t>Segmentation</a:t>
+            </a:r>
+            <a:r>
+              <a:rPr lang="cs-CZ" sz="1400" dirty="0"/>
+              <a:t>. </a:t>
+            </a:r>
+            <a:r>
+              <a:rPr lang="cs-CZ" sz="1400" dirty="0" err="1"/>
+              <a:t>München</a:t>
+            </a:r>
+            <a:r>
+              <a:rPr lang="cs-CZ" sz="1400" dirty="0"/>
+              <a:t> : </a:t>
+            </a:r>
+            <a:r>
+              <a:rPr lang="cs-CZ" sz="1400" dirty="0" err="1"/>
+              <a:t>Technische</a:t>
+            </a:r>
+            <a:r>
+              <a:rPr lang="cs-CZ" sz="1400" dirty="0"/>
+              <a:t> </a:t>
+            </a:r>
+            <a:r>
+              <a:rPr lang="cs-CZ" sz="1400" dirty="0" err="1"/>
+              <a:t>Universität</a:t>
+            </a:r>
+            <a:r>
+              <a:rPr lang="cs-CZ" sz="1400" dirty="0"/>
+              <a:t> </a:t>
+            </a:r>
+            <a:r>
+              <a:rPr lang="cs-CZ" sz="1400" dirty="0" err="1"/>
+              <a:t>München</a:t>
+            </a:r>
+            <a:r>
+              <a:rPr lang="cs-CZ" sz="1400" dirty="0"/>
+              <a:t>, 2010.</a:t>
+            </a:r>
+          </a:p>
+          <a:p>
+            <a:r>
+              <a:rPr lang="cs-CZ" sz="1400" dirty="0"/>
+              <a:t>F. </a:t>
+            </a:r>
+            <a:r>
+              <a:rPr lang="cs-CZ" sz="1400" dirty="0" err="1"/>
+              <a:t>Kurugollu</a:t>
+            </a:r>
+            <a:r>
+              <a:rPr lang="cs-CZ" sz="1400" dirty="0"/>
+              <a:t>, B. </a:t>
+            </a:r>
+            <a:r>
+              <a:rPr lang="cs-CZ" sz="1400" dirty="0" err="1"/>
+              <a:t>Sankur</a:t>
+            </a:r>
+            <a:r>
+              <a:rPr lang="cs-CZ" sz="1400" dirty="0"/>
+              <a:t>, A.E. Harmanci. </a:t>
+            </a:r>
+            <a:r>
+              <a:rPr lang="cs-CZ" sz="1400" dirty="0" err="1"/>
+              <a:t>Color</a:t>
+            </a:r>
+            <a:r>
+              <a:rPr lang="cs-CZ" sz="1400" dirty="0"/>
+              <a:t> image </a:t>
+            </a:r>
+            <a:r>
+              <a:rPr lang="cs-CZ" sz="1400" dirty="0" err="1"/>
+              <a:t>segmentation</a:t>
+            </a:r>
+            <a:r>
+              <a:rPr lang="cs-CZ" sz="1400" dirty="0"/>
+              <a:t> </a:t>
+            </a:r>
+            <a:r>
+              <a:rPr lang="cs-CZ" sz="1400" dirty="0" err="1"/>
+              <a:t>using</a:t>
+            </a:r>
+            <a:r>
+              <a:rPr lang="cs-CZ" sz="1400" dirty="0"/>
+              <a:t> histogram </a:t>
+            </a:r>
+            <a:r>
+              <a:rPr lang="cs-CZ" sz="1400" dirty="0" err="1"/>
+              <a:t>multithresholding</a:t>
+            </a:r>
+            <a:r>
+              <a:rPr lang="cs-CZ" sz="1400" dirty="0"/>
+              <a:t> and </a:t>
+            </a:r>
+            <a:r>
+              <a:rPr lang="cs-CZ" sz="1400" dirty="0" err="1"/>
+              <a:t>fusion</a:t>
+            </a:r>
+            <a:r>
+              <a:rPr lang="cs-CZ" sz="1400" dirty="0"/>
+              <a:t>. 2001.</a:t>
+            </a:r>
+          </a:p>
+          <a:p>
+            <a:r>
+              <a:rPr lang="cs-CZ" sz="1400" dirty="0" err="1"/>
+              <a:t>Rajagopal</a:t>
+            </a:r>
+            <a:r>
+              <a:rPr lang="cs-CZ" sz="1400" dirty="0"/>
+              <a:t>, </a:t>
+            </a:r>
+            <a:r>
+              <a:rPr lang="cs-CZ" sz="1400" dirty="0" err="1"/>
+              <a:t>Venugopal</a:t>
+            </a:r>
+            <a:r>
+              <a:rPr lang="cs-CZ" sz="1400" dirty="0"/>
+              <a:t>. Image </a:t>
+            </a:r>
+            <a:r>
+              <a:rPr lang="cs-CZ" sz="1400" dirty="0" err="1"/>
+              <a:t>Segmentation</a:t>
+            </a:r>
+            <a:r>
+              <a:rPr lang="cs-CZ" sz="1400" dirty="0"/>
+              <a:t> by Histogram </a:t>
+            </a:r>
+            <a:r>
+              <a:rPr lang="cs-CZ" sz="1400" dirty="0" err="1"/>
+              <a:t>Thresholding</a:t>
+            </a:r>
+            <a:r>
+              <a:rPr lang="cs-CZ" sz="1400" dirty="0"/>
+              <a:t>. 2002</a:t>
+            </a:r>
+            <a:r>
+              <a:rPr lang="cs-CZ" sz="1400" dirty="0" smtClean="0"/>
+              <a:t>.</a:t>
+            </a:r>
+          </a:p>
+          <a:p>
+            <a:r>
+              <a:rPr lang="pl-PL" sz="1400" dirty="0" smtClean="0"/>
+              <a:t>http</a:t>
+            </a:r>
+            <a:r>
+              <a:rPr lang="pl-PL" sz="1400" dirty="0"/>
+              <a:t>://homepages.inf.ed.ac.uk/rbf/CVonline/LOCAL_COPIES/MORSE/threshold.pdf</a:t>
+            </a:r>
+          </a:p>
+          <a:p>
+            <a:r>
+              <a:rPr lang="pl-PL" sz="1400" dirty="0" smtClean="0"/>
+              <a:t>http</a:t>
+            </a:r>
+            <a:r>
+              <a:rPr lang="pl-PL" sz="1400" dirty="0"/>
+              <a:t>://www.codeproject.com/Articles/38319/Famous-Otsu-Thresholding-in-C</a:t>
+            </a:r>
+          </a:p>
+          <a:p>
+            <a:r>
+              <a:rPr lang="pl-PL" sz="1400" dirty="0" smtClean="0"/>
+              <a:t>http</a:t>
+            </a:r>
+            <a:r>
+              <a:rPr lang="pl-PL" sz="1400" dirty="0"/>
+              <a:t>://www.labbookpages.co.uk/software/imgProc/otsuThreshold.html</a:t>
+            </a:r>
+          </a:p>
+          <a:p>
+            <a:r>
+              <a:rPr lang="pl-PL" sz="1400" dirty="0" smtClean="0"/>
+              <a:t>Inspirace </a:t>
+            </a:r>
+            <a:r>
+              <a:rPr lang="pl-PL" sz="1400" dirty="0"/>
+              <a:t>z projektu z HSC (FIT VUT Brno)</a:t>
+            </a:r>
+          </a:p>
+          <a:p>
+            <a:r>
+              <a:rPr lang="cs-CZ" sz="1400" smtClean="0"/>
+              <a:t>http</a:t>
+            </a:r>
+            <a:r>
+              <a:rPr lang="cs-CZ" sz="1400" dirty="0"/>
+              <a:t>://www.khronos.org/files/opencl-1-2-quick-reference-card.pdf</a:t>
+            </a:r>
+          </a:p>
+          <a:p>
+            <a:endParaRPr lang="cs-CZ" dirty="0"/>
+          </a:p>
+        </p:txBody>
+      </p:sp>
+    </p:spTree>
+    <p:extLst>
+      <p:ext uri="{BB962C8B-B14F-4D97-AF65-F5344CB8AC3E}">
+        <p14:creationId xmlns:p14="http://schemas.microsoft.com/office/powerpoint/2010/main" val="437460664"/>
+      </p:ext>
+    </p:extLst>
+  </p:cSld>
+  <p:clrMapOvr>
+    <a:masterClrMapping/>
+  </p:clrMapOvr>
+  <p:timing>
+    <p:tnLst>
+      <p:par>
+        <p:cTn id="1" dur="indefinite" restart="never" nodeType="tmRoot"/>
+      </p:par>
+    </p:tnLst>
+  </p:timing>
+</p:sld>
+</file>
+
+<file path=ppt/slides/slide2.xml><?xml version="1.0" encoding="utf-8"?>
+<p:sld xmlns:a="http://schemas.openxmlformats.org/drawingml/2006/main" xmlns:r="http://schemas.openxmlformats.org/officeDocument/2006/relationships" xmlns:p="http://schemas.openxmlformats.org/presentationml/2006/main">
+  <p:cSld>
+    <p:spTree>
+      <p:nvGrpSpPr>
+        <p:cNvPr id="1" name=""/>
+        <p:cNvGrpSpPr/>
+        <p:nvPr/>
+      </p:nvGrpSpPr>
+      <p:grpSpPr>
+        <a:xfrm>
+          <a:off x="0" y="0"/>
+          <a:ext cx="0" cy="0"/>
+          <a:chOff x="0" y="0"/>
+          <a:chExt cx="0" cy="0"/>
+        </a:xfrm>
+      </p:grpSpPr>
+      <p:sp>
+        <p:nvSpPr>
+          <p:cNvPr id="2" name="Nadpis 1"/>
+          <p:cNvSpPr>
+            <a:spLocks noGrp="1"/>
+          </p:cNvSpPr>
+          <p:nvPr>
+            <p:ph type="title"/>
+          </p:nvPr>
+        </p:nvSpPr>
+        <p:spPr/>
+        <p:txBody>
+          <a:bodyPr/>
+          <a:lstStyle/>
+          <a:p>
+            <a:r>
+              <a:rPr lang="cs-CZ" dirty="0" smtClean="0"/>
+              <a:t>Upřesnění zadání</a:t>
+            </a:r>
+            <a:endParaRPr lang="cs-CZ" dirty="0"/>
+          </a:p>
+        </p:txBody>
+      </p:sp>
+      <p:sp>
+        <p:nvSpPr>
+          <p:cNvPr id="3" name="Zástupný symbol pro obsah 2"/>
+          <p:cNvSpPr>
+            <a:spLocks noGrp="1"/>
+          </p:cNvSpPr>
+          <p:nvPr>
+            <p:ph sz="quarter" idx="1"/>
+          </p:nvPr>
+        </p:nvSpPr>
+        <p:spPr/>
+        <p:txBody>
+          <a:bodyPr>
+            <a:normAutofit/>
+          </a:bodyPr>
+          <a:lstStyle/>
+          <a:p>
+            <a:pPr lvl="0"/>
+            <a:r>
+              <a:rPr lang="cs-CZ" dirty="0"/>
+              <a:t>Implementovat výpočet histogramu vstupního obrázku pomocí </a:t>
+            </a:r>
+            <a:r>
+              <a:rPr lang="cs-CZ" dirty="0" err="1"/>
+              <a:t>OpenCL</a:t>
+            </a:r>
+            <a:r>
+              <a:rPr lang="cs-CZ" dirty="0"/>
+              <a:t>.</a:t>
+            </a:r>
+          </a:p>
+          <a:p>
+            <a:pPr lvl="0"/>
+            <a:r>
+              <a:rPr lang="cs-CZ" dirty="0"/>
+              <a:t>Každý člen týmu implementovat jednu metodu využívající histogramu, a to jak s pomocí </a:t>
+            </a:r>
+            <a:r>
+              <a:rPr lang="cs-CZ" dirty="0" err="1"/>
+              <a:t>OpenCL</a:t>
+            </a:r>
+            <a:r>
+              <a:rPr lang="cs-CZ" dirty="0"/>
+              <a:t> tak CPU implementaci.</a:t>
+            </a:r>
+          </a:p>
+          <a:p>
+            <a:pPr lvl="0"/>
+            <a:r>
+              <a:rPr lang="cs-CZ" dirty="0"/>
+              <a:t>Vstup aplikace zpracuje vždy oběma způsoby a vypíše čas každé z nich</a:t>
+            </a:r>
+            <a:r>
+              <a:rPr lang="cs-CZ" dirty="0" smtClean="0"/>
+              <a:t>. Zvolené </a:t>
+            </a:r>
+            <a:r>
+              <a:rPr lang="cs-CZ" dirty="0"/>
+              <a:t>metody (algoritmy):</a:t>
+            </a:r>
+          </a:p>
+          <a:p>
+            <a:pPr lvl="1"/>
+            <a:r>
+              <a:rPr lang="cs-CZ" dirty="0" err="1"/>
+              <a:t>Ekvalizace</a:t>
+            </a:r>
+            <a:r>
+              <a:rPr lang="cs-CZ" dirty="0"/>
+              <a:t> histogramu</a:t>
+            </a:r>
+          </a:p>
+          <a:p>
+            <a:pPr lvl="1"/>
+            <a:r>
+              <a:rPr lang="cs-CZ" dirty="0"/>
+              <a:t>Prahování s pomocí metody </a:t>
+            </a:r>
+            <a:r>
+              <a:rPr lang="cs-CZ" dirty="0" err="1"/>
+              <a:t>Otsu</a:t>
+            </a:r>
+            <a:r>
+              <a:rPr lang="cs-CZ" dirty="0"/>
+              <a:t> </a:t>
+            </a:r>
+          </a:p>
+          <a:p>
+            <a:pPr lvl="1"/>
+            <a:r>
+              <a:rPr lang="cs-CZ" dirty="0"/>
+              <a:t>Segmentace obrazu na základě prahování </a:t>
+            </a:r>
+            <a:r>
+              <a:rPr lang="cs-CZ" dirty="0" smtClean="0"/>
+              <a:t>histogramu</a:t>
+            </a:r>
+            <a:endParaRPr lang="cs-CZ" dirty="0"/>
+          </a:p>
+        </p:txBody>
+      </p:sp>
+    </p:spTree>
+    <p:extLst>
+      <p:ext uri="{BB962C8B-B14F-4D97-AF65-F5344CB8AC3E}">
+        <p14:creationId xmlns:p14="http://schemas.microsoft.com/office/powerpoint/2010/main" val="4017374415"/>
+      </p:ext>
+    </p:extLst>
+  </p:cSld>
+  <p:clrMapOvr>
+    <a:masterClrMapping/>
+  </p:clrMapOvr>
+  <p:timing>
+    <p:tnLst>
+      <p:par>
+        <p:cTn id="1" dur="indefinite" restart="never" nodeType="tmRoot"/>
+      </p:par>
+    </p:tnLst>
+  </p:timing>
+</p:sld>
+</file>
+
+<file path=ppt/slides/slide3.xml><?xml version="1.0" encoding="utf-8"?>
+<p:sld xmlns:a="http://schemas.openxmlformats.org/drawingml/2006/main" xmlns:r="http://schemas.openxmlformats.org/officeDocument/2006/relationships" xmlns:p="http://schemas.openxmlformats.org/presentationml/2006/main">
+  <p:cSld>
+    <p:spTree>
+      <p:nvGrpSpPr>
+        <p:cNvPr id="1" name=""/>
+        <p:cNvGrpSpPr/>
+        <p:nvPr/>
+      </p:nvGrpSpPr>
+      <p:grpSpPr>
+        <a:xfrm>
+          <a:off x="0" y="0"/>
+          <a:ext cx="0" cy="0"/>
+          <a:chOff x="0" y="0"/>
+          <a:chExt cx="0" cy="0"/>
+        </a:xfrm>
+      </p:grpSpPr>
+      <p:sp>
+        <p:nvSpPr>
+          <p:cNvPr id="2" name="Nadpis 1"/>
+          <p:cNvSpPr>
+            <a:spLocks noGrp="1"/>
+          </p:cNvSpPr>
+          <p:nvPr>
+            <p:ph type="title"/>
+          </p:nvPr>
+        </p:nvSpPr>
+        <p:spPr/>
+        <p:txBody>
+          <a:bodyPr/>
+          <a:lstStyle/>
+          <a:p>
+            <a:r>
+              <a:rPr lang="cs-CZ" dirty="0" smtClean="0"/>
+              <a:t>Výpočet histogramu</a:t>
+            </a:r>
+            <a:endParaRPr lang="cs-CZ" dirty="0"/>
+          </a:p>
+        </p:txBody>
+      </p:sp>
+      <p:sp>
+        <p:nvSpPr>
+          <p:cNvPr id="3" name="Zástupný symbol pro obsah 2"/>
+          <p:cNvSpPr>
+            <a:spLocks noGrp="1"/>
+          </p:cNvSpPr>
+          <p:nvPr>
+            <p:ph sz="quarter" idx="1"/>
+          </p:nvPr>
+        </p:nvSpPr>
+        <p:spPr/>
+        <p:txBody>
+          <a:bodyPr/>
+          <a:lstStyle/>
+          <a:p>
+            <a:r>
+              <a:rPr lang="cs-CZ" dirty="0" smtClean="0"/>
+              <a:t>TODO</a:t>
+            </a:r>
+            <a:endParaRPr lang="cs-CZ" dirty="0"/>
+          </a:p>
+        </p:txBody>
+      </p:sp>
+    </p:spTree>
+    <p:extLst>
+      <p:ext uri="{BB962C8B-B14F-4D97-AF65-F5344CB8AC3E}">
+        <p14:creationId xmlns:p14="http://schemas.microsoft.com/office/powerpoint/2010/main" val="515786011"/>
+      </p:ext>
+    </p:extLst>
+  </p:cSld>
+  <p:clrMapOvr>
+    <a:masterClrMapping/>
+  </p:clrMapOvr>
+  <p:timing>
+    <p:tnLst>
+      <p:par>
+        <p:cTn id="1" dur="indefinite" restart="never" nodeType="tmRoot"/>
+      </p:par>
+    </p:tnLst>
+  </p:timing>
+</p:sld>
+</file>
+
+<file path=ppt/slides/slide4.xml><?xml version="1.0" encoding="utf-8"?>
+<p:sld xmlns:a="http://schemas.openxmlformats.org/drawingml/2006/main" xmlns:r="http://schemas.openxmlformats.org/officeDocument/2006/relationships" xmlns:p="http://schemas.openxmlformats.org/presentationml/2006/main">
+  <p:cSld>
+    <p:spTree>
+      <p:nvGrpSpPr>
+        <p:cNvPr id="1" name=""/>
+        <p:cNvGrpSpPr/>
+        <p:nvPr/>
+      </p:nvGrpSpPr>
+      <p:grpSpPr>
+        <a:xfrm>
+          <a:off x="0" y="0"/>
+          <a:ext cx="0" cy="0"/>
+          <a:chOff x="0" y="0"/>
+          <a:chExt cx="0" cy="0"/>
+        </a:xfrm>
+      </p:grpSpPr>
+      <p:sp>
+        <p:nvSpPr>
+          <p:cNvPr id="2" name="Nadpis 1"/>
+          <p:cNvSpPr>
+            <a:spLocks noGrp="1"/>
+          </p:cNvSpPr>
+          <p:nvPr>
+            <p:ph type="title"/>
+          </p:nvPr>
+        </p:nvSpPr>
+        <p:spPr/>
+        <p:txBody>
+          <a:bodyPr/>
+          <a:lstStyle/>
+          <a:p>
+            <a:r>
+              <a:rPr lang="cs-CZ" dirty="0" err="1" smtClean="0"/>
+              <a:t>Ekvalizace</a:t>
+            </a:r>
+            <a:r>
+              <a:rPr lang="cs-CZ" dirty="0" smtClean="0"/>
+              <a:t> histogramu</a:t>
+            </a:r>
+            <a:endParaRPr lang="cs-CZ" dirty="0"/>
+          </a:p>
+        </p:txBody>
+      </p:sp>
+      <p:sp>
+        <p:nvSpPr>
+          <p:cNvPr id="3" name="Zástupný symbol pro obsah 2"/>
+          <p:cNvSpPr>
+            <a:spLocks noGrp="1"/>
+          </p:cNvSpPr>
+          <p:nvPr>
+            <p:ph sz="quarter" idx="1"/>
+          </p:nvPr>
+        </p:nvSpPr>
+        <p:spPr/>
+        <p:txBody>
+          <a:bodyPr/>
+          <a:lstStyle/>
+          <a:p>
+            <a:r>
+              <a:rPr lang="cs-CZ" dirty="0" smtClean="0"/>
+              <a:t>TODO</a:t>
+            </a:r>
+            <a:endParaRPr lang="cs-CZ" dirty="0"/>
+          </a:p>
+        </p:txBody>
+      </p:sp>
+    </p:spTree>
+    <p:extLst>
+      <p:ext uri="{BB962C8B-B14F-4D97-AF65-F5344CB8AC3E}">
+        <p14:creationId xmlns:p14="http://schemas.microsoft.com/office/powerpoint/2010/main" val="1104924098"/>
+      </p:ext>
+    </p:extLst>
+  </p:cSld>
+  <p:clrMapOvr>
+    <a:masterClrMapping/>
+  </p:clrMapOvr>
+  <p:timing>
+    <p:tnLst>
+      <p:par>
+        <p:cTn id="1" dur="indefinite" restart="never" nodeType="tmRoot"/>
+      </p:par>
+    </p:tnLst>
+  </p:timing>
+</p:sld>
+</file>
+
+<file path=ppt/slides/slide5.xml><?xml version="1.0" encoding="utf-8"?>
+<p:sld xmlns:a="http://schemas.openxmlformats.org/drawingml/2006/main" xmlns:r="http://schemas.openxmlformats.org/officeDocument/2006/relationships" xmlns:p="http://schemas.openxmlformats.org/presentationml/2006/main">
+  <p:cSld>
+    <p:spTree>
+      <p:nvGrpSpPr>
+        <p:cNvPr id="1" name=""/>
+        <p:cNvGrpSpPr/>
+        <p:nvPr/>
+      </p:nvGrpSpPr>
+      <p:grpSpPr>
+        <a:xfrm>
+          <a:off x="0" y="0"/>
+          <a:ext cx="0" cy="0"/>
+          <a:chOff x="0" y="0"/>
+          <a:chExt cx="0" cy="0"/>
+        </a:xfrm>
+      </p:grpSpPr>
+      <p:sp>
+        <p:nvSpPr>
+          <p:cNvPr id="2" name="Nadpis 1"/>
+          <p:cNvSpPr>
+            <a:spLocks noGrp="1"/>
+          </p:cNvSpPr>
+          <p:nvPr>
+            <p:ph type="title"/>
+          </p:nvPr>
+        </p:nvSpPr>
+        <p:spPr/>
+        <p:txBody>
+          <a:bodyPr>
+            <a:normAutofit/>
+          </a:bodyPr>
+          <a:lstStyle/>
+          <a:p>
+            <a:r>
+              <a:rPr lang="cs-CZ" dirty="0"/>
+              <a:t/>
+            </a:r>
+            <a:br>
+              <a:rPr lang="cs-CZ" dirty="0"/>
+            </a:br>
+            <a:r>
+              <a:rPr lang="cs-CZ" dirty="0"/>
+              <a:t>Prahování s pomocí metody </a:t>
+            </a:r>
+            <a:r>
+              <a:rPr lang="cs-CZ" dirty="0" err="1"/>
+              <a:t>Otsu</a:t>
+            </a:r>
+            <a:r>
+              <a:rPr lang="cs-CZ" dirty="0"/>
+              <a:t> </a:t>
+            </a:r>
+          </a:p>
+        </p:txBody>
+      </p:sp>
+      <p:sp>
+        <p:nvSpPr>
+          <p:cNvPr id="3" name="Zástupný symbol pro obsah 2"/>
+          <p:cNvSpPr>
+            <a:spLocks noGrp="1"/>
+          </p:cNvSpPr>
+          <p:nvPr>
+            <p:ph sz="quarter" idx="1"/>
+          </p:nvPr>
+        </p:nvSpPr>
+        <p:spPr/>
+        <p:txBody>
+          <a:bodyPr/>
+          <a:lstStyle/>
+          <a:p>
+            <a:r>
+              <a:rPr lang="cs-CZ" dirty="0"/>
+              <a:t>H</a:t>
+            </a:r>
+            <a:r>
+              <a:rPr lang="cs-CZ" dirty="0" smtClean="0"/>
+              <a:t>ledání </a:t>
+            </a:r>
+            <a:r>
+              <a:rPr lang="cs-CZ" dirty="0"/>
+              <a:t>optimálního prahu na základě výpočtu </a:t>
+            </a:r>
+            <a:r>
+              <a:rPr lang="cs-CZ" dirty="0" smtClean="0"/>
+              <a:t>rozptylu.</a:t>
+            </a:r>
+          </a:p>
+          <a:p>
+            <a:r>
+              <a:rPr lang="cs-CZ" dirty="0" smtClean="0"/>
+              <a:t>Cílem </a:t>
+            </a:r>
+            <a:r>
+              <a:rPr lang="cs-CZ" dirty="0"/>
+              <a:t>je najít takový </a:t>
+            </a:r>
+            <a:r>
+              <a:rPr lang="cs-CZ" dirty="0" smtClean="0"/>
+              <a:t>práh, </a:t>
+            </a:r>
+            <a:r>
+              <a:rPr lang="cs-CZ" dirty="0"/>
+              <a:t>který maximalizuje mezi-rozptyl, nebo alternativně minimalizuje vnitřní rozptyl</a:t>
+            </a:r>
+            <a:r>
+              <a:rPr lang="cs-CZ" dirty="0" smtClean="0"/>
+              <a:t>.</a:t>
+            </a:r>
+            <a:endParaRPr lang="cs-CZ" dirty="0"/>
+          </a:p>
+        </p:txBody>
+      </p:sp>
+      <p:pic>
+        <p:nvPicPr>
+          <p:cNvPr id="3077" name="Picture 5"/>
+          <p:cNvPicPr>
+            <a:picLocks noChangeAspect="1" noChangeArrowheads="1"/>
+          </p:cNvPicPr>
+          <p:nvPr/>
+        </p:nvPicPr>
+        <p:blipFill>
+          <a:blip r:embed="rId2">
+            <a:extLst>
+              <a:ext uri="{28A0092B-C50C-407E-A947-70E740481C1C}">
+                <a14:useLocalDpi xmlns:a14="http://schemas.microsoft.com/office/drawing/2010/main" val="0"/>
+              </a:ext>
+            </a:extLst>
+          </a:blip>
+          <a:srcRect/>
+          <a:stretch>
+            <a:fillRect/>
+          </a:stretch>
+        </p:blipFill>
+        <p:spPr bwMode="auto">
+          <a:xfrm>
+            <a:off x="2267744" y="3724224"/>
+            <a:ext cx="4032448" cy="2660562"/>
+          </a:xfrm>
+          <a:prstGeom prst="rect">
+            <a:avLst/>
+          </a:prstGeom>
+          <a:noFill/>
+          <a:ln>
+            <a:noFill/>
+          </a:ln>
+          <a:effectLst/>
+          <a:extLst>
+            <a:ext uri="{909E8E84-426E-40DD-AFC4-6F175D3DCCD1}">
+              <a14:hiddenFill xmlns:a14="http://schemas.microsoft.com/office/drawing/2010/main">
+                <a:solidFill>
+                  <a:schemeClr val="accent1"/>
+                </a:solidFill>
+              </a14:hiddenFill>
+            </a:ext>
+            <a:ext uri="{91240B29-F687-4F45-9708-019B960494DF}">
+              <a14:hiddenLine xmlns:a14="http://schemas.microsoft.com/office/drawing/2010/main" w="9525">
+                <a:solidFill>
+                  <a:schemeClr val="tx1"/>
+                </a:solidFill>
+                <a:miter lim="800000"/>
+                <a:headEnd/>
+                <a:tailEnd/>
+              </a14:hiddenLine>
+            </a:ext>
+            <a:ext uri="{AF507438-7753-43E0-B8FC-AC1667EBCBE1}">
+              <a14:hiddenEffects xmlns:a14="http://schemas.microsoft.com/office/drawing/2010/main">
+                <a:effectLst>
+                  <a:outerShdw dist="35921" dir="2700000" algn="ctr" rotWithShape="0">
+                    <a:schemeClr val="bg2"/>
+                  </a:outerShdw>
+                </a:effectLst>
+              </a14:hiddenEffects>
+            </a:ext>
+          </a:extLst>
+        </p:spPr>
+      </p:pic>
+    </p:spTree>
+    <p:extLst>
+      <p:ext uri="{BB962C8B-B14F-4D97-AF65-F5344CB8AC3E}">
+        <p14:creationId xmlns:p14="http://schemas.microsoft.com/office/powerpoint/2010/main" val="3373878369"/>
+      </p:ext>
+    </p:extLst>
+  </p:cSld>
+  <p:clrMapOvr>
+    <a:masterClrMapping/>
+  </p:clrMapOvr>
+  <p:timing>
+    <p:tnLst>
+      <p:par>
+        <p:cTn id="1" dur="indefinite" restart="never" nodeType="tmRoot"/>
+      </p:par>
+    </p:tnLst>
+  </p:timing>
+</p:sld>
+</file>
+
+<file path=ppt/slides/slide6.xml><?xml version="1.0" encoding="utf-8"?>
+<p:sld xmlns:a="http://schemas.openxmlformats.org/drawingml/2006/main" xmlns:r="http://schemas.openxmlformats.org/officeDocument/2006/relationships" xmlns:p="http://schemas.openxmlformats.org/presentationml/2006/main">
+  <p:cSld>
+    <p:spTree>
+      <p:nvGrpSpPr>
+        <p:cNvPr id="1" name=""/>
+        <p:cNvGrpSpPr/>
+        <p:nvPr/>
+      </p:nvGrpSpPr>
+      <p:grpSpPr>
+        <a:xfrm>
+          <a:off x="0" y="0"/>
+          <a:ext cx="0" cy="0"/>
+          <a:chOff x="0" y="0"/>
+          <a:chExt cx="0" cy="0"/>
+        </a:xfrm>
+      </p:grpSpPr>
+      <p:sp>
+        <p:nvSpPr>
+          <p:cNvPr id="2" name="Nadpis 1"/>
+          <p:cNvSpPr>
+            <a:spLocks noGrp="1"/>
+          </p:cNvSpPr>
+          <p:nvPr>
+            <p:ph type="title"/>
+          </p:nvPr>
+        </p:nvSpPr>
+        <p:spPr/>
+        <p:txBody>
+          <a:bodyPr/>
+          <a:lstStyle/>
+          <a:p>
+            <a:r>
+              <a:rPr lang="cs-CZ" dirty="0" err="1"/>
+              <a:t>Prahování</a:t>
+            </a:r>
+            <a:r>
+              <a:rPr lang="cs-CZ" dirty="0"/>
+              <a:t> s pomocí metody </a:t>
+            </a:r>
+            <a:r>
+              <a:rPr lang="cs-CZ" dirty="0" err="1"/>
+              <a:t>Otsu</a:t>
+            </a:r>
+            <a:endParaRPr lang="cs-CZ" dirty="0"/>
+          </a:p>
+        </p:txBody>
+      </p:sp>
+      <p:sp>
+        <p:nvSpPr>
+          <p:cNvPr id="3" name="Zástupný symbol pro obsah 2"/>
+          <p:cNvSpPr>
+            <a:spLocks noGrp="1"/>
+          </p:cNvSpPr>
+          <p:nvPr>
+            <p:ph sz="quarter" idx="1"/>
+          </p:nvPr>
+        </p:nvSpPr>
+        <p:spPr/>
+        <p:txBody>
+          <a:bodyPr/>
+          <a:lstStyle/>
+          <a:p>
+            <a:endParaRPr lang="cs-CZ"/>
+          </a:p>
+        </p:txBody>
+      </p:sp>
+      <p:pic>
+        <p:nvPicPr>
+          <p:cNvPr id="5122" name="Picture 2"/>
+          <p:cNvPicPr>
+            <a:picLocks noChangeAspect="1" noChangeArrowheads="1"/>
+          </p:cNvPicPr>
+          <p:nvPr/>
+        </p:nvPicPr>
+        <p:blipFill rotWithShape="1">
+          <a:blip r:embed="rId2">
+            <a:extLst>
+              <a:ext uri="{28A0092B-C50C-407E-A947-70E740481C1C}">
+                <a14:useLocalDpi xmlns:a14="http://schemas.microsoft.com/office/drawing/2010/main" val="0"/>
+              </a:ext>
+            </a:extLst>
+          </a:blip>
+          <a:srcRect l="26427" t="17677" r="13091" b="15846"/>
+          <a:stretch/>
+        </p:blipFill>
+        <p:spPr bwMode="auto">
+          <a:xfrm>
+            <a:off x="179512" y="1556792"/>
+            <a:ext cx="8578593" cy="5301208"/>
+          </a:xfrm>
+          <a:prstGeom prst="rect">
+            <a:avLst/>
+          </a:prstGeom>
+          <a:noFill/>
+          <a:ln>
+            <a:noFill/>
+          </a:ln>
+          <a:effectLst/>
+          <a:extLst>
+            <a:ext uri="{909E8E84-426E-40DD-AFC4-6F175D3DCCD1}">
+              <a14:hiddenFill xmlns:a14="http://schemas.microsoft.com/office/drawing/2010/main">
+                <a:solidFill>
+                  <a:schemeClr val="accent1"/>
+                </a:solidFill>
+              </a14:hiddenFill>
+            </a:ext>
+            <a:ext uri="{91240B29-F687-4F45-9708-019B960494DF}">
+              <a14:hiddenLine xmlns:a14="http://schemas.microsoft.com/office/drawing/2010/main" w="9525">
+                <a:solidFill>
+                  <a:schemeClr val="tx1"/>
+                </a:solidFill>
+                <a:miter lim="800000"/>
+                <a:headEnd/>
+                <a:tailEnd/>
+              </a14:hiddenLine>
+            </a:ext>
+            <a:ext uri="{AF507438-7753-43E0-B8FC-AC1667EBCBE1}">
+              <a14:hiddenEffects xmlns:a14="http://schemas.microsoft.com/office/drawing/2010/main">
+                <a:effectLst>
+                  <a:outerShdw dist="35921" dir="2700000" algn="ctr" rotWithShape="0">
+                    <a:schemeClr val="bg2"/>
+                  </a:outerShdw>
+                </a:effectLst>
+              </a14:hiddenEffects>
+            </a:ext>
+          </a:extLst>
+        </p:spPr>
+      </p:pic>
+    </p:spTree>
+    <p:extLst>
+      <p:ext uri="{BB962C8B-B14F-4D97-AF65-F5344CB8AC3E}">
+        <p14:creationId xmlns:p14="http://schemas.microsoft.com/office/powerpoint/2010/main" val="3929802479"/>
+      </p:ext>
+    </p:extLst>
+  </p:cSld>
+  <p:clrMapOvr>
+    <a:masterClrMapping/>
+  </p:clrMapOvr>
+  <p:timing>
+    <p:tnLst>
+      <p:par>
+        <p:cTn id="1" dur="indefinite" restart="never" nodeType="tmRoot"/>
+      </p:par>
+    </p:tnLst>
+  </p:timing>
+</p:sld>
+</file>
+
+<file path=ppt/slides/slide7.xml><?xml version="1.0" encoding="utf-8"?>
+<p:sld xmlns:a="http://schemas.openxmlformats.org/drawingml/2006/main" xmlns:r="http://schemas.openxmlformats.org/officeDocument/2006/relationships" xmlns:p="http://schemas.openxmlformats.org/presentationml/2006/main">
+  <p:cSld>
+    <p:spTree>
+      <p:nvGrpSpPr>
+        <p:cNvPr id="1" name=""/>
+        <p:cNvGrpSpPr/>
+        <p:nvPr/>
+      </p:nvGrpSpPr>
+      <p:grpSpPr>
+        <a:xfrm>
+          <a:off x="0" y="0"/>
+          <a:ext cx="0" cy="0"/>
+          <a:chOff x="0" y="0"/>
+          <a:chExt cx="0" cy="0"/>
+        </a:xfrm>
+      </p:grpSpPr>
+      <p:sp>
+        <p:nvSpPr>
+          <p:cNvPr id="2" name="Nadpis 1"/>
+          <p:cNvSpPr>
+            <a:spLocks noGrp="1"/>
+          </p:cNvSpPr>
+          <p:nvPr>
+            <p:ph type="title"/>
+          </p:nvPr>
+        </p:nvSpPr>
+        <p:spPr/>
+        <p:txBody>
+          <a:bodyPr>
+            <a:normAutofit/>
+          </a:bodyPr>
+          <a:lstStyle/>
+          <a:p>
+            <a:r>
+              <a:rPr lang="cs-CZ" dirty="0"/>
+              <a:t/>
+            </a:r>
+            <a:br>
+              <a:rPr lang="cs-CZ" dirty="0"/>
+            </a:br>
+            <a:r>
+              <a:rPr lang="cs-CZ" dirty="0"/>
+              <a:t>Prahování s pomocí metody </a:t>
+            </a:r>
+            <a:r>
+              <a:rPr lang="cs-CZ" dirty="0" err="1"/>
+              <a:t>Otsu</a:t>
+            </a:r>
+            <a:r>
+              <a:rPr lang="cs-CZ" dirty="0"/>
+              <a:t> </a:t>
+            </a:r>
+          </a:p>
+        </p:txBody>
+      </p:sp>
+      <p:pic>
+        <p:nvPicPr>
+          <p:cNvPr id="6" name="Picture 4" descr="http://www.labbookpages.co.uk/software/imgProc/files/otsuResult.png"/>
+          <p:cNvPicPr>
+            <a:picLocks noChangeAspect="1" noChangeArrowheads="1"/>
+          </p:cNvPicPr>
+          <p:nvPr/>
+        </p:nvPicPr>
+        <p:blipFill>
+          <a:blip r:embed="rId2">
+            <a:extLst>
+              <a:ext uri="{28A0092B-C50C-407E-A947-70E740481C1C}">
+                <a14:useLocalDpi xmlns:a14="http://schemas.microsoft.com/office/drawing/2010/main" val="0"/>
+              </a:ext>
+            </a:extLst>
+          </a:blip>
+          <a:srcRect/>
+          <a:stretch>
+            <a:fillRect/>
+          </a:stretch>
+        </p:blipFill>
+        <p:spPr bwMode="auto">
+          <a:xfrm>
+            <a:off x="1907704" y="4581128"/>
+            <a:ext cx="4896544" cy="1846944"/>
+          </a:xfrm>
+          <a:prstGeom prst="rect">
+            <a:avLst/>
+          </a:prstGeom>
+          <a:noFill/>
+          <a:extLst>
+            <a:ext uri="{909E8E84-426E-40DD-AFC4-6F175D3DCCD1}">
+              <a14:hiddenFill xmlns:a14="http://schemas.microsoft.com/office/drawing/2010/main">
+                <a:solidFill>
+                  <a:srgbClr val="FFFFFF"/>
+                </a:solidFill>
+              </a14:hiddenFill>
+            </a:ext>
+          </a:extLst>
+        </p:spPr>
+      </p:pic>
+      <p:pic>
+        <p:nvPicPr>
+          <p:cNvPr id="4100" name="Picture 4" descr="Background levels"/>
+          <p:cNvPicPr>
+            <a:picLocks noChangeAspect="1" noChangeArrowheads="1"/>
+          </p:cNvPicPr>
+          <p:nvPr/>
+        </p:nvPicPr>
+        <p:blipFill>
+          <a:blip r:embed="rId3">
+            <a:extLst>
+              <a:ext uri="{28A0092B-C50C-407E-A947-70E740481C1C}">
+                <a14:useLocalDpi xmlns:a14="http://schemas.microsoft.com/office/drawing/2010/main" val="0"/>
+              </a:ext>
+            </a:extLst>
+          </a:blip>
+          <a:srcRect/>
+          <a:stretch>
+            <a:fillRect/>
+          </a:stretch>
+        </p:blipFill>
+        <p:spPr bwMode="auto">
+          <a:xfrm>
+            <a:off x="683568" y="1484784"/>
+            <a:ext cx="3471548" cy="2725708"/>
+          </a:xfrm>
+          <a:prstGeom prst="rect">
+            <a:avLst/>
+          </a:prstGeom>
+          <a:noFill/>
+          <a:extLst>
+            <a:ext uri="{909E8E84-426E-40DD-AFC4-6F175D3DCCD1}">
+              <a14:hiddenFill xmlns:a14="http://schemas.microsoft.com/office/drawing/2010/main">
+                <a:solidFill>
+                  <a:srgbClr val="FFFFFF"/>
+                </a:solidFill>
+              </a14:hiddenFill>
+            </a:ext>
+          </a:extLst>
+        </p:spPr>
+      </p:pic>
+      <p:pic>
+        <p:nvPicPr>
+          <p:cNvPr id="4102" name="Picture 6" descr="Foreground levels"/>
+          <p:cNvPicPr>
+            <a:picLocks noChangeAspect="1" noChangeArrowheads="1"/>
+          </p:cNvPicPr>
+          <p:nvPr/>
+        </p:nvPicPr>
+        <p:blipFill>
+          <a:blip r:embed="rId4">
+            <a:extLst>
+              <a:ext uri="{28A0092B-C50C-407E-A947-70E740481C1C}">
+                <a14:useLocalDpi xmlns:a14="http://schemas.microsoft.com/office/drawing/2010/main" val="0"/>
+              </a:ext>
+            </a:extLst>
+          </a:blip>
+          <a:srcRect/>
+          <a:stretch>
+            <a:fillRect/>
+          </a:stretch>
+        </p:blipFill>
+        <p:spPr bwMode="auto">
+          <a:xfrm>
+            <a:off x="4644008" y="1484784"/>
+            <a:ext cx="3728070" cy="2695475"/>
+          </a:xfrm>
+          <a:prstGeom prst="rect">
+            <a:avLst/>
+          </a:prstGeom>
+          <a:noFill/>
+          <a:extLst>
+            <a:ext uri="{909E8E84-426E-40DD-AFC4-6F175D3DCCD1}">
+              <a14:hiddenFill xmlns:a14="http://schemas.microsoft.com/office/drawing/2010/main">
+                <a:solidFill>
+                  <a:srgbClr val="FFFFFF"/>
+                </a:solidFill>
+              </a14:hiddenFill>
+            </a:ext>
+          </a:extLst>
+        </p:spPr>
+      </p:pic>
+      <p:sp>
+        <p:nvSpPr>
+          <p:cNvPr id="4" name="Obdélník 3"/>
+          <p:cNvSpPr/>
+          <p:nvPr/>
+        </p:nvSpPr>
+        <p:spPr>
+          <a:xfrm>
+            <a:off x="1187624" y="6488668"/>
+            <a:ext cx="6696744" cy="369332"/>
+          </a:xfrm>
+          <a:prstGeom prst="rect">
+            <a:avLst/>
+          </a:prstGeom>
+        </p:spPr>
+        <p:txBody>
+          <a:bodyPr wrap="square">
+            <a:spAutoFit/>
+          </a:bodyPr>
+          <a:lstStyle/>
+          <a:p>
+            <a:r>
+              <a:rPr lang="cs-CZ" dirty="0" smtClean="0">
+                <a:hlinkClick r:id="rId5"/>
+              </a:rPr>
+              <a:t>www.labbookpages.co.uk/software/imgProc/otsuThreshold.html</a:t>
+            </a:r>
+            <a:endParaRPr lang="cs-CZ" dirty="0"/>
+          </a:p>
+        </p:txBody>
+      </p:sp>
+    </p:spTree>
+    <p:extLst>
+      <p:ext uri="{BB962C8B-B14F-4D97-AF65-F5344CB8AC3E}">
+        <p14:creationId xmlns:p14="http://schemas.microsoft.com/office/powerpoint/2010/main" val="2019928245"/>
+      </p:ext>
+    </p:extLst>
+  </p:cSld>
+  <p:clrMapOvr>
+    <a:masterClrMapping/>
+  </p:clrMapOvr>
+  <p:timing>
+    <p:tnLst>
+      <p:par>
+        <p:cTn id="1" dur="indefinite" restart="never" nodeType="tmRoot"/>
+      </p:par>
+    </p:tnLst>
+  </p:timing>
+</p:sld>
+</file>
+
+<file path=ppt/slides/slide8.xml><?xml version="1.0" encoding="utf-8"?>
+<p:sld xmlns:a="http://schemas.openxmlformats.org/drawingml/2006/main" xmlns:r="http://schemas.openxmlformats.org/officeDocument/2006/relationships" xmlns:p="http://schemas.openxmlformats.org/presentationml/2006/main">
+  <p:cSld>
+    <p:spTree>
+      <p:nvGrpSpPr>
+        <p:cNvPr id="1" name=""/>
+        <p:cNvGrpSpPr/>
+        <p:nvPr/>
+      </p:nvGrpSpPr>
+      <p:grpSpPr>
+        <a:xfrm>
+          <a:off x="0" y="0"/>
+          <a:ext cx="0" cy="0"/>
+          <a:chOff x="0" y="0"/>
+          <a:chExt cx="0" cy="0"/>
+        </a:xfrm>
+      </p:grpSpPr>
+      <p:sp>
+        <p:nvSpPr>
+          <p:cNvPr id="2" name="Nadpis 1"/>
+          <p:cNvSpPr>
+            <a:spLocks noGrp="1"/>
+          </p:cNvSpPr>
+          <p:nvPr>
+            <p:ph type="title"/>
+          </p:nvPr>
+        </p:nvSpPr>
+        <p:spPr/>
+        <p:txBody>
+          <a:bodyPr>
+            <a:normAutofit/>
+          </a:bodyPr>
+          <a:lstStyle/>
+          <a:p>
+            <a:r>
+              <a:rPr lang="cs-CZ" dirty="0"/>
+              <a:t/>
+            </a:r>
+            <a:br>
+              <a:rPr lang="cs-CZ" dirty="0"/>
+            </a:br>
+            <a:r>
+              <a:rPr lang="cs-CZ" dirty="0"/>
+              <a:t>Prahování s pomocí metody </a:t>
+            </a:r>
+            <a:r>
+              <a:rPr lang="cs-CZ" dirty="0" err="1"/>
+              <a:t>Otsu</a:t>
+            </a:r>
+            <a:r>
+              <a:rPr lang="cs-CZ" dirty="0"/>
+              <a:t> </a:t>
+            </a:r>
+          </a:p>
+        </p:txBody>
+      </p:sp>
+      <p:sp>
+        <p:nvSpPr>
+          <p:cNvPr id="4" name="Rectangle 2"/>
+          <p:cNvSpPr>
+            <a:spLocks noChangeArrowheads="1"/>
+          </p:cNvSpPr>
+          <p:nvPr/>
+        </p:nvSpPr>
+        <p:spPr bwMode="auto">
+          <a:xfrm>
+            <a:off x="0" y="0"/>
+            <a:ext cx="9144000" cy="0"/>
+          </a:xfrm>
+          <a:prstGeom prst="rect">
+            <a:avLst/>
+          </a:prstGeom>
+          <a:noFill/>
+          <a:ln>
+            <a:noFill/>
+          </a:ln>
+          <a:effectLst/>
+          <a:extLst>
+            <a:ext uri="{909E8E84-426E-40DD-AFC4-6F175D3DCCD1}">
+              <a14:hiddenFill xmlns:a14="http://schemas.microsoft.com/office/drawing/2010/main">
+                <a:solidFill>
+                  <a:schemeClr val="accent1"/>
+                </a:solidFill>
+              </a14:hiddenFill>
+            </a:ext>
+            <a:ext uri="{91240B29-F687-4F45-9708-019B960494DF}">
+              <a14:hiddenLine xmlns:a14="http://schemas.microsoft.com/office/drawing/2010/main" w="9525">
+                <a:solidFill>
+                  <a:schemeClr val="tx1"/>
+                </a:solidFill>
+                <a:miter lim="800000"/>
+                <a:headEnd/>
+                <a:tailEnd/>
+              </a14:hiddenLine>
+            </a:ext>
+            <a:ext uri="{AF507438-7753-43E0-B8FC-AC1667EBCBE1}">
+              <a14:hiddenEffects xmlns:a14="http://schemas.microsoft.com/office/drawing/2010/main">
+                <a:effectLst>
+                  <a:outerShdw dist="35921" dir="2700000" algn="ctr" rotWithShape="0">
+                    <a:schemeClr val="bg2"/>
+                  </a:outerShdw>
+                </a:effectLst>
+              </a14:hiddenEffects>
+            </a:ext>
+          </a:extLst>
+        </p:spPr>
+        <p:txBody>
+          <a:bodyPr vert="horz" wrap="none" lIns="91440" tIns="45720" rIns="91440" bIns="45720" numCol="1" anchor="ctr" anchorCtr="0" compatLnSpc="1">
+            <a:prstTxWarp prst="textNoShape">
+              <a:avLst/>
+            </a:prstTxWarp>
+            <a:spAutoFit/>
+          </a:bodyPr>
+          <a:lstStyle/>
+          <a:p>
+            <a:endParaRPr lang="cs-CZ"/>
+          </a:p>
+        </p:txBody>
+      </p:sp>
+      <p:graphicFrame>
+        <p:nvGraphicFramePr>
+          <p:cNvPr id="5" name="Objekt 4"/>
+          <p:cNvGraphicFramePr>
+            <a:graphicFrameLocks noChangeAspect="1"/>
+          </p:cNvGraphicFramePr>
+          <p:nvPr>
+            <p:extLst>
+              <p:ext uri="{D42A27DB-BD31-4B8C-83A1-F6EECF244321}">
+                <p14:modId xmlns:p14="http://schemas.microsoft.com/office/powerpoint/2010/main" val="1802145847"/>
+              </p:ext>
+            </p:extLst>
+          </p:nvPr>
+        </p:nvGraphicFramePr>
+        <p:xfrm>
+          <a:off x="431540" y="1988840"/>
+          <a:ext cx="8280920" cy="3916651"/>
+        </p:xfrm>
+        <a:graphic>
+          <a:graphicData uri="http://schemas.openxmlformats.org/presentationml/2006/ole">
+            <mc:AlternateContent xmlns:mc="http://schemas.openxmlformats.org/markup-compatibility/2006">
+              <mc:Choice xmlns:v="urn:schemas-microsoft-com:vml" Requires="v">
+                <p:oleObj spid="_x0000_s2052" name="Graf" r:id="rId3" imgW="4924254" imgH="2333727" progId="MSGraph.Chart.8">
+                  <p:embed/>
+                </p:oleObj>
+              </mc:Choice>
+              <mc:Fallback>
+                <p:oleObj name="Graf" r:id="rId3" imgW="4924254" imgH="2333727" progId="MSGraph.Chart.8">
+                  <p:embed/>
+                  <p:pic>
+                    <p:nvPicPr>
+                      <p:cNvPr id="0" name="Object 1"/>
+                      <p:cNvPicPr>
+                        <a:picLocks noChangeAspect="1" noChangeArrowheads="1"/>
+                      </p:cNvPicPr>
+                      <p:nvPr/>
+                    </p:nvPicPr>
+                    <p:blipFill>
+                      <a:blip r:embed="rId4">
+                        <a:extLst>
+                          <a:ext uri="{28A0092B-C50C-407E-A947-70E740481C1C}">
+                            <a14:useLocalDpi xmlns:a14="http://schemas.microsoft.com/office/drawing/2010/main" val="0"/>
+                          </a:ext>
+                        </a:extLst>
+                      </a:blip>
+                      <a:srcRect/>
+                      <a:stretch>
+                        <a:fillRect/>
+                      </a:stretch>
+                    </p:blipFill>
+                    <p:spPr bwMode="auto">
+                      <a:xfrm>
+                        <a:off x="431540" y="1988840"/>
+                        <a:ext cx="8280920" cy="3916651"/>
+                      </a:xfrm>
+                      <a:prstGeom prst="rect">
+                        <a:avLst/>
+                      </a:prstGeom>
+                      <a:noFill/>
+                    </p:spPr>
+                  </p:pic>
+                </p:oleObj>
+              </mc:Fallback>
+            </mc:AlternateContent>
+          </a:graphicData>
+        </a:graphic>
+      </p:graphicFrame>
+    </p:spTree>
+    <p:extLst>
+      <p:ext uri="{BB962C8B-B14F-4D97-AF65-F5344CB8AC3E}">
+        <p14:creationId xmlns:p14="http://schemas.microsoft.com/office/powerpoint/2010/main" val="3435571323"/>
+      </p:ext>
+    </p:extLst>
+  </p:cSld>
+  <p:clrMapOvr>
+    <a:masterClrMapping/>
+  </p:clrMapOvr>
+  <p:timing>
+    <p:tnLst>
+      <p:par>
+        <p:cTn id="1" dur="indefinite" restart="never" nodeType="tmRoot"/>
+      </p:par>
+    </p:tnLst>
+  </p:timing>
+</p:sld>
+</file>
+
+<file path=ppt/slides/slide9.xml><?xml version="1.0" encoding="utf-8"?>
+<p:sld xmlns:a="http://schemas.openxmlformats.org/drawingml/2006/main" xmlns:r="http://schemas.openxmlformats.org/officeDocument/2006/relationships" xmlns:p="http://schemas.openxmlformats.org/presentationml/2006/main">
+  <p:cSld>
+    <p:spTree>
+      <p:nvGrpSpPr>
+        <p:cNvPr id="1" name=""/>
+        <p:cNvGrpSpPr/>
+        <p:nvPr/>
+      </p:nvGrpSpPr>
+      <p:grpSpPr>
+        <a:xfrm>
+          <a:off x="0" y="0"/>
+          <a:ext cx="0" cy="0"/>
+          <a:chOff x="0" y="0"/>
+          <a:chExt cx="0" cy="0"/>
+        </a:xfrm>
+      </p:grpSpPr>
+      <p:sp>
+        <p:nvSpPr>
+          <p:cNvPr id="2" name="Nadpis 1"/>
+          <p:cNvSpPr>
+            <a:spLocks noGrp="1"/>
+          </p:cNvSpPr>
+          <p:nvPr>
+            <p:ph type="title"/>
+          </p:nvPr>
+        </p:nvSpPr>
+        <p:spPr/>
+        <p:txBody>
+          <a:bodyPr>
+            <a:normAutofit/>
+          </a:bodyPr>
+          <a:lstStyle/>
+          <a:p>
+            <a:r>
+              <a:rPr lang="cs-CZ" dirty="0"/>
+              <a:t/>
+            </a:r>
+            <a:br>
+              <a:rPr lang="cs-CZ" dirty="0"/>
+            </a:br>
+            <a:r>
+              <a:rPr lang="cs-CZ" dirty="0"/>
+              <a:t>Prahování s pomocí metody </a:t>
+            </a:r>
+            <a:r>
+              <a:rPr lang="cs-CZ" dirty="0" err="1"/>
+              <a:t>Otsu</a:t>
+            </a:r>
+            <a:r>
+              <a:rPr lang="cs-CZ" dirty="0"/>
+              <a:t> </a:t>
+            </a:r>
+          </a:p>
+        </p:txBody>
+      </p:sp>
+      <p:pic>
+        <p:nvPicPr>
+          <p:cNvPr id="1026" name="Picture 2" descr="1483602_677793702264697_631697176_n"/>
+          <p:cNvPicPr>
+            <a:picLocks noChangeAspect="1" noChangeArrowheads="1"/>
+          </p:cNvPicPr>
+          <p:nvPr/>
+        </p:nvPicPr>
+        <p:blipFill>
+          <a:blip r:embed="rId2">
+            <a:extLst>
+              <a:ext uri="{28A0092B-C50C-407E-A947-70E740481C1C}">
+                <a14:useLocalDpi xmlns:a14="http://schemas.microsoft.com/office/drawing/2010/main" val="0"/>
+              </a:ext>
+            </a:extLst>
+          </a:blip>
+          <a:srcRect/>
+          <a:stretch>
+            <a:fillRect/>
+          </a:stretch>
+        </p:blipFill>
+        <p:spPr bwMode="auto">
+          <a:xfrm>
+            <a:off x="251520" y="1628800"/>
+            <a:ext cx="5058042" cy="3816424"/>
+          </a:xfrm>
+          <a:prstGeom prst="rect">
+            <a:avLst/>
+          </a:prstGeom>
+          <a:noFill/>
+          <a:ln>
+            <a:noFill/>
+          </a:ln>
+          <a:extLst>
+            <a:ext uri="{909E8E84-426E-40DD-AFC4-6F175D3DCCD1}">
+              <a14:hiddenFill xmlns:a14="http://schemas.microsoft.com/office/drawing/2010/main">
+                <a:solidFill>
+                  <a:srgbClr val="FFFFFF"/>
+                </a:solidFill>
+              </a14:hiddenFill>
+            </a:ext>
+            <a:ext uri="{91240B29-F687-4F45-9708-019B960494DF}">
+              <a14:hiddenLine xmlns:a14="http://schemas.microsoft.com/office/drawing/2010/main" w="9525">
+                <a:solidFill>
+                  <a:srgbClr val="000000"/>
+                </a:solidFill>
+                <a:miter lim="800000"/>
+                <a:headEnd/>
+                <a:tailEnd/>
+              </a14:hiddenLine>
+            </a:ext>
+          </a:extLst>
+        </p:spPr>
+      </p:pic>
+      <p:pic>
+        <p:nvPicPr>
+          <p:cNvPr id="1028" name="Picture 4"/>
+          <p:cNvPicPr>
+            <a:picLocks noChangeAspect="1" noChangeArrowheads="1"/>
+          </p:cNvPicPr>
+          <p:nvPr/>
+        </p:nvPicPr>
+        <p:blipFill>
+          <a:blip r:embed="rId3">
+            <a:extLst>
+              <a:ext uri="{28A0092B-C50C-407E-A947-70E740481C1C}">
+                <a14:useLocalDpi xmlns:a14="http://schemas.microsoft.com/office/drawing/2010/main" val="0"/>
+              </a:ext>
+            </a:extLst>
+          </a:blip>
+          <a:srcRect/>
+          <a:stretch>
+            <a:fillRect/>
+          </a:stretch>
+        </p:blipFill>
+        <p:spPr bwMode="auto">
+          <a:xfrm>
+            <a:off x="4427984" y="3212976"/>
+            <a:ext cx="4248150" cy="3200400"/>
+          </a:xfrm>
+          <a:prstGeom prst="rect">
+            <a:avLst/>
+          </a:prstGeom>
+          <a:noFill/>
+          <a:ln>
+            <a:noFill/>
+          </a:ln>
+          <a:effectLst/>
+          <a:extLst>
+            <a:ext uri="{909E8E84-426E-40DD-AFC4-6F175D3DCCD1}">
+              <a14:hiddenFill xmlns:a14="http://schemas.microsoft.com/office/drawing/2010/main">
+                <a:solidFill>
+                  <a:schemeClr val="accent1"/>
+                </a:solidFill>
+              </a14:hiddenFill>
+            </a:ext>
+            <a:ext uri="{91240B29-F687-4F45-9708-019B960494DF}">
+              <a14:hiddenLine xmlns:a14="http://schemas.microsoft.com/office/drawing/2010/main" w="9525">
+                <a:solidFill>
+                  <a:schemeClr val="tx1"/>
+                </a:solidFill>
+                <a:miter lim="800000"/>
+                <a:headEnd/>
+                <a:tailEnd/>
+              </a14:hiddenLine>
+            </a:ext>
+            <a:ext uri="{AF507438-7753-43E0-B8FC-AC1667EBCBE1}">
+              <a14:hiddenEffects xmlns:a14="http://schemas.microsoft.com/office/drawing/2010/main">
+                <a:effectLst>
+                  <a:outerShdw dist="35921" dir="2700000" algn="ctr" rotWithShape="0">
+                    <a:schemeClr val="bg2"/>
+                  </a:outerShdw>
+                </a:effectLst>
+              </a14:hiddenEffects>
+            </a:ext>
+          </a:extLst>
+        </p:spPr>
+      </p:pic>
+    </p:spTree>
+    <p:extLst>
+      <p:ext uri="{BB962C8B-B14F-4D97-AF65-F5344CB8AC3E}">
+        <p14:creationId xmlns:p14="http://schemas.microsoft.com/office/powerpoint/2010/main" val="113105705"/>
+      </p:ext>
+    </p:extLst>
+  </p:cSld>
+  <p:clrMapOvr>
+    <a:masterClrMapping/>
+  </p:clrMapOvr>
+  <p:timing>
+    <p:tnLst>
+      <p:par>
+        <p:cTn id="1" dur="indefinite" restart="never" nodeType="tmRoot"/>
+      </p:par>
+    </p:tnLst>
+  </p:timing>
 </p:sld>
 </file>
 

--- a/gmu-prezentace.pptx
+++ b/gmu-prezentace.pptx
@@ -8,17 +8,19 @@
     <p:sldId id="256" r:id="rId2"/>
     <p:sldId id="257" r:id="rId3"/>
     <p:sldId id="258" r:id="rId4"/>
-    <p:sldId id="259" r:id="rId5"/>
-    <p:sldId id="260" r:id="rId6"/>
-    <p:sldId id="269" r:id="rId7"/>
-    <p:sldId id="268" r:id="rId8"/>
-    <p:sldId id="267" r:id="rId9"/>
-    <p:sldId id="266" r:id="rId10"/>
-    <p:sldId id="261" r:id="rId11"/>
-    <p:sldId id="262" r:id="rId12"/>
-    <p:sldId id="263" r:id="rId13"/>
-    <p:sldId id="264" r:id="rId14"/>
-    <p:sldId id="265" r:id="rId15"/>
+    <p:sldId id="270" r:id="rId5"/>
+    <p:sldId id="259" r:id="rId6"/>
+    <p:sldId id="271" r:id="rId7"/>
+    <p:sldId id="260" r:id="rId8"/>
+    <p:sldId id="269" r:id="rId9"/>
+    <p:sldId id="268" r:id="rId10"/>
+    <p:sldId id="267" r:id="rId11"/>
+    <p:sldId id="266" r:id="rId12"/>
+    <p:sldId id="261" r:id="rId13"/>
+    <p:sldId id="262" r:id="rId14"/>
+    <p:sldId id="263" r:id="rId15"/>
+    <p:sldId id="264" r:id="rId16"/>
+    <p:sldId id="265" r:id="rId17"/>
   </p:sldIdLst>
   <p:sldSz cx="9144000" cy="6858000" type="screen4x3"/>
   <p:notesSz cx="6858000" cy="9144000"/>
@@ -120,6 +122,547 @@
 </p:presentation>
 </file>
 
+<file path=ppt/charts/chart1.xml><?xml version="1.0" encoding="utf-8"?>
+<c:chartSpace xmlns:c="http://schemas.openxmlformats.org/drawingml/2006/chart" xmlns:a="http://schemas.openxmlformats.org/drawingml/2006/main" xmlns:r="http://schemas.openxmlformats.org/officeDocument/2006/relationships">
+  <c:date1904 val="0"/>
+  <c:lang val="cs-CZ"/>
+  <c:roundedCorners val="0"/>
+  <mc:AlternateContent xmlns:mc="http://schemas.openxmlformats.org/markup-compatibility/2006">
+    <mc:Choice xmlns:c14="http://schemas.microsoft.com/office/drawing/2007/8/2/chart" Requires="c14">
+      <c14:style val="102"/>
+    </mc:Choice>
+    <mc:Fallback>
+      <c:style val="2"/>
+    </mc:Fallback>
+  </mc:AlternateContent>
+  <c:chart>
+    <c:autoTitleDeleted val="0"/>
+    <c:plotArea>
+      <c:layout>
+        <c:manualLayout>
+          <c:layoutTarget val="inner"/>
+          <c:xMode val="edge"/>
+          <c:yMode val="edge"/>
+          <c:x val="4.1100073461281472E-2"/>
+          <c:y val="6.6293995859213251E-2"/>
+          <c:w val="0.67974380839525861"/>
+          <c:h val="0.85050423044945467"/>
+        </c:manualLayout>
+      </c:layout>
+      <c:lineChart>
+        <c:grouping val="standard"/>
+        <c:varyColors val="0"/>
+        <c:ser>
+          <c:idx val="0"/>
+          <c:order val="0"/>
+          <c:tx>
+            <c:strRef>
+              <c:f>[gmu.xlsx]List2!$B$3</c:f>
+              <c:strCache>
+                <c:ptCount val="1"/>
+                <c:pt idx="0">
+                  <c:v>CPU [ms]</c:v>
+                </c:pt>
+              </c:strCache>
+            </c:strRef>
+          </c:tx>
+          <c:marker>
+            <c:symbol val="none"/>
+          </c:marker>
+          <c:cat>
+            <c:numRef>
+              <c:f>[gmu.xlsx]List2!$A$4:$A$9</c:f>
+              <c:numCache>
+                <c:formatCode>General</c:formatCode>
+                <c:ptCount val="6"/>
+                <c:pt idx="0">
+                  <c:v>0.11</c:v>
+                </c:pt>
+                <c:pt idx="1">
+                  <c:v>0.18</c:v>
+                </c:pt>
+                <c:pt idx="2">
+                  <c:v>0.28000000000000003</c:v>
+                </c:pt>
+                <c:pt idx="3">
+                  <c:v>0.45</c:v>
+                </c:pt>
+                <c:pt idx="4">
+                  <c:v>0.7</c:v>
+                </c:pt>
+                <c:pt idx="5">
+                  <c:v>1.1000000000000001</c:v>
+                </c:pt>
+              </c:numCache>
+            </c:numRef>
+          </c:cat>
+          <c:val>
+            <c:numRef>
+              <c:f>[gmu.xlsx]List2!$B$4:$B$9</c:f>
+              <c:numCache>
+                <c:formatCode>General</c:formatCode>
+                <c:ptCount val="6"/>
+                <c:pt idx="0">
+                  <c:v>0.375</c:v>
+                </c:pt>
+                <c:pt idx="1">
+                  <c:v>0.60799999999999998</c:v>
+                </c:pt>
+                <c:pt idx="2">
+                  <c:v>0.9</c:v>
+                </c:pt>
+                <c:pt idx="3">
+                  <c:v>1.4</c:v>
+                </c:pt>
+                <c:pt idx="4">
+                  <c:v>2.3199999999999998</c:v>
+                </c:pt>
+                <c:pt idx="5">
+                  <c:v>3.5</c:v>
+                </c:pt>
+              </c:numCache>
+            </c:numRef>
+          </c:val>
+          <c:smooth val="0"/>
+        </c:ser>
+        <c:ser>
+          <c:idx val="1"/>
+          <c:order val="1"/>
+          <c:tx>
+            <c:strRef>
+              <c:f>[gmu.xlsx]List2!$C$3</c:f>
+              <c:strCache>
+                <c:ptCount val="1"/>
+                <c:pt idx="0">
+                  <c:v>GPU (atomické) [ms]</c:v>
+                </c:pt>
+              </c:strCache>
+            </c:strRef>
+          </c:tx>
+          <c:marker>
+            <c:symbol val="none"/>
+          </c:marker>
+          <c:cat>
+            <c:numRef>
+              <c:f>[gmu.xlsx]List2!$A$4:$A$9</c:f>
+              <c:numCache>
+                <c:formatCode>General</c:formatCode>
+                <c:ptCount val="6"/>
+                <c:pt idx="0">
+                  <c:v>0.11</c:v>
+                </c:pt>
+                <c:pt idx="1">
+                  <c:v>0.18</c:v>
+                </c:pt>
+                <c:pt idx="2">
+                  <c:v>0.28000000000000003</c:v>
+                </c:pt>
+                <c:pt idx="3">
+                  <c:v>0.45</c:v>
+                </c:pt>
+                <c:pt idx="4">
+                  <c:v>0.7</c:v>
+                </c:pt>
+                <c:pt idx="5">
+                  <c:v>1.1000000000000001</c:v>
+                </c:pt>
+              </c:numCache>
+            </c:numRef>
+          </c:cat>
+          <c:val>
+            <c:numRef>
+              <c:f>[gmu.xlsx]List2!$C$4:$C$9</c:f>
+              <c:numCache>
+                <c:formatCode>General</c:formatCode>
+                <c:ptCount val="6"/>
+                <c:pt idx="0">
+                  <c:v>1.19</c:v>
+                </c:pt>
+                <c:pt idx="1">
+                  <c:v>1.8</c:v>
+                </c:pt>
+                <c:pt idx="2">
+                  <c:v>2.83</c:v>
+                </c:pt>
+                <c:pt idx="3">
+                  <c:v>4.41</c:v>
+                </c:pt>
+                <c:pt idx="4" formatCode="mmm\-yy">
+                  <c:v>6.84</c:v>
+                </c:pt>
+                <c:pt idx="5">
+                  <c:v>10.7</c:v>
+                </c:pt>
+              </c:numCache>
+            </c:numRef>
+          </c:val>
+          <c:smooth val="0"/>
+        </c:ser>
+        <c:dLbls>
+          <c:showLegendKey val="0"/>
+          <c:showVal val="0"/>
+          <c:showCatName val="0"/>
+          <c:showSerName val="0"/>
+          <c:showPercent val="0"/>
+          <c:showBubbleSize val="0"/>
+        </c:dLbls>
+        <c:marker val="1"/>
+        <c:smooth val="0"/>
+        <c:axId val="46072832"/>
+        <c:axId val="38486592"/>
+      </c:lineChart>
+      <c:catAx>
+        <c:axId val="46072832"/>
+        <c:scaling>
+          <c:orientation val="minMax"/>
+        </c:scaling>
+        <c:delete val="0"/>
+        <c:axPos val="b"/>
+        <c:numFmt formatCode="General" sourceLinked="1"/>
+        <c:majorTickMark val="out"/>
+        <c:minorTickMark val="none"/>
+        <c:tickLblPos val="nextTo"/>
+        <c:crossAx val="38486592"/>
+        <c:crosses val="autoZero"/>
+        <c:auto val="1"/>
+        <c:lblAlgn val="ctr"/>
+        <c:lblOffset val="100"/>
+        <c:noMultiLvlLbl val="0"/>
+      </c:catAx>
+      <c:valAx>
+        <c:axId val="38486592"/>
+        <c:scaling>
+          <c:orientation val="minMax"/>
+        </c:scaling>
+        <c:delete val="0"/>
+        <c:axPos val="l"/>
+        <c:majorGridlines/>
+        <c:numFmt formatCode="General" sourceLinked="1"/>
+        <c:majorTickMark val="out"/>
+        <c:minorTickMark val="none"/>
+        <c:tickLblPos val="nextTo"/>
+        <c:crossAx val="46072832"/>
+        <c:crosses val="autoZero"/>
+        <c:crossBetween val="between"/>
+      </c:valAx>
+    </c:plotArea>
+    <c:legend>
+      <c:legendPos val="r"/>
+      <c:layout/>
+      <c:overlay val="0"/>
+    </c:legend>
+    <c:plotVisOnly val="1"/>
+    <c:dispBlanksAs val="gap"/>
+    <c:showDLblsOverMax val="0"/>
+  </c:chart>
+  <c:externalData r:id="rId1">
+    <c:autoUpdate val="0"/>
+  </c:externalData>
+</c:chartSpace>
+</file>
+
+<file path=ppt/charts/chart2.xml><?xml version="1.0" encoding="utf-8"?>
+<c:chartSpace xmlns:c="http://schemas.openxmlformats.org/drawingml/2006/chart" xmlns:a="http://schemas.openxmlformats.org/drawingml/2006/main" xmlns:r="http://schemas.openxmlformats.org/officeDocument/2006/relationships">
+  <c:date1904 val="0"/>
+  <c:lang val="cs-CZ"/>
+  <c:roundedCorners val="0"/>
+  <mc:AlternateContent xmlns:mc="http://schemas.openxmlformats.org/markup-compatibility/2006">
+    <mc:Choice xmlns:c14="http://schemas.microsoft.com/office/drawing/2007/8/2/chart" Requires="c14">
+      <c14:style val="102"/>
+    </mc:Choice>
+    <mc:Fallback>
+      <c:style val="2"/>
+    </mc:Fallback>
+  </mc:AlternateContent>
+  <c:chart>
+    <c:autoTitleDeleted val="0"/>
+    <c:plotArea>
+      <c:layout/>
+      <c:lineChart>
+        <c:grouping val="standard"/>
+        <c:varyColors val="0"/>
+        <c:ser>
+          <c:idx val="0"/>
+          <c:order val="0"/>
+          <c:tx>
+            <c:strRef>
+              <c:f>[gmu.xlsx]List2!$B$3</c:f>
+              <c:strCache>
+                <c:ptCount val="1"/>
+                <c:pt idx="0">
+                  <c:v>CPU [ms]</c:v>
+                </c:pt>
+              </c:strCache>
+            </c:strRef>
+          </c:tx>
+          <c:marker>
+            <c:symbol val="none"/>
+          </c:marker>
+          <c:cat>
+            <c:numRef>
+              <c:f>[gmu.xlsx]List2!$A$4:$A$9</c:f>
+              <c:numCache>
+                <c:formatCode>General</c:formatCode>
+                <c:ptCount val="6"/>
+                <c:pt idx="0">
+                  <c:v>0.11</c:v>
+                </c:pt>
+                <c:pt idx="1">
+                  <c:v>0.18</c:v>
+                </c:pt>
+                <c:pt idx="2">
+                  <c:v>0.28000000000000003</c:v>
+                </c:pt>
+                <c:pt idx="3">
+                  <c:v>0.45</c:v>
+                </c:pt>
+                <c:pt idx="4">
+                  <c:v>0.7</c:v>
+                </c:pt>
+                <c:pt idx="5">
+                  <c:v>1.1000000000000001</c:v>
+                </c:pt>
+              </c:numCache>
+            </c:numRef>
+          </c:cat>
+          <c:val>
+            <c:numRef>
+              <c:f>[gmu.xlsx]List2!$B$4:$B$9</c:f>
+              <c:numCache>
+                <c:formatCode>General</c:formatCode>
+                <c:ptCount val="6"/>
+                <c:pt idx="0">
+                  <c:v>0.375</c:v>
+                </c:pt>
+                <c:pt idx="1">
+                  <c:v>0.60799999999999998</c:v>
+                </c:pt>
+                <c:pt idx="2">
+                  <c:v>0.9</c:v>
+                </c:pt>
+                <c:pt idx="3">
+                  <c:v>1.4</c:v>
+                </c:pt>
+                <c:pt idx="4">
+                  <c:v>2.3199999999999998</c:v>
+                </c:pt>
+                <c:pt idx="5">
+                  <c:v>3.5</c:v>
+                </c:pt>
+              </c:numCache>
+            </c:numRef>
+          </c:val>
+          <c:smooth val="0"/>
+        </c:ser>
+        <c:ser>
+          <c:idx val="1"/>
+          <c:order val="1"/>
+          <c:tx>
+            <c:strRef>
+              <c:f>[gmu.xlsx]List2!$C$3</c:f>
+              <c:strCache>
+                <c:ptCount val="1"/>
+                <c:pt idx="0">
+                  <c:v>GPU (atomické) [ms]</c:v>
+                </c:pt>
+              </c:strCache>
+            </c:strRef>
+          </c:tx>
+          <c:marker>
+            <c:symbol val="none"/>
+          </c:marker>
+          <c:cat>
+            <c:numRef>
+              <c:f>[gmu.xlsx]List2!$A$4:$A$9</c:f>
+              <c:numCache>
+                <c:formatCode>General</c:formatCode>
+                <c:ptCount val="6"/>
+                <c:pt idx="0">
+                  <c:v>0.11</c:v>
+                </c:pt>
+                <c:pt idx="1">
+                  <c:v>0.18</c:v>
+                </c:pt>
+                <c:pt idx="2">
+                  <c:v>0.28000000000000003</c:v>
+                </c:pt>
+                <c:pt idx="3">
+                  <c:v>0.45</c:v>
+                </c:pt>
+                <c:pt idx="4">
+                  <c:v>0.7</c:v>
+                </c:pt>
+                <c:pt idx="5">
+                  <c:v>1.1000000000000001</c:v>
+                </c:pt>
+              </c:numCache>
+            </c:numRef>
+          </c:cat>
+          <c:val>
+            <c:numRef>
+              <c:f>[gmu.xlsx]List2!$C$4:$C$9</c:f>
+              <c:numCache>
+                <c:formatCode>General</c:formatCode>
+                <c:ptCount val="6"/>
+                <c:pt idx="0">
+                  <c:v>1.19</c:v>
+                </c:pt>
+                <c:pt idx="1">
+                  <c:v>1.8</c:v>
+                </c:pt>
+                <c:pt idx="2">
+                  <c:v>2.83</c:v>
+                </c:pt>
+                <c:pt idx="3">
+                  <c:v>4.41</c:v>
+                </c:pt>
+                <c:pt idx="4" formatCode="mmm\-yy">
+                  <c:v>6.84</c:v>
+                </c:pt>
+                <c:pt idx="5">
+                  <c:v>10.7</c:v>
+                </c:pt>
+              </c:numCache>
+            </c:numRef>
+          </c:val>
+          <c:smooth val="0"/>
+        </c:ser>
+        <c:ser>
+          <c:idx val="2"/>
+          <c:order val="2"/>
+          <c:tx>
+            <c:strRef>
+              <c:f>[gmu.xlsx]List2!$D$3</c:f>
+              <c:strCache>
+                <c:ptCount val="1"/>
+                <c:pt idx="0">
+                  <c:v>GPU (rychlé) [ms]</c:v>
+                </c:pt>
+              </c:strCache>
+            </c:strRef>
+          </c:tx>
+          <c:marker>
+            <c:symbol val="none"/>
+          </c:marker>
+          <c:cat>
+            <c:numRef>
+              <c:f>[gmu.xlsx]List2!$A$4:$A$9</c:f>
+              <c:numCache>
+                <c:formatCode>General</c:formatCode>
+                <c:ptCount val="6"/>
+                <c:pt idx="0">
+                  <c:v>0.11</c:v>
+                </c:pt>
+                <c:pt idx="1">
+                  <c:v>0.18</c:v>
+                </c:pt>
+                <c:pt idx="2">
+                  <c:v>0.28000000000000003</c:v>
+                </c:pt>
+                <c:pt idx="3">
+                  <c:v>0.45</c:v>
+                </c:pt>
+                <c:pt idx="4">
+                  <c:v>0.7</c:v>
+                </c:pt>
+                <c:pt idx="5">
+                  <c:v>1.1000000000000001</c:v>
+                </c:pt>
+              </c:numCache>
+            </c:numRef>
+          </c:cat>
+          <c:val>
+            <c:numRef>
+              <c:f>[gmu.xlsx]List2!$D$4:$D$9</c:f>
+              <c:numCache>
+                <c:formatCode>General</c:formatCode>
+                <c:ptCount val="6"/>
+                <c:pt idx="0">
+                  <c:v>1.4</c:v>
+                </c:pt>
+                <c:pt idx="1">
+                  <c:v>1.9</c:v>
+                </c:pt>
+                <c:pt idx="2">
+                  <c:v>2.89</c:v>
+                </c:pt>
+                <c:pt idx="3">
+                  <c:v>3.56</c:v>
+                </c:pt>
+                <c:pt idx="4">
+                  <c:v>5.84</c:v>
+                </c:pt>
+                <c:pt idx="5">
+                  <c:v>8.4</c:v>
+                </c:pt>
+              </c:numCache>
+            </c:numRef>
+          </c:val>
+          <c:smooth val="0"/>
+        </c:ser>
+        <c:dLbls>
+          <c:showLegendKey val="0"/>
+          <c:showVal val="0"/>
+          <c:showCatName val="0"/>
+          <c:showSerName val="0"/>
+          <c:showPercent val="0"/>
+          <c:showBubbleSize val="0"/>
+        </c:dLbls>
+        <c:marker val="1"/>
+        <c:smooth val="0"/>
+        <c:axId val="156693504"/>
+        <c:axId val="88884928"/>
+      </c:lineChart>
+      <c:catAx>
+        <c:axId val="156693504"/>
+        <c:scaling>
+          <c:orientation val="minMax"/>
+        </c:scaling>
+        <c:delete val="0"/>
+        <c:axPos val="b"/>
+        <c:numFmt formatCode="General" sourceLinked="1"/>
+        <c:majorTickMark val="out"/>
+        <c:minorTickMark val="none"/>
+        <c:tickLblPos val="nextTo"/>
+        <c:crossAx val="88884928"/>
+        <c:crosses val="autoZero"/>
+        <c:auto val="1"/>
+        <c:lblAlgn val="ctr"/>
+        <c:lblOffset val="100"/>
+        <c:noMultiLvlLbl val="0"/>
+      </c:catAx>
+      <c:valAx>
+        <c:axId val="88884928"/>
+        <c:scaling>
+          <c:orientation val="minMax"/>
+        </c:scaling>
+        <c:delete val="0"/>
+        <c:axPos val="l"/>
+        <c:majorGridlines/>
+        <c:numFmt formatCode="General" sourceLinked="1"/>
+        <c:majorTickMark val="out"/>
+        <c:minorTickMark val="none"/>
+        <c:tickLblPos val="nextTo"/>
+        <c:crossAx val="156693504"/>
+        <c:crosses val="autoZero"/>
+        <c:crossBetween val="between"/>
+      </c:valAx>
+    </c:plotArea>
+    <c:legend>
+      <c:legendPos val="r"/>
+      <c:layout/>
+      <c:overlay val="0"/>
+    </c:legend>
+    <c:plotVisOnly val="1"/>
+    <c:dispBlanksAs val="gap"/>
+    <c:showDLblsOverMax val="0"/>
+  </c:chart>
+  <c:externalData r:id="rId1">
+    <c:autoUpdate val="0"/>
+  </c:externalData>
+</c:chartSpace>
+</file>
+
 <file path=ppt/slideLayouts/slideLayout1.xml><?xml version="1.0" encoding="utf-8"?>
 <p:sldLayout xmlns:a="http://schemas.openxmlformats.org/drawingml/2006/main" xmlns:r="http://schemas.openxmlformats.org/officeDocument/2006/relationships" xmlns:p="http://schemas.openxmlformats.org/presentationml/2006/main" showMasterSp="0" type="title" preserve="1">
   <p:cSld name="Úvodní snímek">
@@ -257,7 +800,7 @@
           <a:p>
             <a:fld id="{8659894E-4B8B-4C3B-AE32-131AE11BA6F5}" type="datetimeFigureOut">
               <a:rPr lang="cs-CZ" smtClean="0"/>
-              <a:t>5. 12. 2013</a:t>
+              <a:t>5.12.2013</a:t>
             </a:fld>
             <a:endParaRPr lang="cs-CZ"/>
           </a:p>
@@ -1126,7 +1669,7 @@
           <a:p>
             <a:fld id="{8659894E-4B8B-4C3B-AE32-131AE11BA6F5}" type="datetimeFigureOut">
               <a:rPr lang="cs-CZ" smtClean="0"/>
-              <a:t>5. 12. 2013</a:t>
+              <a:t>5.12.2013</a:t>
             </a:fld>
             <a:endParaRPr lang="cs-CZ"/>
           </a:p>
@@ -1301,7 +1844,7 @@
           <a:p>
             <a:fld id="{8659894E-4B8B-4C3B-AE32-131AE11BA6F5}" type="datetimeFigureOut">
               <a:rPr lang="cs-CZ" smtClean="0"/>
-              <a:t>5. 12. 2013</a:t>
+              <a:t>5.12.2013</a:t>
             </a:fld>
             <a:endParaRPr lang="cs-CZ"/>
           </a:p>
@@ -1471,7 +2014,7 @@
           <a:p>
             <a:fld id="{8659894E-4B8B-4C3B-AE32-131AE11BA6F5}" type="datetimeFigureOut">
               <a:rPr lang="cs-CZ" smtClean="0"/>
-              <a:t>5. 12. 2013</a:t>
+              <a:t>5.12.2013</a:t>
             </a:fld>
             <a:endParaRPr lang="cs-CZ"/>
           </a:p>
@@ -1681,7 +2224,7 @@
           <a:p>
             <a:fld id="{8659894E-4B8B-4C3B-AE32-131AE11BA6F5}" type="datetimeFigureOut">
               <a:rPr lang="cs-CZ" smtClean="0"/>
-              <a:t>5. 12. 2013</a:t>
+              <a:t>5.12.2013</a:t>
             </a:fld>
             <a:endParaRPr lang="cs-CZ"/>
           </a:p>
@@ -2495,7 +3038,7 @@
           <a:p>
             <a:fld id="{8659894E-4B8B-4C3B-AE32-131AE11BA6F5}" type="datetimeFigureOut">
               <a:rPr lang="cs-CZ" smtClean="0"/>
-              <a:t>5. 12. 2013</a:t>
+              <a:t>5.12.2013</a:t>
             </a:fld>
             <a:endParaRPr lang="cs-CZ"/>
           </a:p>
@@ -2731,7 +3274,7 @@
           <a:p>
             <a:fld id="{8659894E-4B8B-4C3B-AE32-131AE11BA6F5}" type="datetimeFigureOut">
               <a:rPr lang="cs-CZ" smtClean="0"/>
-              <a:t>5. 12. 2013</a:t>
+              <a:t>5.12.2013</a:t>
             </a:fld>
             <a:endParaRPr lang="cs-CZ"/>
           </a:p>
@@ -3054,7 +3597,7 @@
           <a:p>
             <a:fld id="{8659894E-4B8B-4C3B-AE32-131AE11BA6F5}" type="datetimeFigureOut">
               <a:rPr lang="cs-CZ" smtClean="0"/>
-              <a:t>5. 12. 2013</a:t>
+              <a:t>5.12.2013</a:t>
             </a:fld>
             <a:endParaRPr lang="cs-CZ"/>
           </a:p>
@@ -3144,7 +3687,7 @@
           <a:p>
             <a:fld id="{8659894E-4B8B-4C3B-AE32-131AE11BA6F5}" type="datetimeFigureOut">
               <a:rPr lang="cs-CZ" smtClean="0"/>
-              <a:t>5. 12. 2013</a:t>
+              <a:t>5.12.2013</a:t>
             </a:fld>
             <a:endParaRPr lang="cs-CZ"/>
           </a:p>
@@ -3661,7 +4204,7 @@
           <a:p>
             <a:fld id="{8659894E-4B8B-4C3B-AE32-131AE11BA6F5}" type="datetimeFigureOut">
               <a:rPr lang="cs-CZ" smtClean="0"/>
-              <a:t>5. 12. 2013</a:t>
+              <a:t>5.12.2013</a:t>
             </a:fld>
             <a:endParaRPr lang="cs-CZ"/>
           </a:p>
@@ -4172,7 +4715,7 @@
           <a:p>
             <a:fld id="{8659894E-4B8B-4C3B-AE32-131AE11BA6F5}" type="datetimeFigureOut">
               <a:rPr lang="cs-CZ" smtClean="0"/>
-              <a:t>5. 12. 2013</a:t>
+              <a:t>5.12.2013</a:t>
             </a:fld>
             <a:endParaRPr lang="cs-CZ"/>
           </a:p>
@@ -4417,7 +4960,7 @@
           <a:p>
             <a:fld id="{8659894E-4B8B-4C3B-AE32-131AE11BA6F5}" type="datetimeFigureOut">
               <a:rPr lang="cs-CZ" smtClean="0"/>
-              <a:t>5. 12. 2013</a:t>
+              <a:t>5.12.2013</a:t>
             </a:fld>
             <a:endParaRPr lang="cs-CZ"/>
           </a:p>
@@ -5432,464 +5975,45 @@
         </p:nvSpPr>
         <p:spPr/>
         <p:txBody>
-          <a:bodyPr/>
+          <a:bodyPr>
+            <a:normAutofit/>
+          </a:bodyPr>
           <a:lstStyle/>
           <a:p>
             <a:r>
               <a:rPr lang="cs-CZ" dirty="0"/>
-              <a:t>Segmentace obrazu na základě prahování histogramu</a:t>
-            </a:r>
-          </a:p>
-        </p:txBody>
-      </p:sp>
-      <p:sp>
-        <p:nvSpPr>
-          <p:cNvPr id="3" name="Zástupný symbol pro obsah 2"/>
-          <p:cNvSpPr>
-            <a:spLocks noGrp="1"/>
-          </p:cNvSpPr>
-          <p:nvPr>
-            <p:ph sz="quarter" idx="1"/>
-          </p:nvPr>
-        </p:nvSpPr>
-        <p:spPr/>
-        <p:txBody>
-          <a:bodyPr/>
-          <a:lstStyle/>
-          <a:p>
-            <a:r>
+              <a:t/>
+            </a:r>
+            <a:br>
               <a:rPr lang="cs-CZ" dirty="0"/>
-              <a:t>rozdělení jednotlivých částí obrazu do několika </a:t>
-            </a:r>
-            <a:r>
-              <a:rPr lang="cs-CZ" dirty="0" smtClean="0"/>
-              <a:t>podmnožin (popředí x pozadí)</a:t>
-            </a:r>
-          </a:p>
-          <a:p>
-            <a:r>
-              <a:rPr lang="cs-CZ" dirty="0" smtClean="0"/>
-              <a:t>V histogramu hledáme práh</a:t>
-            </a:r>
-          </a:p>
-          <a:p>
-            <a:pPr lvl="1"/>
-            <a:r>
-              <a:rPr lang="cs-CZ" dirty="0" smtClean="0"/>
-              <a:t>Leží mezi shluky podobných bodů</a:t>
-            </a:r>
-          </a:p>
-          <a:p>
-            <a:pPr lvl="1"/>
-            <a:r>
-              <a:rPr lang="cs-CZ" dirty="0" smtClean="0"/>
-              <a:t>Hledáme jej iterativně – dělíme histogram na části podle aktuálního prahu a spočítáme střed mezi průměry hodnot – nový práh</a:t>
-            </a:r>
-          </a:p>
-          <a:p>
-            <a:r>
-              <a:rPr lang="cs-CZ" dirty="0" smtClean="0"/>
-              <a:t>Zvolena adaptivní metoda</a:t>
-            </a:r>
-          </a:p>
-          <a:p>
-            <a:pPr lvl="1"/>
-            <a:r>
-              <a:rPr lang="cs-CZ" dirty="0" smtClean="0"/>
-              <a:t>Práh je ovlivněn pouze malým (</a:t>
-            </a:r>
-            <a:r>
-              <a:rPr lang="cs-CZ" dirty="0" err="1" smtClean="0"/>
-              <a:t>např</a:t>
-            </a:r>
-            <a:r>
-              <a:rPr lang="cs-CZ" dirty="0" smtClean="0"/>
-              <a:t>, 30 x 30 </a:t>
-            </a:r>
-            <a:r>
-              <a:rPr lang="cs-CZ" dirty="0" err="1" smtClean="0"/>
-              <a:t>px</a:t>
-            </a:r>
-            <a:r>
-              <a:rPr lang="cs-CZ" dirty="0" smtClean="0"/>
-              <a:t>) okolím bodu</a:t>
-            </a:r>
-            <a:endParaRPr lang="cs-CZ" dirty="0"/>
-          </a:p>
-        </p:txBody>
-      </p:sp>
-    </p:spTree>
-    <p:extLst>
-      <p:ext uri="{BB962C8B-B14F-4D97-AF65-F5344CB8AC3E}">
-        <p14:creationId xmlns:p14="http://schemas.microsoft.com/office/powerpoint/2010/main" val="234269293"/>
-      </p:ext>
-    </p:extLst>
-  </p:cSld>
-  <p:clrMapOvr>
-    <a:masterClrMapping/>
-  </p:clrMapOvr>
-  <p:timing>
-    <p:tnLst>
-      <p:par>
-        <p:cTn id="1" dur="indefinite" restart="never" nodeType="tmRoot"/>
-      </p:par>
-    </p:tnLst>
-  </p:timing>
-</p:sld>
-</file>
-
-<file path=ppt/slides/slide11.xml><?xml version="1.0" encoding="utf-8"?>
-<p:sld xmlns:a="http://schemas.openxmlformats.org/drawingml/2006/main" xmlns:r="http://schemas.openxmlformats.org/officeDocument/2006/relationships" xmlns:p="http://schemas.openxmlformats.org/presentationml/2006/main">
-  <p:cSld>
-    <p:spTree>
-      <p:nvGrpSpPr>
-        <p:cNvPr id="1" name=""/>
-        <p:cNvGrpSpPr/>
-        <p:nvPr/>
-      </p:nvGrpSpPr>
-      <p:grpSpPr>
-        <a:xfrm>
-          <a:off x="0" y="0"/>
-          <a:ext cx="0" cy="0"/>
-          <a:chOff x="0" y="0"/>
-          <a:chExt cx="0" cy="0"/>
-        </a:xfrm>
-      </p:grpSpPr>
-      <p:sp>
-        <p:nvSpPr>
-          <p:cNvPr id="2" name="Nadpis 1"/>
-          <p:cNvSpPr>
-            <a:spLocks noGrp="1"/>
-          </p:cNvSpPr>
-          <p:nvPr>
-            <p:ph type="title"/>
-          </p:nvPr>
-        </p:nvSpPr>
-        <p:spPr/>
-        <p:txBody>
-          <a:bodyPr/>
-          <a:lstStyle/>
-          <a:p>
-            <a:r>
-              <a:rPr lang="cs-CZ" dirty="0" smtClean="0"/>
-              <a:t>Segmentace:</a:t>
-            </a:r>
-            <a:br>
-              <a:rPr lang="cs-CZ" dirty="0" smtClean="0"/>
             </a:br>
             <a:r>
-              <a:rPr lang="cs-CZ" dirty="0" smtClean="0"/>
-              <a:t>Přizpůsobení algoritmu pro běh na GPU</a:t>
-            </a:r>
-            <a:endParaRPr lang="cs-CZ" dirty="0"/>
-          </a:p>
-        </p:txBody>
-      </p:sp>
-      <p:sp>
-        <p:nvSpPr>
-          <p:cNvPr id="3" name="Zástupný symbol pro obsah 2"/>
-          <p:cNvSpPr>
-            <a:spLocks noGrp="1"/>
-          </p:cNvSpPr>
-          <p:nvPr>
-            <p:ph sz="quarter" idx="1"/>
-          </p:nvPr>
-        </p:nvSpPr>
-        <p:spPr/>
-        <p:txBody>
-          <a:bodyPr/>
-          <a:lstStyle/>
-          <a:p>
-            <a:r>
-              <a:rPr lang="cs-CZ" dirty="0" smtClean="0"/>
-              <a:t>Práh se počítá pouze z malého okolí pro každý bod nezávisle</a:t>
-            </a:r>
-          </a:p>
-          <a:p>
-            <a:r>
-              <a:rPr lang="cs-CZ" dirty="0" smtClean="0"/>
-              <a:t>Lze tedy výpočet spustit pro velké množství bodů zároveň</a:t>
-            </a:r>
-          </a:p>
-          <a:p>
-            <a:r>
-              <a:rPr lang="cs-CZ" dirty="0" smtClean="0"/>
-              <a:t>Výsledná akcelerace na testovací stroji</a:t>
-            </a:r>
-          </a:p>
-          <a:p>
-            <a:pPr lvl="1"/>
-            <a:r>
               <a:rPr lang="cs-CZ" dirty="0"/>
-              <a:t>CPU – Intel </a:t>
+              <a:t>Prahování s pomocí metody </a:t>
             </a:r>
             <a:r>
               <a:rPr lang="cs-CZ" dirty="0" err="1"/>
-              <a:t>Core</a:t>
-            </a:r>
-            <a:r>
-              <a:rPr lang="cs-CZ" dirty="0"/>
-              <a:t> i7 2.44GHz; GPU NVIDIA </a:t>
-            </a:r>
-            <a:r>
-              <a:rPr lang="cs-CZ" dirty="0" err="1"/>
-              <a:t>GeForce</a:t>
+              <a:t>Otsu</a:t>
             </a:r>
             <a:r>
               <a:rPr lang="cs-CZ" dirty="0"/>
               <a:t> </a:t>
             </a:r>
-            <a:r>
-              <a:rPr lang="cs-CZ" dirty="0" smtClean="0"/>
-              <a:t>GT620M</a:t>
-            </a:r>
-          </a:p>
-          <a:p>
-            <a:pPr lvl="1"/>
-            <a:r>
-              <a:rPr lang="cs-CZ" dirty="0" smtClean="0"/>
-              <a:t>2 – 3 násobná</a:t>
-            </a:r>
-          </a:p>
-          <a:p>
-            <a:pPr lvl="1"/>
-            <a:r>
-              <a:rPr lang="cs-CZ" dirty="0" smtClean="0"/>
-              <a:t>Není tak výrazná</a:t>
-            </a:r>
-          </a:p>
-          <a:p>
-            <a:pPr lvl="2"/>
-            <a:r>
-              <a:rPr lang="cs-CZ" dirty="0" smtClean="0"/>
-              <a:t>Výkonný CPU x Nevýkonná GPU (nízký výkon a počet </a:t>
-            </a:r>
-            <a:r>
-              <a:rPr lang="cs-CZ" dirty="0" err="1" smtClean="0"/>
-              <a:t>shaderů</a:t>
-            </a:r>
-            <a:r>
-              <a:rPr lang="cs-CZ" dirty="0" smtClean="0"/>
-              <a:t>)</a:t>
-            </a:r>
-          </a:p>
-          <a:p>
-            <a:pPr lvl="2"/>
-            <a:r>
-              <a:rPr lang="cs-CZ" dirty="0" smtClean="0"/>
-              <a:t>Algoritmus obsahuje poměrně hodně řídící logiky (cykly, podmínky), které GPU zvládá hůře</a:t>
-            </a:r>
-            <a:endParaRPr lang="cs-CZ" dirty="0"/>
-          </a:p>
-        </p:txBody>
-      </p:sp>
-    </p:spTree>
-    <p:extLst>
-      <p:ext uri="{BB962C8B-B14F-4D97-AF65-F5344CB8AC3E}">
-        <p14:creationId xmlns:p14="http://schemas.microsoft.com/office/powerpoint/2010/main" val="2890374482"/>
-      </p:ext>
-    </p:extLst>
-  </p:cSld>
-  <p:clrMapOvr>
-    <a:masterClrMapping/>
-  </p:clrMapOvr>
-  <p:timing>
-    <p:tnLst>
-      <p:par>
-        <p:cTn id="1" dur="indefinite" restart="never" nodeType="tmRoot"/>
-      </p:par>
-    </p:tnLst>
-  </p:timing>
-</p:sld>
-</file>
-
-<file path=ppt/slides/slide12.xml><?xml version="1.0" encoding="utf-8"?>
-<p:sld xmlns:a="http://schemas.openxmlformats.org/drawingml/2006/main" xmlns:r="http://schemas.openxmlformats.org/officeDocument/2006/relationships" xmlns:p="http://schemas.openxmlformats.org/presentationml/2006/main">
-  <p:cSld>
-    <p:spTree>
-      <p:nvGrpSpPr>
-        <p:cNvPr id="1" name=""/>
-        <p:cNvGrpSpPr/>
-        <p:nvPr/>
-      </p:nvGrpSpPr>
-      <p:grpSpPr>
-        <a:xfrm>
-          <a:off x="0" y="0"/>
-          <a:ext cx="0" cy="0"/>
-          <a:chOff x="0" y="0"/>
-          <a:chExt cx="0" cy="0"/>
-        </a:xfrm>
-      </p:grpSpPr>
-      <p:sp>
-        <p:nvSpPr>
-          <p:cNvPr id="2" name="Nadpis 1"/>
-          <p:cNvSpPr>
-            <a:spLocks noGrp="1"/>
-          </p:cNvSpPr>
-          <p:nvPr>
-            <p:ph type="title"/>
-          </p:nvPr>
-        </p:nvSpPr>
-        <p:spPr/>
-        <p:txBody>
-          <a:bodyPr/>
-          <a:lstStyle/>
-          <a:p>
-            <a:r>
-              <a:rPr lang="cs-CZ" dirty="0" smtClean="0"/>
-              <a:t>Segmentace: Výsledky</a:t>
-            </a:r>
-            <a:endParaRPr lang="cs-CZ" dirty="0"/>
-          </a:p>
-        </p:txBody>
-      </p:sp>
-      <p:pic>
-        <p:nvPicPr>
-          <p:cNvPr id="1026" name="Graf 1"/>
-          <p:cNvPicPr>
-            <a:picLocks noGrp="1" noChangeArrowheads="1"/>
-          </p:cNvPicPr>
-          <p:nvPr>
-            <p:ph sz="quarter" idx="1"/>
-          </p:nvPr>
-        </p:nvPicPr>
-        <p:blipFill>
-          <a:blip r:embed="rId2">
-            <a:extLst>
-              <a:ext uri="{28A0092B-C50C-407E-A947-70E740481C1C}">
-                <a14:useLocalDpi xmlns:a14="http://schemas.microsoft.com/office/drawing/2010/main" val="0"/>
-              </a:ext>
-            </a:extLst>
-          </a:blip>
-          <a:srcRect/>
-          <a:stretch>
-            <a:fillRect/>
-          </a:stretch>
-        </p:blipFill>
+          </a:p>
+        </p:txBody>
+      </p:sp>
+      <p:sp>
+        <p:nvSpPr>
+          <p:cNvPr id="4" name="Rectangle 2"/>
+          <p:cNvSpPr>
+            <a:spLocks noChangeArrowheads="1"/>
+          </p:cNvSpPr>
+          <p:nvPr/>
+        </p:nvSpPr>
         <p:spPr bwMode="auto">
           <a:xfrm>
-            <a:off x="899592" y="1628800"/>
-            <a:ext cx="6840760" cy="4464496"/>
-          </a:xfrm>
-          <a:prstGeom prst="rect">
-            <a:avLst/>
-          </a:prstGeom>
-          <a:noFill/>
-          <a:ln>
-            <a:noFill/>
-          </a:ln>
-          <a:extLst>
-            <a:ext uri="{909E8E84-426E-40DD-AFC4-6F175D3DCCD1}">
-              <a14:hiddenFill xmlns:a14="http://schemas.microsoft.com/office/drawing/2010/main">
-                <a:solidFill>
-                  <a:srgbClr val="FFFFFF"/>
-                </a:solidFill>
-              </a14:hiddenFill>
-            </a:ext>
-            <a:ext uri="{91240B29-F687-4F45-9708-019B960494DF}">
-              <a14:hiddenLine xmlns:a14="http://schemas.microsoft.com/office/drawing/2010/main" w="9525">
-                <a:solidFill>
-                  <a:srgbClr val="000000"/>
-                </a:solidFill>
-                <a:miter lim="800000"/>
-                <a:headEnd/>
-                <a:tailEnd/>
-              </a14:hiddenLine>
-            </a:ext>
-          </a:extLst>
-        </p:spPr>
-      </p:pic>
-    </p:spTree>
-    <p:extLst>
-      <p:ext uri="{BB962C8B-B14F-4D97-AF65-F5344CB8AC3E}">
-        <p14:creationId xmlns:p14="http://schemas.microsoft.com/office/powerpoint/2010/main" val="4086822418"/>
-      </p:ext>
-    </p:extLst>
-  </p:cSld>
-  <p:clrMapOvr>
-    <a:masterClrMapping/>
-  </p:clrMapOvr>
-  <p:timing>
-    <p:tnLst>
-      <p:par>
-        <p:cTn id="1" dur="indefinite" restart="never" nodeType="tmRoot"/>
-      </p:par>
-    </p:tnLst>
-  </p:timing>
-</p:sld>
-</file>
-
-<file path=ppt/slides/slide13.xml><?xml version="1.0" encoding="utf-8"?>
-<p:sld xmlns:a="http://schemas.openxmlformats.org/drawingml/2006/main" xmlns:r="http://schemas.openxmlformats.org/officeDocument/2006/relationships" xmlns:p="http://schemas.openxmlformats.org/presentationml/2006/main">
-  <p:cSld>
-    <p:spTree>
-      <p:nvGrpSpPr>
-        <p:cNvPr id="1" name=""/>
-        <p:cNvGrpSpPr/>
-        <p:nvPr/>
-      </p:nvGrpSpPr>
-      <p:grpSpPr>
-        <a:xfrm>
-          <a:off x="0" y="0"/>
-          <a:ext cx="0" cy="0"/>
-          <a:chOff x="0" y="0"/>
-          <a:chExt cx="0" cy="0"/>
-        </a:xfrm>
-      </p:grpSpPr>
-      <p:sp>
-        <p:nvSpPr>
-          <p:cNvPr id="2" name="Nadpis 1"/>
-          <p:cNvSpPr>
-            <a:spLocks noGrp="1"/>
-          </p:cNvSpPr>
-          <p:nvPr>
-            <p:ph type="title"/>
-          </p:nvPr>
-        </p:nvSpPr>
-        <p:spPr>
-          <a:xfrm>
-            <a:off x="457200" y="274638"/>
-            <a:ext cx="7467600" cy="562074"/>
-          </a:xfrm>
-        </p:spPr>
-        <p:txBody>
-          <a:bodyPr/>
-          <a:lstStyle/>
-          <a:p>
-            <a:r>
-              <a:rPr lang="cs-CZ" dirty="0"/>
-              <a:t>Segmentace: Výsledky</a:t>
-            </a:r>
-          </a:p>
-        </p:txBody>
-      </p:sp>
-      <p:pic>
-        <p:nvPicPr>
-          <p:cNvPr id="2051" name="Picture 3"/>
-          <p:cNvPicPr>
-            <a:picLocks noGrp="1" noChangeAspect="1" noChangeArrowheads="1"/>
-          </p:cNvPicPr>
-          <p:nvPr>
-            <p:ph sz="quarter" idx="1"/>
-          </p:nvPr>
-        </p:nvPicPr>
-        <p:blipFill>
-          <a:blip r:embed="rId2">
-            <a:extLst>
-              <a:ext uri="{28A0092B-C50C-407E-A947-70E740481C1C}">
-                <a14:useLocalDpi xmlns:a14="http://schemas.microsoft.com/office/drawing/2010/main" val="0"/>
-              </a:ext>
-            </a:extLst>
-          </a:blip>
-          <a:srcRect/>
-          <a:stretch>
-            <a:fillRect/>
-          </a:stretch>
-        </p:blipFill>
-        <p:spPr bwMode="auto">
-          <a:xfrm>
-            <a:off x="1022606" y="764704"/>
-            <a:ext cx="3171429" cy="2390476"/>
+            <a:off x="0" y="0"/>
+            <a:ext cx="9144000" cy="0"/>
           </a:xfrm>
           <a:prstGeom prst="rect">
             <a:avLst/>
@@ -5928,1519 +6052,6 @@
             </a:ext>
           </a:extLst>
         </p:spPr>
-      </p:pic>
-      <p:pic>
-        <p:nvPicPr>
-          <p:cNvPr id="2052" name="Picture 4"/>
-          <p:cNvPicPr>
-            <a:picLocks noChangeAspect="1" noChangeArrowheads="1"/>
-          </p:cNvPicPr>
-          <p:nvPr/>
-        </p:nvPicPr>
-        <p:blipFill>
-          <a:blip r:embed="rId3">
-            <a:extLst>
-              <a:ext uri="{28A0092B-C50C-407E-A947-70E740481C1C}">
-                <a14:useLocalDpi xmlns:a14="http://schemas.microsoft.com/office/drawing/2010/main" val="0"/>
-              </a:ext>
-            </a:extLst>
-          </a:blip>
-          <a:srcRect/>
-          <a:stretch>
-            <a:fillRect/>
-          </a:stretch>
-        </p:blipFill>
-        <p:spPr bwMode="auto">
-          <a:xfrm>
-            <a:off x="4178407" y="764704"/>
-            <a:ext cx="3209925" cy="2390775"/>
-          </a:xfrm>
-          <a:prstGeom prst="rect">
-            <a:avLst/>
-          </a:prstGeom>
-          <a:noFill/>
-          <a:ln>
-            <a:noFill/>
-          </a:ln>
-          <a:effectLst/>
-          <a:extLst>
-            <a:ext uri="{909E8E84-426E-40DD-AFC4-6F175D3DCCD1}">
-              <a14:hiddenFill xmlns:a14="http://schemas.microsoft.com/office/drawing/2010/main">
-                <a:solidFill>
-                  <a:schemeClr val="accent1"/>
-                </a:solidFill>
-              </a14:hiddenFill>
-            </a:ext>
-            <a:ext uri="{91240B29-F687-4F45-9708-019B960494DF}">
-              <a14:hiddenLine xmlns:a14="http://schemas.microsoft.com/office/drawing/2010/main" w="9525">
-                <a:solidFill>
-                  <a:schemeClr val="tx1"/>
-                </a:solidFill>
-                <a:miter lim="800000"/>
-                <a:headEnd/>
-                <a:tailEnd/>
-              </a14:hiddenLine>
-            </a:ext>
-            <a:ext uri="{AF507438-7753-43E0-B8FC-AC1667EBCBE1}">
-              <a14:hiddenEffects xmlns:a14="http://schemas.microsoft.com/office/drawing/2010/main">
-                <a:effectLst>
-                  <a:outerShdw dist="35921" dir="2700000" algn="ctr" rotWithShape="0">
-                    <a:schemeClr val="bg2"/>
-                  </a:outerShdw>
-                </a:effectLst>
-              </a14:hiddenEffects>
-            </a:ext>
-          </a:extLst>
-        </p:spPr>
-      </p:pic>
-      <p:pic>
-        <p:nvPicPr>
-          <p:cNvPr id="2053" name="Obrázek 1"/>
-          <p:cNvPicPr>
-            <a:picLocks noChangeAspect="1" noChangeArrowheads="1"/>
-          </p:cNvPicPr>
-          <p:nvPr/>
-        </p:nvPicPr>
-        <p:blipFill>
-          <a:blip r:embed="rId4">
-            <a:extLst>
-              <a:ext uri="{28A0092B-C50C-407E-A947-70E740481C1C}">
-                <a14:useLocalDpi xmlns:a14="http://schemas.microsoft.com/office/drawing/2010/main" val="0"/>
-              </a:ext>
-            </a:extLst>
-          </a:blip>
-          <a:srcRect/>
-          <a:stretch>
-            <a:fillRect/>
-          </a:stretch>
-        </p:blipFill>
-        <p:spPr bwMode="auto">
-          <a:xfrm>
-            <a:off x="2040483" y="3168799"/>
-            <a:ext cx="2116137" cy="3189288"/>
-          </a:xfrm>
-          <a:prstGeom prst="rect">
-            <a:avLst/>
-          </a:prstGeom>
-          <a:noFill/>
-          <a:ln>
-            <a:noFill/>
-          </a:ln>
-          <a:extLst>
-            <a:ext uri="{909E8E84-426E-40DD-AFC4-6F175D3DCCD1}">
-              <a14:hiddenFill xmlns:a14="http://schemas.microsoft.com/office/drawing/2010/main">
-                <a:solidFill>
-                  <a:srgbClr val="FFFFFF"/>
-                </a:solidFill>
-              </a14:hiddenFill>
-            </a:ext>
-            <a:ext uri="{91240B29-F687-4F45-9708-019B960494DF}">
-              <a14:hiddenLine xmlns:a14="http://schemas.microsoft.com/office/drawing/2010/main" w="9525">
-                <a:solidFill>
-                  <a:srgbClr val="000000"/>
-                </a:solidFill>
-                <a:miter lim="800000"/>
-                <a:headEnd/>
-                <a:tailEnd/>
-              </a14:hiddenLine>
-            </a:ext>
-          </a:extLst>
-        </p:spPr>
-      </p:pic>
-      <p:pic>
-        <p:nvPicPr>
-          <p:cNvPr id="2054" name="Picture 6"/>
-          <p:cNvPicPr>
-            <a:picLocks noChangeAspect="1" noChangeArrowheads="1"/>
-          </p:cNvPicPr>
-          <p:nvPr/>
-        </p:nvPicPr>
-        <p:blipFill>
-          <a:blip r:embed="rId5">
-            <a:extLst>
-              <a:ext uri="{28A0092B-C50C-407E-A947-70E740481C1C}">
-                <a14:useLocalDpi xmlns:a14="http://schemas.microsoft.com/office/drawing/2010/main" val="0"/>
-              </a:ext>
-            </a:extLst>
-          </a:blip>
-          <a:srcRect/>
-          <a:stretch>
-            <a:fillRect/>
-          </a:stretch>
-        </p:blipFill>
-        <p:spPr bwMode="auto">
-          <a:xfrm>
-            <a:off x="4178407" y="3148162"/>
-            <a:ext cx="2124075" cy="3209925"/>
-          </a:xfrm>
-          <a:prstGeom prst="rect">
-            <a:avLst/>
-          </a:prstGeom>
-          <a:noFill/>
-          <a:extLst>
-            <a:ext uri="{909E8E84-426E-40DD-AFC4-6F175D3DCCD1}">
-              <a14:hiddenFill xmlns:a14="http://schemas.microsoft.com/office/drawing/2010/main">
-                <a:solidFill>
-                  <a:srgbClr val="FFFFFF"/>
-                </a:solidFill>
-              </a14:hiddenFill>
-            </a:ext>
-          </a:extLst>
-        </p:spPr>
-      </p:pic>
-      <p:sp>
-        <p:nvSpPr>
-          <p:cNvPr id="6" name="TextovéPole 5"/>
-          <p:cNvSpPr txBox="1"/>
-          <p:nvPr/>
-        </p:nvSpPr>
-        <p:spPr>
-          <a:xfrm>
-            <a:off x="6376513" y="6069546"/>
-            <a:ext cx="2044208" cy="577081"/>
-          </a:xfrm>
-          <a:prstGeom prst="rect">
-            <a:avLst/>
-          </a:prstGeom>
-          <a:noFill/>
-        </p:spPr>
-        <p:txBody>
-          <a:bodyPr wrap="square" rtlCol="0">
-            <a:spAutoFit/>
-          </a:bodyPr>
-          <a:lstStyle/>
-          <a:p>
-            <a:r>
-              <a:rPr lang="cs-CZ" sz="1050" dirty="0" smtClean="0"/>
-              <a:t>Zdroj:</a:t>
-            </a:r>
-          </a:p>
-          <a:p>
-            <a:r>
-              <a:rPr lang="cs-CZ" sz="1050" dirty="0" smtClean="0"/>
-              <a:t>avoision.com</a:t>
-            </a:r>
-          </a:p>
-          <a:p>
-            <a:r>
-              <a:rPr lang="cs-CZ" sz="1050" dirty="0"/>
-              <a:t>paper-bob-omb.deviantart.com</a:t>
-            </a:r>
-          </a:p>
-        </p:txBody>
-      </p:sp>
-    </p:spTree>
-    <p:extLst>
-      <p:ext uri="{BB962C8B-B14F-4D97-AF65-F5344CB8AC3E}">
-        <p14:creationId xmlns:p14="http://schemas.microsoft.com/office/powerpoint/2010/main" val="1078777275"/>
-      </p:ext>
-    </p:extLst>
-  </p:cSld>
-  <p:clrMapOvr>
-    <a:masterClrMapping/>
-  </p:clrMapOvr>
-  <p:timing>
-    <p:tnLst>
-      <p:par>
-        <p:cTn id="1" dur="indefinite" restart="never" nodeType="tmRoot"/>
-      </p:par>
-    </p:tnLst>
-  </p:timing>
-</p:sld>
-</file>
-
-<file path=ppt/slides/slide14.xml><?xml version="1.0" encoding="utf-8"?>
-<p:sld xmlns:a="http://schemas.openxmlformats.org/drawingml/2006/main" xmlns:r="http://schemas.openxmlformats.org/officeDocument/2006/relationships" xmlns:p="http://schemas.openxmlformats.org/presentationml/2006/main">
-  <p:cSld>
-    <p:spTree>
-      <p:nvGrpSpPr>
-        <p:cNvPr id="1" name=""/>
-        <p:cNvGrpSpPr/>
-        <p:nvPr/>
-      </p:nvGrpSpPr>
-      <p:grpSpPr>
-        <a:xfrm>
-          <a:off x="0" y="0"/>
-          <a:ext cx="0" cy="0"/>
-          <a:chOff x="0" y="0"/>
-          <a:chExt cx="0" cy="0"/>
-        </a:xfrm>
-      </p:grpSpPr>
-      <p:sp>
-        <p:nvSpPr>
-          <p:cNvPr id="2" name="Nadpis 1"/>
-          <p:cNvSpPr>
-            <a:spLocks noGrp="1"/>
-          </p:cNvSpPr>
-          <p:nvPr>
-            <p:ph type="title"/>
-          </p:nvPr>
-        </p:nvSpPr>
-        <p:spPr/>
-        <p:txBody>
-          <a:bodyPr/>
-          <a:lstStyle/>
-          <a:p>
-            <a:r>
-              <a:rPr lang="cs-CZ" dirty="0" smtClean="0"/>
-              <a:t>Použitá literatura</a:t>
-            </a:r>
-            <a:endParaRPr lang="cs-CZ" dirty="0"/>
-          </a:p>
-        </p:txBody>
-      </p:sp>
-      <p:sp>
-        <p:nvSpPr>
-          <p:cNvPr id="3" name="Zástupný symbol pro obsah 2"/>
-          <p:cNvSpPr>
-            <a:spLocks noGrp="1"/>
-          </p:cNvSpPr>
-          <p:nvPr>
-            <p:ph sz="quarter" idx="1"/>
-          </p:nvPr>
-        </p:nvSpPr>
-        <p:spPr/>
-        <p:txBody>
-          <a:bodyPr/>
-          <a:lstStyle/>
-          <a:p>
-            <a:r>
-              <a:rPr lang="cs-CZ" sz="1400" dirty="0" smtClean="0"/>
-              <a:t>L</a:t>
-            </a:r>
-            <a:r>
-              <a:rPr lang="cs-CZ" sz="1400" dirty="0"/>
-              <a:t>. Lucas, Image </a:t>
-            </a:r>
-            <a:r>
-              <a:rPr lang="cs-CZ" sz="1400" dirty="0" err="1"/>
-              <a:t>Segmentation</a:t>
-            </a:r>
-            <a:r>
-              <a:rPr lang="cs-CZ" sz="1400" dirty="0"/>
-              <a:t>. </a:t>
-            </a:r>
-            <a:r>
-              <a:rPr lang="cs-CZ" sz="1400" dirty="0" err="1"/>
-              <a:t>München</a:t>
-            </a:r>
-            <a:r>
-              <a:rPr lang="cs-CZ" sz="1400" dirty="0"/>
-              <a:t> : </a:t>
-            </a:r>
-            <a:r>
-              <a:rPr lang="cs-CZ" sz="1400" dirty="0" err="1"/>
-              <a:t>Technische</a:t>
-            </a:r>
-            <a:r>
-              <a:rPr lang="cs-CZ" sz="1400" dirty="0"/>
-              <a:t> </a:t>
-            </a:r>
-            <a:r>
-              <a:rPr lang="cs-CZ" sz="1400" dirty="0" err="1"/>
-              <a:t>Universität</a:t>
-            </a:r>
-            <a:r>
-              <a:rPr lang="cs-CZ" sz="1400" dirty="0"/>
-              <a:t> </a:t>
-            </a:r>
-            <a:r>
-              <a:rPr lang="cs-CZ" sz="1400" dirty="0" err="1"/>
-              <a:t>München</a:t>
-            </a:r>
-            <a:r>
-              <a:rPr lang="cs-CZ" sz="1400" dirty="0"/>
-              <a:t>, 2010.</a:t>
-            </a:r>
-          </a:p>
-          <a:p>
-            <a:r>
-              <a:rPr lang="cs-CZ" sz="1400" dirty="0"/>
-              <a:t>F. </a:t>
-            </a:r>
-            <a:r>
-              <a:rPr lang="cs-CZ" sz="1400" dirty="0" err="1"/>
-              <a:t>Kurugollu</a:t>
-            </a:r>
-            <a:r>
-              <a:rPr lang="cs-CZ" sz="1400" dirty="0"/>
-              <a:t>, B. </a:t>
-            </a:r>
-            <a:r>
-              <a:rPr lang="cs-CZ" sz="1400" dirty="0" err="1"/>
-              <a:t>Sankur</a:t>
-            </a:r>
-            <a:r>
-              <a:rPr lang="cs-CZ" sz="1400" dirty="0"/>
-              <a:t>, A.E. Harmanci. </a:t>
-            </a:r>
-            <a:r>
-              <a:rPr lang="cs-CZ" sz="1400" dirty="0" err="1"/>
-              <a:t>Color</a:t>
-            </a:r>
-            <a:r>
-              <a:rPr lang="cs-CZ" sz="1400" dirty="0"/>
-              <a:t> image </a:t>
-            </a:r>
-            <a:r>
-              <a:rPr lang="cs-CZ" sz="1400" dirty="0" err="1"/>
-              <a:t>segmentation</a:t>
-            </a:r>
-            <a:r>
-              <a:rPr lang="cs-CZ" sz="1400" dirty="0"/>
-              <a:t> </a:t>
-            </a:r>
-            <a:r>
-              <a:rPr lang="cs-CZ" sz="1400" dirty="0" err="1"/>
-              <a:t>using</a:t>
-            </a:r>
-            <a:r>
-              <a:rPr lang="cs-CZ" sz="1400" dirty="0"/>
-              <a:t> histogram </a:t>
-            </a:r>
-            <a:r>
-              <a:rPr lang="cs-CZ" sz="1400" dirty="0" err="1"/>
-              <a:t>multithresholding</a:t>
-            </a:r>
-            <a:r>
-              <a:rPr lang="cs-CZ" sz="1400" dirty="0"/>
-              <a:t> and </a:t>
-            </a:r>
-            <a:r>
-              <a:rPr lang="cs-CZ" sz="1400" dirty="0" err="1"/>
-              <a:t>fusion</a:t>
-            </a:r>
-            <a:r>
-              <a:rPr lang="cs-CZ" sz="1400" dirty="0"/>
-              <a:t>. 2001.</a:t>
-            </a:r>
-          </a:p>
-          <a:p>
-            <a:r>
-              <a:rPr lang="cs-CZ" sz="1400" dirty="0" err="1"/>
-              <a:t>Rajagopal</a:t>
-            </a:r>
-            <a:r>
-              <a:rPr lang="cs-CZ" sz="1400" dirty="0"/>
-              <a:t>, </a:t>
-            </a:r>
-            <a:r>
-              <a:rPr lang="cs-CZ" sz="1400" dirty="0" err="1"/>
-              <a:t>Venugopal</a:t>
-            </a:r>
-            <a:r>
-              <a:rPr lang="cs-CZ" sz="1400" dirty="0"/>
-              <a:t>. Image </a:t>
-            </a:r>
-            <a:r>
-              <a:rPr lang="cs-CZ" sz="1400" dirty="0" err="1"/>
-              <a:t>Segmentation</a:t>
-            </a:r>
-            <a:r>
-              <a:rPr lang="cs-CZ" sz="1400" dirty="0"/>
-              <a:t> by Histogram </a:t>
-            </a:r>
-            <a:r>
-              <a:rPr lang="cs-CZ" sz="1400" dirty="0" err="1"/>
-              <a:t>Thresholding</a:t>
-            </a:r>
-            <a:r>
-              <a:rPr lang="cs-CZ" sz="1400" dirty="0"/>
-              <a:t>. 2002</a:t>
-            </a:r>
-            <a:r>
-              <a:rPr lang="cs-CZ" sz="1400" dirty="0" smtClean="0"/>
-              <a:t>.</a:t>
-            </a:r>
-          </a:p>
-          <a:p>
-            <a:r>
-              <a:rPr lang="pl-PL" sz="1400" dirty="0" smtClean="0"/>
-              <a:t>http</a:t>
-            </a:r>
-            <a:r>
-              <a:rPr lang="pl-PL" sz="1400" dirty="0"/>
-              <a:t>://homepages.inf.ed.ac.uk/rbf/CVonline/LOCAL_COPIES/MORSE/threshold.pdf</a:t>
-            </a:r>
-          </a:p>
-          <a:p>
-            <a:r>
-              <a:rPr lang="pl-PL" sz="1400" dirty="0" smtClean="0"/>
-              <a:t>http</a:t>
-            </a:r>
-            <a:r>
-              <a:rPr lang="pl-PL" sz="1400" dirty="0"/>
-              <a:t>://www.codeproject.com/Articles/38319/Famous-Otsu-Thresholding-in-C</a:t>
-            </a:r>
-          </a:p>
-          <a:p>
-            <a:r>
-              <a:rPr lang="pl-PL" sz="1400" dirty="0" smtClean="0"/>
-              <a:t>http</a:t>
-            </a:r>
-            <a:r>
-              <a:rPr lang="pl-PL" sz="1400" dirty="0"/>
-              <a:t>://www.labbookpages.co.uk/software/imgProc/otsuThreshold.html</a:t>
-            </a:r>
-          </a:p>
-          <a:p>
-            <a:r>
-              <a:rPr lang="pl-PL" sz="1400" dirty="0" smtClean="0"/>
-              <a:t>Inspirace </a:t>
-            </a:r>
-            <a:r>
-              <a:rPr lang="pl-PL" sz="1400" dirty="0"/>
-              <a:t>z projektu z HSC (FIT VUT Brno)</a:t>
-            </a:r>
-          </a:p>
-          <a:p>
-            <a:r>
-              <a:rPr lang="cs-CZ" sz="1400" smtClean="0"/>
-              <a:t>http</a:t>
-            </a:r>
-            <a:r>
-              <a:rPr lang="cs-CZ" sz="1400" dirty="0"/>
-              <a:t>://www.khronos.org/files/opencl-1-2-quick-reference-card.pdf</a:t>
-            </a:r>
-          </a:p>
-          <a:p>
-            <a:endParaRPr lang="cs-CZ" dirty="0"/>
-          </a:p>
-        </p:txBody>
-      </p:sp>
-    </p:spTree>
-    <p:extLst>
-      <p:ext uri="{BB962C8B-B14F-4D97-AF65-F5344CB8AC3E}">
-        <p14:creationId xmlns:p14="http://schemas.microsoft.com/office/powerpoint/2010/main" val="437460664"/>
-      </p:ext>
-    </p:extLst>
-  </p:cSld>
-  <p:clrMapOvr>
-    <a:masterClrMapping/>
-  </p:clrMapOvr>
-  <p:timing>
-    <p:tnLst>
-      <p:par>
-        <p:cTn id="1" dur="indefinite" restart="never" nodeType="tmRoot"/>
-      </p:par>
-    </p:tnLst>
-  </p:timing>
-</p:sld>
-</file>
-
-<file path=ppt/slides/slide2.xml><?xml version="1.0" encoding="utf-8"?>
-<p:sld xmlns:a="http://schemas.openxmlformats.org/drawingml/2006/main" xmlns:r="http://schemas.openxmlformats.org/officeDocument/2006/relationships" xmlns:p="http://schemas.openxmlformats.org/presentationml/2006/main">
-  <p:cSld>
-    <p:spTree>
-      <p:nvGrpSpPr>
-        <p:cNvPr id="1" name=""/>
-        <p:cNvGrpSpPr/>
-        <p:nvPr/>
-      </p:nvGrpSpPr>
-      <p:grpSpPr>
-        <a:xfrm>
-          <a:off x="0" y="0"/>
-          <a:ext cx="0" cy="0"/>
-          <a:chOff x="0" y="0"/>
-          <a:chExt cx="0" cy="0"/>
-        </a:xfrm>
-      </p:grpSpPr>
-      <p:sp>
-        <p:nvSpPr>
-          <p:cNvPr id="2" name="Nadpis 1"/>
-          <p:cNvSpPr>
-            <a:spLocks noGrp="1"/>
-          </p:cNvSpPr>
-          <p:nvPr>
-            <p:ph type="title"/>
-          </p:nvPr>
-        </p:nvSpPr>
-        <p:spPr/>
-        <p:txBody>
-          <a:bodyPr/>
-          <a:lstStyle/>
-          <a:p>
-            <a:r>
-              <a:rPr lang="cs-CZ" dirty="0" smtClean="0"/>
-              <a:t>Upřesnění zadání</a:t>
-            </a:r>
-            <a:endParaRPr lang="cs-CZ" dirty="0"/>
-          </a:p>
-        </p:txBody>
-      </p:sp>
-      <p:sp>
-        <p:nvSpPr>
-          <p:cNvPr id="3" name="Zástupný symbol pro obsah 2"/>
-          <p:cNvSpPr>
-            <a:spLocks noGrp="1"/>
-          </p:cNvSpPr>
-          <p:nvPr>
-            <p:ph sz="quarter" idx="1"/>
-          </p:nvPr>
-        </p:nvSpPr>
-        <p:spPr/>
-        <p:txBody>
-          <a:bodyPr>
-            <a:normAutofit/>
-          </a:bodyPr>
-          <a:lstStyle/>
-          <a:p>
-            <a:pPr lvl="0"/>
-            <a:r>
-              <a:rPr lang="cs-CZ" dirty="0"/>
-              <a:t>Implementovat výpočet histogramu vstupního obrázku pomocí </a:t>
-            </a:r>
-            <a:r>
-              <a:rPr lang="cs-CZ" dirty="0" err="1"/>
-              <a:t>OpenCL</a:t>
-            </a:r>
-            <a:r>
-              <a:rPr lang="cs-CZ" dirty="0"/>
-              <a:t>.</a:t>
-            </a:r>
-          </a:p>
-          <a:p>
-            <a:pPr lvl="0"/>
-            <a:r>
-              <a:rPr lang="cs-CZ" dirty="0"/>
-              <a:t>Každý člen týmu implementovat jednu metodu využívající histogramu, a to jak s pomocí </a:t>
-            </a:r>
-            <a:r>
-              <a:rPr lang="cs-CZ" dirty="0" err="1"/>
-              <a:t>OpenCL</a:t>
-            </a:r>
-            <a:r>
-              <a:rPr lang="cs-CZ" dirty="0"/>
-              <a:t> tak CPU implementaci.</a:t>
-            </a:r>
-          </a:p>
-          <a:p>
-            <a:pPr lvl="0"/>
-            <a:r>
-              <a:rPr lang="cs-CZ" dirty="0"/>
-              <a:t>Vstup aplikace zpracuje vždy oběma způsoby a vypíše čas každé z nich</a:t>
-            </a:r>
-            <a:r>
-              <a:rPr lang="cs-CZ" dirty="0" smtClean="0"/>
-              <a:t>. Zvolené </a:t>
-            </a:r>
-            <a:r>
-              <a:rPr lang="cs-CZ" dirty="0"/>
-              <a:t>metody (algoritmy):</a:t>
-            </a:r>
-          </a:p>
-          <a:p>
-            <a:pPr lvl="1"/>
-            <a:r>
-              <a:rPr lang="cs-CZ" dirty="0" err="1"/>
-              <a:t>Ekvalizace</a:t>
-            </a:r>
-            <a:r>
-              <a:rPr lang="cs-CZ" dirty="0"/>
-              <a:t> histogramu</a:t>
-            </a:r>
-          </a:p>
-          <a:p>
-            <a:pPr lvl="1"/>
-            <a:r>
-              <a:rPr lang="cs-CZ" dirty="0"/>
-              <a:t>Prahování s pomocí metody </a:t>
-            </a:r>
-            <a:r>
-              <a:rPr lang="cs-CZ" dirty="0" err="1"/>
-              <a:t>Otsu</a:t>
-            </a:r>
-            <a:r>
-              <a:rPr lang="cs-CZ" dirty="0"/>
-              <a:t> </a:t>
-            </a:r>
-          </a:p>
-          <a:p>
-            <a:pPr lvl="1"/>
-            <a:r>
-              <a:rPr lang="cs-CZ" dirty="0"/>
-              <a:t>Segmentace obrazu na základě prahování </a:t>
-            </a:r>
-            <a:r>
-              <a:rPr lang="cs-CZ" dirty="0" smtClean="0"/>
-              <a:t>histogramu</a:t>
-            </a:r>
-            <a:endParaRPr lang="cs-CZ" dirty="0"/>
-          </a:p>
-        </p:txBody>
-      </p:sp>
-    </p:spTree>
-    <p:extLst>
-      <p:ext uri="{BB962C8B-B14F-4D97-AF65-F5344CB8AC3E}">
-        <p14:creationId xmlns:p14="http://schemas.microsoft.com/office/powerpoint/2010/main" val="4017374415"/>
-      </p:ext>
-    </p:extLst>
-  </p:cSld>
-  <p:clrMapOvr>
-    <a:masterClrMapping/>
-  </p:clrMapOvr>
-  <p:timing>
-    <p:tnLst>
-      <p:par>
-        <p:cTn id="1" dur="indefinite" restart="never" nodeType="tmRoot"/>
-      </p:par>
-    </p:tnLst>
-  </p:timing>
-</p:sld>
-</file>
-
-<file path=ppt/slides/slide3.xml><?xml version="1.0" encoding="utf-8"?>
-<p:sld xmlns:a="http://schemas.openxmlformats.org/drawingml/2006/main" xmlns:r="http://schemas.openxmlformats.org/officeDocument/2006/relationships" xmlns:p="http://schemas.openxmlformats.org/presentationml/2006/main">
-  <p:cSld>
-    <p:spTree>
-      <p:nvGrpSpPr>
-        <p:cNvPr id="1" name=""/>
-        <p:cNvGrpSpPr/>
-        <p:nvPr/>
-      </p:nvGrpSpPr>
-      <p:grpSpPr>
-        <a:xfrm>
-          <a:off x="0" y="0"/>
-          <a:ext cx="0" cy="0"/>
-          <a:chOff x="0" y="0"/>
-          <a:chExt cx="0" cy="0"/>
-        </a:xfrm>
-      </p:grpSpPr>
-      <p:sp>
-        <p:nvSpPr>
-          <p:cNvPr id="2" name="Nadpis 1"/>
-          <p:cNvSpPr>
-            <a:spLocks noGrp="1"/>
-          </p:cNvSpPr>
-          <p:nvPr>
-            <p:ph type="title"/>
-          </p:nvPr>
-        </p:nvSpPr>
-        <p:spPr/>
-        <p:txBody>
-          <a:bodyPr/>
-          <a:lstStyle/>
-          <a:p>
-            <a:r>
-              <a:rPr lang="cs-CZ" dirty="0" smtClean="0"/>
-              <a:t>Výpočet histogramu</a:t>
-            </a:r>
-            <a:endParaRPr lang="cs-CZ" dirty="0"/>
-          </a:p>
-        </p:txBody>
-      </p:sp>
-      <p:sp>
-        <p:nvSpPr>
-          <p:cNvPr id="3" name="Zástupný symbol pro obsah 2"/>
-          <p:cNvSpPr>
-            <a:spLocks noGrp="1"/>
-          </p:cNvSpPr>
-          <p:nvPr>
-            <p:ph sz="quarter" idx="1"/>
-          </p:nvPr>
-        </p:nvSpPr>
-        <p:spPr/>
-        <p:txBody>
-          <a:bodyPr/>
-          <a:lstStyle/>
-          <a:p>
-            <a:r>
-              <a:rPr lang="cs-CZ" dirty="0" smtClean="0"/>
-              <a:t>TODO</a:t>
-            </a:r>
-            <a:endParaRPr lang="cs-CZ" dirty="0"/>
-          </a:p>
-        </p:txBody>
-      </p:sp>
-    </p:spTree>
-    <p:extLst>
-      <p:ext uri="{BB962C8B-B14F-4D97-AF65-F5344CB8AC3E}">
-        <p14:creationId xmlns:p14="http://schemas.microsoft.com/office/powerpoint/2010/main" val="515786011"/>
-      </p:ext>
-    </p:extLst>
-  </p:cSld>
-  <p:clrMapOvr>
-    <a:masterClrMapping/>
-  </p:clrMapOvr>
-  <p:timing>
-    <p:tnLst>
-      <p:par>
-        <p:cTn id="1" dur="indefinite" restart="never" nodeType="tmRoot"/>
-      </p:par>
-    </p:tnLst>
-  </p:timing>
-</p:sld>
-</file>
-
-<file path=ppt/slides/slide4.xml><?xml version="1.0" encoding="utf-8"?>
-<p:sld xmlns:a="http://schemas.openxmlformats.org/drawingml/2006/main" xmlns:r="http://schemas.openxmlformats.org/officeDocument/2006/relationships" xmlns:p="http://schemas.openxmlformats.org/presentationml/2006/main">
-  <p:cSld>
-    <p:spTree>
-      <p:nvGrpSpPr>
-        <p:cNvPr id="1" name=""/>
-        <p:cNvGrpSpPr/>
-        <p:nvPr/>
-      </p:nvGrpSpPr>
-      <p:grpSpPr>
-        <a:xfrm>
-          <a:off x="0" y="0"/>
-          <a:ext cx="0" cy="0"/>
-          <a:chOff x="0" y="0"/>
-          <a:chExt cx="0" cy="0"/>
-        </a:xfrm>
-      </p:grpSpPr>
-      <p:sp>
-        <p:nvSpPr>
-          <p:cNvPr id="2" name="Nadpis 1"/>
-          <p:cNvSpPr>
-            <a:spLocks noGrp="1"/>
-          </p:cNvSpPr>
-          <p:nvPr>
-            <p:ph type="title"/>
-          </p:nvPr>
-        </p:nvSpPr>
-        <p:spPr/>
-        <p:txBody>
-          <a:bodyPr/>
-          <a:lstStyle/>
-          <a:p>
-            <a:r>
-              <a:rPr lang="cs-CZ" dirty="0" err="1" smtClean="0"/>
-              <a:t>Ekvalizace</a:t>
-            </a:r>
-            <a:r>
-              <a:rPr lang="cs-CZ" dirty="0" smtClean="0"/>
-              <a:t> histogramu</a:t>
-            </a:r>
-            <a:endParaRPr lang="cs-CZ" dirty="0"/>
-          </a:p>
-        </p:txBody>
-      </p:sp>
-      <p:sp>
-        <p:nvSpPr>
-          <p:cNvPr id="3" name="Zástupný symbol pro obsah 2"/>
-          <p:cNvSpPr>
-            <a:spLocks noGrp="1"/>
-          </p:cNvSpPr>
-          <p:nvPr>
-            <p:ph sz="quarter" idx="1"/>
-          </p:nvPr>
-        </p:nvSpPr>
-        <p:spPr/>
-        <p:txBody>
-          <a:bodyPr/>
-          <a:lstStyle/>
-          <a:p>
-            <a:r>
-              <a:rPr lang="cs-CZ" dirty="0" smtClean="0"/>
-              <a:t>TODO</a:t>
-            </a:r>
-            <a:endParaRPr lang="cs-CZ" dirty="0"/>
-          </a:p>
-        </p:txBody>
-      </p:sp>
-    </p:spTree>
-    <p:extLst>
-      <p:ext uri="{BB962C8B-B14F-4D97-AF65-F5344CB8AC3E}">
-        <p14:creationId xmlns:p14="http://schemas.microsoft.com/office/powerpoint/2010/main" val="1104924098"/>
-      </p:ext>
-    </p:extLst>
-  </p:cSld>
-  <p:clrMapOvr>
-    <a:masterClrMapping/>
-  </p:clrMapOvr>
-  <p:timing>
-    <p:tnLst>
-      <p:par>
-        <p:cTn id="1" dur="indefinite" restart="never" nodeType="tmRoot"/>
-      </p:par>
-    </p:tnLst>
-  </p:timing>
-</p:sld>
-</file>
-
-<file path=ppt/slides/slide5.xml><?xml version="1.0" encoding="utf-8"?>
-<p:sld xmlns:a="http://schemas.openxmlformats.org/drawingml/2006/main" xmlns:r="http://schemas.openxmlformats.org/officeDocument/2006/relationships" xmlns:p="http://schemas.openxmlformats.org/presentationml/2006/main">
-  <p:cSld>
-    <p:spTree>
-      <p:nvGrpSpPr>
-        <p:cNvPr id="1" name=""/>
-        <p:cNvGrpSpPr/>
-        <p:nvPr/>
-      </p:nvGrpSpPr>
-      <p:grpSpPr>
-        <a:xfrm>
-          <a:off x="0" y="0"/>
-          <a:ext cx="0" cy="0"/>
-          <a:chOff x="0" y="0"/>
-          <a:chExt cx="0" cy="0"/>
-        </a:xfrm>
-      </p:grpSpPr>
-      <p:sp>
-        <p:nvSpPr>
-          <p:cNvPr id="2" name="Nadpis 1"/>
-          <p:cNvSpPr>
-            <a:spLocks noGrp="1"/>
-          </p:cNvSpPr>
-          <p:nvPr>
-            <p:ph type="title"/>
-          </p:nvPr>
-        </p:nvSpPr>
-        <p:spPr/>
-        <p:txBody>
-          <a:bodyPr>
-            <a:normAutofit/>
-          </a:bodyPr>
-          <a:lstStyle/>
-          <a:p>
-            <a:r>
-              <a:rPr lang="cs-CZ" dirty="0"/>
-              <a:t/>
-            </a:r>
-            <a:br>
-              <a:rPr lang="cs-CZ" dirty="0"/>
-            </a:br>
-            <a:r>
-              <a:rPr lang="cs-CZ" dirty="0"/>
-              <a:t>Prahování s pomocí metody </a:t>
-            </a:r>
-            <a:r>
-              <a:rPr lang="cs-CZ" dirty="0" err="1"/>
-              <a:t>Otsu</a:t>
-            </a:r>
-            <a:r>
-              <a:rPr lang="cs-CZ" dirty="0"/>
-              <a:t> </a:t>
-            </a:r>
-          </a:p>
-        </p:txBody>
-      </p:sp>
-      <p:sp>
-        <p:nvSpPr>
-          <p:cNvPr id="3" name="Zástupný symbol pro obsah 2"/>
-          <p:cNvSpPr>
-            <a:spLocks noGrp="1"/>
-          </p:cNvSpPr>
-          <p:nvPr>
-            <p:ph sz="quarter" idx="1"/>
-          </p:nvPr>
-        </p:nvSpPr>
-        <p:spPr/>
-        <p:txBody>
-          <a:bodyPr/>
-          <a:lstStyle/>
-          <a:p>
-            <a:r>
-              <a:rPr lang="cs-CZ" dirty="0"/>
-              <a:t>H</a:t>
-            </a:r>
-            <a:r>
-              <a:rPr lang="cs-CZ" dirty="0" smtClean="0"/>
-              <a:t>ledání </a:t>
-            </a:r>
-            <a:r>
-              <a:rPr lang="cs-CZ" dirty="0"/>
-              <a:t>optimálního prahu na základě výpočtu </a:t>
-            </a:r>
-            <a:r>
-              <a:rPr lang="cs-CZ" dirty="0" smtClean="0"/>
-              <a:t>rozptylu.</a:t>
-            </a:r>
-          </a:p>
-          <a:p>
-            <a:r>
-              <a:rPr lang="cs-CZ" dirty="0" smtClean="0"/>
-              <a:t>Cílem </a:t>
-            </a:r>
-            <a:r>
-              <a:rPr lang="cs-CZ" dirty="0"/>
-              <a:t>je najít takový </a:t>
-            </a:r>
-            <a:r>
-              <a:rPr lang="cs-CZ" dirty="0" smtClean="0"/>
-              <a:t>práh, </a:t>
-            </a:r>
-            <a:r>
-              <a:rPr lang="cs-CZ" dirty="0"/>
-              <a:t>který maximalizuje mezi-rozptyl, nebo alternativně minimalizuje vnitřní rozptyl</a:t>
-            </a:r>
-            <a:r>
-              <a:rPr lang="cs-CZ" dirty="0" smtClean="0"/>
-              <a:t>.</a:t>
-            </a:r>
-            <a:endParaRPr lang="cs-CZ" dirty="0"/>
-          </a:p>
-        </p:txBody>
-      </p:sp>
-      <p:pic>
-        <p:nvPicPr>
-          <p:cNvPr id="3077" name="Picture 5"/>
-          <p:cNvPicPr>
-            <a:picLocks noChangeAspect="1" noChangeArrowheads="1"/>
-          </p:cNvPicPr>
-          <p:nvPr/>
-        </p:nvPicPr>
-        <p:blipFill>
-          <a:blip r:embed="rId2">
-            <a:extLst>
-              <a:ext uri="{28A0092B-C50C-407E-A947-70E740481C1C}">
-                <a14:useLocalDpi xmlns:a14="http://schemas.microsoft.com/office/drawing/2010/main" val="0"/>
-              </a:ext>
-            </a:extLst>
-          </a:blip>
-          <a:srcRect/>
-          <a:stretch>
-            <a:fillRect/>
-          </a:stretch>
-        </p:blipFill>
-        <p:spPr bwMode="auto">
-          <a:xfrm>
-            <a:off x="2267744" y="3724224"/>
-            <a:ext cx="4032448" cy="2660562"/>
-          </a:xfrm>
-          <a:prstGeom prst="rect">
-            <a:avLst/>
-          </a:prstGeom>
-          <a:noFill/>
-          <a:ln>
-            <a:noFill/>
-          </a:ln>
-          <a:effectLst/>
-          <a:extLst>
-            <a:ext uri="{909E8E84-426E-40DD-AFC4-6F175D3DCCD1}">
-              <a14:hiddenFill xmlns:a14="http://schemas.microsoft.com/office/drawing/2010/main">
-                <a:solidFill>
-                  <a:schemeClr val="accent1"/>
-                </a:solidFill>
-              </a14:hiddenFill>
-            </a:ext>
-            <a:ext uri="{91240B29-F687-4F45-9708-019B960494DF}">
-              <a14:hiddenLine xmlns:a14="http://schemas.microsoft.com/office/drawing/2010/main" w="9525">
-                <a:solidFill>
-                  <a:schemeClr val="tx1"/>
-                </a:solidFill>
-                <a:miter lim="800000"/>
-                <a:headEnd/>
-                <a:tailEnd/>
-              </a14:hiddenLine>
-            </a:ext>
-            <a:ext uri="{AF507438-7753-43E0-B8FC-AC1667EBCBE1}">
-              <a14:hiddenEffects xmlns:a14="http://schemas.microsoft.com/office/drawing/2010/main">
-                <a:effectLst>
-                  <a:outerShdw dist="35921" dir="2700000" algn="ctr" rotWithShape="0">
-                    <a:schemeClr val="bg2"/>
-                  </a:outerShdw>
-                </a:effectLst>
-              </a14:hiddenEffects>
-            </a:ext>
-          </a:extLst>
-        </p:spPr>
-      </p:pic>
-    </p:spTree>
-    <p:extLst>
-      <p:ext uri="{BB962C8B-B14F-4D97-AF65-F5344CB8AC3E}">
-        <p14:creationId xmlns:p14="http://schemas.microsoft.com/office/powerpoint/2010/main" val="3373878369"/>
-      </p:ext>
-    </p:extLst>
-  </p:cSld>
-  <p:clrMapOvr>
-    <a:masterClrMapping/>
-  </p:clrMapOvr>
-  <p:timing>
-    <p:tnLst>
-      <p:par>
-        <p:cTn id="1" dur="indefinite" restart="never" nodeType="tmRoot"/>
-      </p:par>
-    </p:tnLst>
-  </p:timing>
-</p:sld>
-</file>
-
-<file path=ppt/slides/slide6.xml><?xml version="1.0" encoding="utf-8"?>
-<p:sld xmlns:a="http://schemas.openxmlformats.org/drawingml/2006/main" xmlns:r="http://schemas.openxmlformats.org/officeDocument/2006/relationships" xmlns:p="http://schemas.openxmlformats.org/presentationml/2006/main">
-  <p:cSld>
-    <p:spTree>
-      <p:nvGrpSpPr>
-        <p:cNvPr id="1" name=""/>
-        <p:cNvGrpSpPr/>
-        <p:nvPr/>
-      </p:nvGrpSpPr>
-      <p:grpSpPr>
-        <a:xfrm>
-          <a:off x="0" y="0"/>
-          <a:ext cx="0" cy="0"/>
-          <a:chOff x="0" y="0"/>
-          <a:chExt cx="0" cy="0"/>
-        </a:xfrm>
-      </p:grpSpPr>
-      <p:sp>
-        <p:nvSpPr>
-          <p:cNvPr id="2" name="Nadpis 1"/>
-          <p:cNvSpPr>
-            <a:spLocks noGrp="1"/>
-          </p:cNvSpPr>
-          <p:nvPr>
-            <p:ph type="title"/>
-          </p:nvPr>
-        </p:nvSpPr>
-        <p:spPr/>
-        <p:txBody>
-          <a:bodyPr/>
-          <a:lstStyle/>
-          <a:p>
-            <a:r>
-              <a:rPr lang="cs-CZ" dirty="0" err="1"/>
-              <a:t>Prahování</a:t>
-            </a:r>
-            <a:r>
-              <a:rPr lang="cs-CZ" dirty="0"/>
-              <a:t> s pomocí metody </a:t>
-            </a:r>
-            <a:r>
-              <a:rPr lang="cs-CZ" dirty="0" err="1"/>
-              <a:t>Otsu</a:t>
-            </a:r>
-            <a:endParaRPr lang="cs-CZ" dirty="0"/>
-          </a:p>
-        </p:txBody>
-      </p:sp>
-      <p:sp>
-        <p:nvSpPr>
-          <p:cNvPr id="3" name="Zástupný symbol pro obsah 2"/>
-          <p:cNvSpPr>
-            <a:spLocks noGrp="1"/>
-          </p:cNvSpPr>
-          <p:nvPr>
-            <p:ph sz="quarter" idx="1"/>
-          </p:nvPr>
-        </p:nvSpPr>
-        <p:spPr/>
-        <p:txBody>
-          <a:bodyPr/>
-          <a:lstStyle/>
-          <a:p>
-            <a:endParaRPr lang="cs-CZ"/>
-          </a:p>
-        </p:txBody>
-      </p:sp>
-      <p:pic>
-        <p:nvPicPr>
-          <p:cNvPr id="5122" name="Picture 2"/>
-          <p:cNvPicPr>
-            <a:picLocks noChangeAspect="1" noChangeArrowheads="1"/>
-          </p:cNvPicPr>
-          <p:nvPr/>
-        </p:nvPicPr>
-        <p:blipFill rotWithShape="1">
-          <a:blip r:embed="rId2">
-            <a:extLst>
-              <a:ext uri="{28A0092B-C50C-407E-A947-70E740481C1C}">
-                <a14:useLocalDpi xmlns:a14="http://schemas.microsoft.com/office/drawing/2010/main" val="0"/>
-              </a:ext>
-            </a:extLst>
-          </a:blip>
-          <a:srcRect l="26427" t="17677" r="13091" b="15846"/>
-          <a:stretch/>
-        </p:blipFill>
-        <p:spPr bwMode="auto">
-          <a:xfrm>
-            <a:off x="179512" y="1556792"/>
-            <a:ext cx="8578593" cy="5301208"/>
-          </a:xfrm>
-          <a:prstGeom prst="rect">
-            <a:avLst/>
-          </a:prstGeom>
-          <a:noFill/>
-          <a:ln>
-            <a:noFill/>
-          </a:ln>
-          <a:effectLst/>
-          <a:extLst>
-            <a:ext uri="{909E8E84-426E-40DD-AFC4-6F175D3DCCD1}">
-              <a14:hiddenFill xmlns:a14="http://schemas.microsoft.com/office/drawing/2010/main">
-                <a:solidFill>
-                  <a:schemeClr val="accent1"/>
-                </a:solidFill>
-              </a14:hiddenFill>
-            </a:ext>
-            <a:ext uri="{91240B29-F687-4F45-9708-019B960494DF}">
-              <a14:hiddenLine xmlns:a14="http://schemas.microsoft.com/office/drawing/2010/main" w="9525">
-                <a:solidFill>
-                  <a:schemeClr val="tx1"/>
-                </a:solidFill>
-                <a:miter lim="800000"/>
-                <a:headEnd/>
-                <a:tailEnd/>
-              </a14:hiddenLine>
-            </a:ext>
-            <a:ext uri="{AF507438-7753-43E0-B8FC-AC1667EBCBE1}">
-              <a14:hiddenEffects xmlns:a14="http://schemas.microsoft.com/office/drawing/2010/main">
-                <a:effectLst>
-                  <a:outerShdw dist="35921" dir="2700000" algn="ctr" rotWithShape="0">
-                    <a:schemeClr val="bg2"/>
-                  </a:outerShdw>
-                </a:effectLst>
-              </a14:hiddenEffects>
-            </a:ext>
-          </a:extLst>
-        </p:spPr>
-      </p:pic>
-    </p:spTree>
-    <p:extLst>
-      <p:ext uri="{BB962C8B-B14F-4D97-AF65-F5344CB8AC3E}">
-        <p14:creationId xmlns:p14="http://schemas.microsoft.com/office/powerpoint/2010/main" val="3929802479"/>
-      </p:ext>
-    </p:extLst>
-  </p:cSld>
-  <p:clrMapOvr>
-    <a:masterClrMapping/>
-  </p:clrMapOvr>
-  <p:timing>
-    <p:tnLst>
-      <p:par>
-        <p:cTn id="1" dur="indefinite" restart="never" nodeType="tmRoot"/>
-      </p:par>
-    </p:tnLst>
-  </p:timing>
-</p:sld>
-</file>
-
-<file path=ppt/slides/slide7.xml><?xml version="1.0" encoding="utf-8"?>
-<p:sld xmlns:a="http://schemas.openxmlformats.org/drawingml/2006/main" xmlns:r="http://schemas.openxmlformats.org/officeDocument/2006/relationships" xmlns:p="http://schemas.openxmlformats.org/presentationml/2006/main">
-  <p:cSld>
-    <p:spTree>
-      <p:nvGrpSpPr>
-        <p:cNvPr id="1" name=""/>
-        <p:cNvGrpSpPr/>
-        <p:nvPr/>
-      </p:nvGrpSpPr>
-      <p:grpSpPr>
-        <a:xfrm>
-          <a:off x="0" y="0"/>
-          <a:ext cx="0" cy="0"/>
-          <a:chOff x="0" y="0"/>
-          <a:chExt cx="0" cy="0"/>
-        </a:xfrm>
-      </p:grpSpPr>
-      <p:sp>
-        <p:nvSpPr>
-          <p:cNvPr id="2" name="Nadpis 1"/>
-          <p:cNvSpPr>
-            <a:spLocks noGrp="1"/>
-          </p:cNvSpPr>
-          <p:nvPr>
-            <p:ph type="title"/>
-          </p:nvPr>
-        </p:nvSpPr>
-        <p:spPr/>
-        <p:txBody>
-          <a:bodyPr>
-            <a:normAutofit/>
-          </a:bodyPr>
-          <a:lstStyle/>
-          <a:p>
-            <a:r>
-              <a:rPr lang="cs-CZ" dirty="0"/>
-              <a:t/>
-            </a:r>
-            <a:br>
-              <a:rPr lang="cs-CZ" dirty="0"/>
-            </a:br>
-            <a:r>
-              <a:rPr lang="cs-CZ" dirty="0"/>
-              <a:t>Prahování s pomocí metody </a:t>
-            </a:r>
-            <a:r>
-              <a:rPr lang="cs-CZ" dirty="0" err="1"/>
-              <a:t>Otsu</a:t>
-            </a:r>
-            <a:r>
-              <a:rPr lang="cs-CZ" dirty="0"/>
-              <a:t> </a:t>
-            </a:r>
-          </a:p>
-        </p:txBody>
-      </p:sp>
-      <p:pic>
-        <p:nvPicPr>
-          <p:cNvPr id="6" name="Picture 4" descr="http://www.labbookpages.co.uk/software/imgProc/files/otsuResult.png"/>
-          <p:cNvPicPr>
-            <a:picLocks noChangeAspect="1" noChangeArrowheads="1"/>
-          </p:cNvPicPr>
-          <p:nvPr/>
-        </p:nvPicPr>
-        <p:blipFill>
-          <a:blip r:embed="rId2">
-            <a:extLst>
-              <a:ext uri="{28A0092B-C50C-407E-A947-70E740481C1C}">
-                <a14:useLocalDpi xmlns:a14="http://schemas.microsoft.com/office/drawing/2010/main" val="0"/>
-              </a:ext>
-            </a:extLst>
-          </a:blip>
-          <a:srcRect/>
-          <a:stretch>
-            <a:fillRect/>
-          </a:stretch>
-        </p:blipFill>
-        <p:spPr bwMode="auto">
-          <a:xfrm>
-            <a:off x="1907704" y="4581128"/>
-            <a:ext cx="4896544" cy="1846944"/>
-          </a:xfrm>
-          <a:prstGeom prst="rect">
-            <a:avLst/>
-          </a:prstGeom>
-          <a:noFill/>
-          <a:extLst>
-            <a:ext uri="{909E8E84-426E-40DD-AFC4-6F175D3DCCD1}">
-              <a14:hiddenFill xmlns:a14="http://schemas.microsoft.com/office/drawing/2010/main">
-                <a:solidFill>
-                  <a:srgbClr val="FFFFFF"/>
-                </a:solidFill>
-              </a14:hiddenFill>
-            </a:ext>
-          </a:extLst>
-        </p:spPr>
-      </p:pic>
-      <p:pic>
-        <p:nvPicPr>
-          <p:cNvPr id="4100" name="Picture 4" descr="Background levels"/>
-          <p:cNvPicPr>
-            <a:picLocks noChangeAspect="1" noChangeArrowheads="1"/>
-          </p:cNvPicPr>
-          <p:nvPr/>
-        </p:nvPicPr>
-        <p:blipFill>
-          <a:blip r:embed="rId3">
-            <a:extLst>
-              <a:ext uri="{28A0092B-C50C-407E-A947-70E740481C1C}">
-                <a14:useLocalDpi xmlns:a14="http://schemas.microsoft.com/office/drawing/2010/main" val="0"/>
-              </a:ext>
-            </a:extLst>
-          </a:blip>
-          <a:srcRect/>
-          <a:stretch>
-            <a:fillRect/>
-          </a:stretch>
-        </p:blipFill>
-        <p:spPr bwMode="auto">
-          <a:xfrm>
-            <a:off x="683568" y="1484784"/>
-            <a:ext cx="3471548" cy="2725708"/>
-          </a:xfrm>
-          <a:prstGeom prst="rect">
-            <a:avLst/>
-          </a:prstGeom>
-          <a:noFill/>
-          <a:extLst>
-            <a:ext uri="{909E8E84-426E-40DD-AFC4-6F175D3DCCD1}">
-              <a14:hiddenFill xmlns:a14="http://schemas.microsoft.com/office/drawing/2010/main">
-                <a:solidFill>
-                  <a:srgbClr val="FFFFFF"/>
-                </a:solidFill>
-              </a14:hiddenFill>
-            </a:ext>
-          </a:extLst>
-        </p:spPr>
-      </p:pic>
-      <p:pic>
-        <p:nvPicPr>
-          <p:cNvPr id="4102" name="Picture 6" descr="Foreground levels"/>
-          <p:cNvPicPr>
-            <a:picLocks noChangeAspect="1" noChangeArrowheads="1"/>
-          </p:cNvPicPr>
-          <p:nvPr/>
-        </p:nvPicPr>
-        <p:blipFill>
-          <a:blip r:embed="rId4">
-            <a:extLst>
-              <a:ext uri="{28A0092B-C50C-407E-A947-70E740481C1C}">
-                <a14:useLocalDpi xmlns:a14="http://schemas.microsoft.com/office/drawing/2010/main" val="0"/>
-              </a:ext>
-            </a:extLst>
-          </a:blip>
-          <a:srcRect/>
-          <a:stretch>
-            <a:fillRect/>
-          </a:stretch>
-        </p:blipFill>
-        <p:spPr bwMode="auto">
-          <a:xfrm>
-            <a:off x="4644008" y="1484784"/>
-            <a:ext cx="3728070" cy="2695475"/>
-          </a:xfrm>
-          <a:prstGeom prst="rect">
-            <a:avLst/>
-          </a:prstGeom>
-          <a:noFill/>
-          <a:extLst>
-            <a:ext uri="{909E8E84-426E-40DD-AFC4-6F175D3DCCD1}">
-              <a14:hiddenFill xmlns:a14="http://schemas.microsoft.com/office/drawing/2010/main">
-                <a:solidFill>
-                  <a:srgbClr val="FFFFFF"/>
-                </a:solidFill>
-              </a14:hiddenFill>
-            </a:ext>
-          </a:extLst>
-        </p:spPr>
-      </p:pic>
-      <p:sp>
-        <p:nvSpPr>
-          <p:cNvPr id="4" name="Obdélník 3"/>
-          <p:cNvSpPr/>
-          <p:nvPr/>
-        </p:nvSpPr>
-        <p:spPr>
-          <a:xfrm>
-            <a:off x="1187624" y="6488668"/>
-            <a:ext cx="6696744" cy="369332"/>
-          </a:xfrm>
-          <a:prstGeom prst="rect">
-            <a:avLst/>
-          </a:prstGeom>
-        </p:spPr>
-        <p:txBody>
-          <a:bodyPr wrap="square">
-            <a:spAutoFit/>
-          </a:bodyPr>
-          <a:lstStyle/>
-          <a:p>
-            <a:r>
-              <a:rPr lang="cs-CZ" dirty="0" smtClean="0">
-                <a:hlinkClick r:id="rId5"/>
-              </a:rPr>
-              <a:t>www.labbookpages.co.uk/software/imgProc/otsuThreshold.html</a:t>
-            </a:r>
-            <a:endParaRPr lang="cs-CZ" dirty="0"/>
-          </a:p>
-        </p:txBody>
-      </p:sp>
-    </p:spTree>
-    <p:extLst>
-      <p:ext uri="{BB962C8B-B14F-4D97-AF65-F5344CB8AC3E}">
-        <p14:creationId xmlns:p14="http://schemas.microsoft.com/office/powerpoint/2010/main" val="2019928245"/>
-      </p:ext>
-    </p:extLst>
-  </p:cSld>
-  <p:clrMapOvr>
-    <a:masterClrMapping/>
-  </p:clrMapOvr>
-  <p:timing>
-    <p:tnLst>
-      <p:par>
-        <p:cTn id="1" dur="indefinite" restart="never" nodeType="tmRoot"/>
-      </p:par>
-    </p:tnLst>
-  </p:timing>
-</p:sld>
-</file>
-
-<file path=ppt/slides/slide8.xml><?xml version="1.0" encoding="utf-8"?>
-<p:sld xmlns:a="http://schemas.openxmlformats.org/drawingml/2006/main" xmlns:r="http://schemas.openxmlformats.org/officeDocument/2006/relationships" xmlns:p="http://schemas.openxmlformats.org/presentationml/2006/main">
-  <p:cSld>
-    <p:spTree>
-      <p:nvGrpSpPr>
-        <p:cNvPr id="1" name=""/>
-        <p:cNvGrpSpPr/>
-        <p:nvPr/>
-      </p:nvGrpSpPr>
-      <p:grpSpPr>
-        <a:xfrm>
-          <a:off x="0" y="0"/>
-          <a:ext cx="0" cy="0"/>
-          <a:chOff x="0" y="0"/>
-          <a:chExt cx="0" cy="0"/>
-        </a:xfrm>
-      </p:grpSpPr>
-      <p:sp>
-        <p:nvSpPr>
-          <p:cNvPr id="2" name="Nadpis 1"/>
-          <p:cNvSpPr>
-            <a:spLocks noGrp="1"/>
-          </p:cNvSpPr>
-          <p:nvPr>
-            <p:ph type="title"/>
-          </p:nvPr>
-        </p:nvSpPr>
-        <p:spPr/>
-        <p:txBody>
-          <a:bodyPr>
-            <a:normAutofit/>
-          </a:bodyPr>
-          <a:lstStyle/>
-          <a:p>
-            <a:r>
-              <a:rPr lang="cs-CZ" dirty="0"/>
-              <a:t/>
-            </a:r>
-            <a:br>
-              <a:rPr lang="cs-CZ" dirty="0"/>
-            </a:br>
-            <a:r>
-              <a:rPr lang="cs-CZ" dirty="0"/>
-              <a:t>Prahování s pomocí metody </a:t>
-            </a:r>
-            <a:r>
-              <a:rPr lang="cs-CZ" dirty="0" err="1"/>
-              <a:t>Otsu</a:t>
-            </a:r>
-            <a:r>
-              <a:rPr lang="cs-CZ" dirty="0"/>
-              <a:t> </a:t>
-            </a:r>
-          </a:p>
-        </p:txBody>
-      </p:sp>
-      <p:sp>
-        <p:nvSpPr>
-          <p:cNvPr id="4" name="Rectangle 2"/>
-          <p:cNvSpPr>
-            <a:spLocks noChangeArrowheads="1"/>
-          </p:cNvSpPr>
-          <p:nvPr/>
-        </p:nvSpPr>
-        <p:spPr bwMode="auto">
-          <a:xfrm>
-            <a:off x="0" y="0"/>
-            <a:ext cx="9144000" cy="0"/>
-          </a:xfrm>
-          <a:prstGeom prst="rect">
-            <a:avLst/>
-          </a:prstGeom>
-          <a:noFill/>
-          <a:ln>
-            <a:noFill/>
-          </a:ln>
-          <a:effectLst/>
-          <a:extLst>
-            <a:ext uri="{909E8E84-426E-40DD-AFC4-6F175D3DCCD1}">
-              <a14:hiddenFill xmlns:a14="http://schemas.microsoft.com/office/drawing/2010/main">
-                <a:solidFill>
-                  <a:schemeClr val="accent1"/>
-                </a:solidFill>
-              </a14:hiddenFill>
-            </a:ext>
-            <a:ext uri="{91240B29-F687-4F45-9708-019B960494DF}">
-              <a14:hiddenLine xmlns:a14="http://schemas.microsoft.com/office/drawing/2010/main" w="9525">
-                <a:solidFill>
-                  <a:schemeClr val="tx1"/>
-                </a:solidFill>
-                <a:miter lim="800000"/>
-                <a:headEnd/>
-                <a:tailEnd/>
-              </a14:hiddenLine>
-            </a:ext>
-            <a:ext uri="{AF507438-7753-43E0-B8FC-AC1667EBCBE1}">
-              <a14:hiddenEffects xmlns:a14="http://schemas.microsoft.com/office/drawing/2010/main">
-                <a:effectLst>
-                  <a:outerShdw dist="35921" dir="2700000" algn="ctr" rotWithShape="0">
-                    <a:schemeClr val="bg2"/>
-                  </a:outerShdw>
-                </a:effectLst>
-              </a14:hiddenEffects>
-            </a:ext>
-          </a:extLst>
-        </p:spPr>
         <p:txBody>
           <a:bodyPr vert="horz" wrap="none" lIns="91440" tIns="45720" rIns="91440" bIns="45720" numCol="1" anchor="ctr" anchorCtr="0" compatLnSpc="1">
             <a:prstTxWarp prst="textNoShape">
@@ -7476,7 +6087,7 @@
           <a:graphicData uri="http://schemas.openxmlformats.org/presentationml/2006/ole">
             <mc:AlternateContent xmlns:mc="http://schemas.openxmlformats.org/markup-compatibility/2006">
               <mc:Choice xmlns:v="urn:schemas-microsoft-com:vml" Requires="v">
-                <p:oleObj spid="_x0000_s2052" name="Graf" r:id="rId3" imgW="4924254" imgH="2333727" progId="MSGraph.Chart.8">
+                <p:oleObj spid="_x0000_s2054" name="Graf" r:id="rId3" imgW="4924254" imgH="2333727" progId="MSGraph.Chart.8">
                   <p:embed/>
                 </p:oleObj>
               </mc:Choice>
@@ -7541,7 +6152,7 @@
 </p:sld>
 </file>
 
-<file path=ppt/slides/slide9.xml><?xml version="1.0" encoding="utf-8"?>
+<file path=ppt/slides/slide11.xml><?xml version="1.0" encoding="utf-8"?>
 <p:sld xmlns:a="http://schemas.openxmlformats.org/drawingml/2006/main" xmlns:r="http://schemas.openxmlformats.org/officeDocument/2006/relationships" xmlns:p="http://schemas.openxmlformats.org/presentationml/2006/main">
   <p:cSld>
     <p:spTree>
@@ -7719,6 +6330,2378 @@
     <p:extLst>
       <p:ext uri="{BB962C8B-B14F-4D97-AF65-F5344CB8AC3E}">
         <p14:creationId xmlns:p14="http://schemas.microsoft.com/office/powerpoint/2010/main" val="113105705"/>
+      </p:ext>
+    </p:extLst>
+  </p:cSld>
+  <p:clrMapOvr>
+    <a:masterClrMapping/>
+  </p:clrMapOvr>
+  <p:timing>
+    <p:tnLst>
+      <p:par>
+        <p:cTn id="1" dur="indefinite" restart="never" nodeType="tmRoot"/>
+      </p:par>
+    </p:tnLst>
+  </p:timing>
+</p:sld>
+</file>
+
+<file path=ppt/slides/slide12.xml><?xml version="1.0" encoding="utf-8"?>
+<p:sld xmlns:a="http://schemas.openxmlformats.org/drawingml/2006/main" xmlns:r="http://schemas.openxmlformats.org/officeDocument/2006/relationships" xmlns:p="http://schemas.openxmlformats.org/presentationml/2006/main">
+  <p:cSld>
+    <p:spTree>
+      <p:nvGrpSpPr>
+        <p:cNvPr id="1" name=""/>
+        <p:cNvGrpSpPr/>
+        <p:nvPr/>
+      </p:nvGrpSpPr>
+      <p:grpSpPr>
+        <a:xfrm>
+          <a:off x="0" y="0"/>
+          <a:ext cx="0" cy="0"/>
+          <a:chOff x="0" y="0"/>
+          <a:chExt cx="0" cy="0"/>
+        </a:xfrm>
+      </p:grpSpPr>
+      <p:sp>
+        <p:nvSpPr>
+          <p:cNvPr id="2" name="Nadpis 1"/>
+          <p:cNvSpPr>
+            <a:spLocks noGrp="1"/>
+          </p:cNvSpPr>
+          <p:nvPr>
+            <p:ph type="title"/>
+          </p:nvPr>
+        </p:nvSpPr>
+        <p:spPr/>
+        <p:txBody>
+          <a:bodyPr/>
+          <a:lstStyle/>
+          <a:p>
+            <a:r>
+              <a:rPr lang="cs-CZ" dirty="0"/>
+              <a:t>Segmentace obrazu na základě prahování histogramu</a:t>
+            </a:r>
+          </a:p>
+        </p:txBody>
+      </p:sp>
+      <p:sp>
+        <p:nvSpPr>
+          <p:cNvPr id="3" name="Zástupný symbol pro obsah 2"/>
+          <p:cNvSpPr>
+            <a:spLocks noGrp="1"/>
+          </p:cNvSpPr>
+          <p:nvPr>
+            <p:ph sz="quarter" idx="1"/>
+          </p:nvPr>
+        </p:nvSpPr>
+        <p:spPr/>
+        <p:txBody>
+          <a:bodyPr/>
+          <a:lstStyle/>
+          <a:p>
+            <a:r>
+              <a:rPr lang="cs-CZ" dirty="0"/>
+              <a:t>rozdělení jednotlivých částí obrazu do několika </a:t>
+            </a:r>
+            <a:r>
+              <a:rPr lang="cs-CZ" dirty="0" smtClean="0"/>
+              <a:t>podmnožin (popředí x pozadí)</a:t>
+            </a:r>
+          </a:p>
+          <a:p>
+            <a:r>
+              <a:rPr lang="cs-CZ" dirty="0" smtClean="0"/>
+              <a:t>V histogramu hledáme práh</a:t>
+            </a:r>
+          </a:p>
+          <a:p>
+            <a:pPr lvl="1"/>
+            <a:r>
+              <a:rPr lang="cs-CZ" dirty="0" smtClean="0"/>
+              <a:t>Leží mezi shluky podobných bodů</a:t>
+            </a:r>
+          </a:p>
+          <a:p>
+            <a:pPr lvl="1"/>
+            <a:r>
+              <a:rPr lang="cs-CZ" dirty="0" smtClean="0"/>
+              <a:t>Hledáme jej iterativně – dělíme histogram na části podle aktuálního prahu a spočítáme střed mezi průměry hodnot – nový práh</a:t>
+            </a:r>
+          </a:p>
+          <a:p>
+            <a:r>
+              <a:rPr lang="cs-CZ" dirty="0" smtClean="0"/>
+              <a:t>Zvolena adaptivní metoda</a:t>
+            </a:r>
+          </a:p>
+          <a:p>
+            <a:pPr lvl="1"/>
+            <a:r>
+              <a:rPr lang="cs-CZ" dirty="0" smtClean="0"/>
+              <a:t>Práh je ovlivněn pouze malým (</a:t>
+            </a:r>
+            <a:r>
+              <a:rPr lang="cs-CZ" dirty="0" err="1" smtClean="0"/>
+              <a:t>např</a:t>
+            </a:r>
+            <a:r>
+              <a:rPr lang="cs-CZ" dirty="0" smtClean="0"/>
+              <a:t>, 30 x 30 </a:t>
+            </a:r>
+            <a:r>
+              <a:rPr lang="cs-CZ" dirty="0" err="1" smtClean="0"/>
+              <a:t>px</a:t>
+            </a:r>
+            <a:r>
+              <a:rPr lang="cs-CZ" dirty="0" smtClean="0"/>
+              <a:t>) okolím bodu</a:t>
+            </a:r>
+            <a:endParaRPr lang="cs-CZ" dirty="0"/>
+          </a:p>
+        </p:txBody>
+      </p:sp>
+    </p:spTree>
+    <p:extLst>
+      <p:ext uri="{BB962C8B-B14F-4D97-AF65-F5344CB8AC3E}">
+        <p14:creationId xmlns:p14="http://schemas.microsoft.com/office/powerpoint/2010/main" val="234269293"/>
+      </p:ext>
+    </p:extLst>
+  </p:cSld>
+  <p:clrMapOvr>
+    <a:masterClrMapping/>
+  </p:clrMapOvr>
+  <p:timing>
+    <p:tnLst>
+      <p:par>
+        <p:cTn id="1" dur="indefinite" restart="never" nodeType="tmRoot"/>
+      </p:par>
+    </p:tnLst>
+  </p:timing>
+</p:sld>
+</file>
+
+<file path=ppt/slides/slide13.xml><?xml version="1.0" encoding="utf-8"?>
+<p:sld xmlns:a="http://schemas.openxmlformats.org/drawingml/2006/main" xmlns:r="http://schemas.openxmlformats.org/officeDocument/2006/relationships" xmlns:p="http://schemas.openxmlformats.org/presentationml/2006/main">
+  <p:cSld>
+    <p:spTree>
+      <p:nvGrpSpPr>
+        <p:cNvPr id="1" name=""/>
+        <p:cNvGrpSpPr/>
+        <p:nvPr/>
+      </p:nvGrpSpPr>
+      <p:grpSpPr>
+        <a:xfrm>
+          <a:off x="0" y="0"/>
+          <a:ext cx="0" cy="0"/>
+          <a:chOff x="0" y="0"/>
+          <a:chExt cx="0" cy="0"/>
+        </a:xfrm>
+      </p:grpSpPr>
+      <p:sp>
+        <p:nvSpPr>
+          <p:cNvPr id="2" name="Nadpis 1"/>
+          <p:cNvSpPr>
+            <a:spLocks noGrp="1"/>
+          </p:cNvSpPr>
+          <p:nvPr>
+            <p:ph type="title"/>
+          </p:nvPr>
+        </p:nvSpPr>
+        <p:spPr/>
+        <p:txBody>
+          <a:bodyPr>
+            <a:normAutofit fontScale="90000"/>
+          </a:bodyPr>
+          <a:lstStyle/>
+          <a:p>
+            <a:r>
+              <a:rPr lang="cs-CZ" dirty="0" smtClean="0"/>
+              <a:t>Segmentace:</a:t>
+            </a:r>
+            <a:br>
+              <a:rPr lang="cs-CZ" dirty="0" smtClean="0"/>
+            </a:br>
+            <a:r>
+              <a:rPr lang="cs-CZ" dirty="0" smtClean="0"/>
+              <a:t>Přizpůsobení algoritmu pro běh na GPU</a:t>
+            </a:r>
+            <a:endParaRPr lang="cs-CZ" dirty="0"/>
+          </a:p>
+        </p:txBody>
+      </p:sp>
+      <p:sp>
+        <p:nvSpPr>
+          <p:cNvPr id="3" name="Zástupný symbol pro obsah 2"/>
+          <p:cNvSpPr>
+            <a:spLocks noGrp="1"/>
+          </p:cNvSpPr>
+          <p:nvPr>
+            <p:ph sz="quarter" idx="1"/>
+          </p:nvPr>
+        </p:nvSpPr>
+        <p:spPr/>
+        <p:txBody>
+          <a:bodyPr/>
+          <a:lstStyle/>
+          <a:p>
+            <a:r>
+              <a:rPr lang="cs-CZ" dirty="0" smtClean="0"/>
+              <a:t>Práh se počítá pouze z malého okolí pro každý bod nezávisle</a:t>
+            </a:r>
+          </a:p>
+          <a:p>
+            <a:r>
+              <a:rPr lang="cs-CZ" dirty="0" smtClean="0"/>
+              <a:t>Lze tedy výpočet spustit pro velké množství bodů zároveň</a:t>
+            </a:r>
+          </a:p>
+          <a:p>
+            <a:r>
+              <a:rPr lang="cs-CZ" dirty="0" smtClean="0"/>
+              <a:t>Výsledná akcelerace na testovací stroji</a:t>
+            </a:r>
+          </a:p>
+          <a:p>
+            <a:pPr lvl="1"/>
+            <a:r>
+              <a:rPr lang="cs-CZ" dirty="0"/>
+              <a:t>CPU – Intel </a:t>
+            </a:r>
+            <a:r>
+              <a:rPr lang="cs-CZ" dirty="0" err="1"/>
+              <a:t>Core</a:t>
+            </a:r>
+            <a:r>
+              <a:rPr lang="cs-CZ" dirty="0"/>
+              <a:t> i7 2.44GHz; GPU NVIDIA </a:t>
+            </a:r>
+            <a:r>
+              <a:rPr lang="cs-CZ" dirty="0" err="1"/>
+              <a:t>GeForce</a:t>
+            </a:r>
+            <a:r>
+              <a:rPr lang="cs-CZ" dirty="0"/>
+              <a:t> </a:t>
+            </a:r>
+            <a:r>
+              <a:rPr lang="cs-CZ" dirty="0" smtClean="0"/>
+              <a:t>GT620M</a:t>
+            </a:r>
+          </a:p>
+          <a:p>
+            <a:pPr lvl="1"/>
+            <a:r>
+              <a:rPr lang="cs-CZ" dirty="0" smtClean="0"/>
+              <a:t>2 – 3 násobná</a:t>
+            </a:r>
+          </a:p>
+          <a:p>
+            <a:pPr lvl="1"/>
+            <a:r>
+              <a:rPr lang="cs-CZ" dirty="0" smtClean="0"/>
+              <a:t>Není tak výrazná</a:t>
+            </a:r>
+          </a:p>
+          <a:p>
+            <a:pPr lvl="2"/>
+            <a:r>
+              <a:rPr lang="cs-CZ" dirty="0" smtClean="0"/>
+              <a:t>Výkonný CPU x Nevýkonná GPU (nízký výkon a počet </a:t>
+            </a:r>
+            <a:r>
+              <a:rPr lang="cs-CZ" dirty="0" err="1" smtClean="0"/>
+              <a:t>shaderů</a:t>
+            </a:r>
+            <a:r>
+              <a:rPr lang="cs-CZ" dirty="0" smtClean="0"/>
+              <a:t>)</a:t>
+            </a:r>
+          </a:p>
+          <a:p>
+            <a:pPr lvl="2"/>
+            <a:r>
+              <a:rPr lang="cs-CZ" dirty="0" smtClean="0"/>
+              <a:t>Algoritmus obsahuje poměrně hodně řídící logiky (cykly, podmínky), které GPU zvládá hůře</a:t>
+            </a:r>
+            <a:endParaRPr lang="cs-CZ" dirty="0"/>
+          </a:p>
+        </p:txBody>
+      </p:sp>
+    </p:spTree>
+    <p:extLst>
+      <p:ext uri="{BB962C8B-B14F-4D97-AF65-F5344CB8AC3E}">
+        <p14:creationId xmlns:p14="http://schemas.microsoft.com/office/powerpoint/2010/main" val="2890374482"/>
+      </p:ext>
+    </p:extLst>
+  </p:cSld>
+  <p:clrMapOvr>
+    <a:masterClrMapping/>
+  </p:clrMapOvr>
+  <p:timing>
+    <p:tnLst>
+      <p:par>
+        <p:cTn id="1" dur="indefinite" restart="never" nodeType="tmRoot"/>
+      </p:par>
+    </p:tnLst>
+  </p:timing>
+</p:sld>
+</file>
+
+<file path=ppt/slides/slide14.xml><?xml version="1.0" encoding="utf-8"?>
+<p:sld xmlns:a="http://schemas.openxmlformats.org/drawingml/2006/main" xmlns:r="http://schemas.openxmlformats.org/officeDocument/2006/relationships" xmlns:p="http://schemas.openxmlformats.org/presentationml/2006/main">
+  <p:cSld>
+    <p:spTree>
+      <p:nvGrpSpPr>
+        <p:cNvPr id="1" name=""/>
+        <p:cNvGrpSpPr/>
+        <p:nvPr/>
+      </p:nvGrpSpPr>
+      <p:grpSpPr>
+        <a:xfrm>
+          <a:off x="0" y="0"/>
+          <a:ext cx="0" cy="0"/>
+          <a:chOff x="0" y="0"/>
+          <a:chExt cx="0" cy="0"/>
+        </a:xfrm>
+      </p:grpSpPr>
+      <p:sp>
+        <p:nvSpPr>
+          <p:cNvPr id="2" name="Nadpis 1"/>
+          <p:cNvSpPr>
+            <a:spLocks noGrp="1"/>
+          </p:cNvSpPr>
+          <p:nvPr>
+            <p:ph type="title"/>
+          </p:nvPr>
+        </p:nvSpPr>
+        <p:spPr/>
+        <p:txBody>
+          <a:bodyPr/>
+          <a:lstStyle/>
+          <a:p>
+            <a:r>
+              <a:rPr lang="cs-CZ" dirty="0" smtClean="0"/>
+              <a:t>Segmentace: Výsledky</a:t>
+            </a:r>
+            <a:endParaRPr lang="cs-CZ" dirty="0"/>
+          </a:p>
+        </p:txBody>
+      </p:sp>
+      <p:pic>
+        <p:nvPicPr>
+          <p:cNvPr id="1026" name="Graf 1"/>
+          <p:cNvPicPr>
+            <a:picLocks noGrp="1" noChangeArrowheads="1"/>
+          </p:cNvPicPr>
+          <p:nvPr>
+            <p:ph sz="quarter" idx="1"/>
+          </p:nvPr>
+        </p:nvPicPr>
+        <p:blipFill>
+          <a:blip r:embed="rId2">
+            <a:extLst>
+              <a:ext uri="{28A0092B-C50C-407E-A947-70E740481C1C}">
+                <a14:useLocalDpi xmlns:a14="http://schemas.microsoft.com/office/drawing/2010/main" val="0"/>
+              </a:ext>
+            </a:extLst>
+          </a:blip>
+          <a:srcRect/>
+          <a:stretch>
+            <a:fillRect/>
+          </a:stretch>
+        </p:blipFill>
+        <p:spPr bwMode="auto">
+          <a:xfrm>
+            <a:off x="899592" y="1628800"/>
+            <a:ext cx="6840760" cy="4464496"/>
+          </a:xfrm>
+          <a:prstGeom prst="rect">
+            <a:avLst/>
+          </a:prstGeom>
+          <a:noFill/>
+          <a:ln>
+            <a:noFill/>
+          </a:ln>
+          <a:extLst>
+            <a:ext uri="{909E8E84-426E-40DD-AFC4-6F175D3DCCD1}">
+              <a14:hiddenFill xmlns:a14="http://schemas.microsoft.com/office/drawing/2010/main">
+                <a:solidFill>
+                  <a:srgbClr val="FFFFFF"/>
+                </a:solidFill>
+              </a14:hiddenFill>
+            </a:ext>
+            <a:ext uri="{91240B29-F687-4F45-9708-019B960494DF}">
+              <a14:hiddenLine xmlns:a14="http://schemas.microsoft.com/office/drawing/2010/main" w="9525">
+                <a:solidFill>
+                  <a:srgbClr val="000000"/>
+                </a:solidFill>
+                <a:miter lim="800000"/>
+                <a:headEnd/>
+                <a:tailEnd/>
+              </a14:hiddenLine>
+            </a:ext>
+          </a:extLst>
+        </p:spPr>
+      </p:pic>
+    </p:spTree>
+    <p:extLst>
+      <p:ext uri="{BB962C8B-B14F-4D97-AF65-F5344CB8AC3E}">
+        <p14:creationId xmlns:p14="http://schemas.microsoft.com/office/powerpoint/2010/main" val="4086822418"/>
+      </p:ext>
+    </p:extLst>
+  </p:cSld>
+  <p:clrMapOvr>
+    <a:masterClrMapping/>
+  </p:clrMapOvr>
+  <p:timing>
+    <p:tnLst>
+      <p:par>
+        <p:cTn id="1" dur="indefinite" restart="never" nodeType="tmRoot"/>
+      </p:par>
+    </p:tnLst>
+  </p:timing>
+</p:sld>
+</file>
+
+<file path=ppt/slides/slide15.xml><?xml version="1.0" encoding="utf-8"?>
+<p:sld xmlns:a="http://schemas.openxmlformats.org/drawingml/2006/main" xmlns:r="http://schemas.openxmlformats.org/officeDocument/2006/relationships" xmlns:p="http://schemas.openxmlformats.org/presentationml/2006/main">
+  <p:cSld>
+    <p:spTree>
+      <p:nvGrpSpPr>
+        <p:cNvPr id="1" name=""/>
+        <p:cNvGrpSpPr/>
+        <p:nvPr/>
+      </p:nvGrpSpPr>
+      <p:grpSpPr>
+        <a:xfrm>
+          <a:off x="0" y="0"/>
+          <a:ext cx="0" cy="0"/>
+          <a:chOff x="0" y="0"/>
+          <a:chExt cx="0" cy="0"/>
+        </a:xfrm>
+      </p:grpSpPr>
+      <p:sp>
+        <p:nvSpPr>
+          <p:cNvPr id="2" name="Nadpis 1"/>
+          <p:cNvSpPr>
+            <a:spLocks noGrp="1"/>
+          </p:cNvSpPr>
+          <p:nvPr>
+            <p:ph type="title"/>
+          </p:nvPr>
+        </p:nvSpPr>
+        <p:spPr>
+          <a:xfrm>
+            <a:off x="457200" y="274638"/>
+            <a:ext cx="7467600" cy="562074"/>
+          </a:xfrm>
+        </p:spPr>
+        <p:txBody>
+          <a:bodyPr/>
+          <a:lstStyle/>
+          <a:p>
+            <a:r>
+              <a:rPr lang="cs-CZ" dirty="0"/>
+              <a:t>Segmentace: Výsledky</a:t>
+            </a:r>
+          </a:p>
+        </p:txBody>
+      </p:sp>
+      <p:pic>
+        <p:nvPicPr>
+          <p:cNvPr id="2051" name="Picture 3"/>
+          <p:cNvPicPr>
+            <a:picLocks noGrp="1" noChangeAspect="1" noChangeArrowheads="1"/>
+          </p:cNvPicPr>
+          <p:nvPr>
+            <p:ph sz="quarter" idx="1"/>
+          </p:nvPr>
+        </p:nvPicPr>
+        <p:blipFill>
+          <a:blip r:embed="rId2">
+            <a:extLst>
+              <a:ext uri="{28A0092B-C50C-407E-A947-70E740481C1C}">
+                <a14:useLocalDpi xmlns:a14="http://schemas.microsoft.com/office/drawing/2010/main" val="0"/>
+              </a:ext>
+            </a:extLst>
+          </a:blip>
+          <a:srcRect/>
+          <a:stretch>
+            <a:fillRect/>
+          </a:stretch>
+        </p:blipFill>
+        <p:spPr bwMode="auto">
+          <a:xfrm>
+            <a:off x="1022606" y="764704"/>
+            <a:ext cx="3171429" cy="2390476"/>
+          </a:xfrm>
+          <a:prstGeom prst="rect">
+            <a:avLst/>
+          </a:prstGeom>
+          <a:noFill/>
+          <a:ln>
+            <a:noFill/>
+          </a:ln>
+          <a:effectLst/>
+          <a:extLst>
+            <a:ext uri="{909E8E84-426E-40DD-AFC4-6F175D3DCCD1}">
+              <a14:hiddenFill xmlns:a14="http://schemas.microsoft.com/office/drawing/2010/main">
+                <a:solidFill>
+                  <a:schemeClr val="accent1"/>
+                </a:solidFill>
+              </a14:hiddenFill>
+            </a:ext>
+            <a:ext uri="{91240B29-F687-4F45-9708-019B960494DF}">
+              <a14:hiddenLine xmlns:a14="http://schemas.microsoft.com/office/drawing/2010/main" w="9525">
+                <a:solidFill>
+                  <a:schemeClr val="tx1"/>
+                </a:solidFill>
+                <a:miter lim="800000"/>
+                <a:headEnd/>
+                <a:tailEnd/>
+              </a14:hiddenLine>
+            </a:ext>
+            <a:ext uri="{AF507438-7753-43E0-B8FC-AC1667EBCBE1}">
+              <a14:hiddenEffects xmlns:a14="http://schemas.microsoft.com/office/drawing/2010/main">
+                <a:effectLst>
+                  <a:outerShdw dist="35921" dir="2700000" algn="ctr" rotWithShape="0">
+                    <a:schemeClr val="bg2"/>
+                  </a:outerShdw>
+                </a:effectLst>
+              </a14:hiddenEffects>
+            </a:ext>
+          </a:extLst>
+        </p:spPr>
+      </p:pic>
+      <p:pic>
+        <p:nvPicPr>
+          <p:cNvPr id="2052" name="Picture 4"/>
+          <p:cNvPicPr>
+            <a:picLocks noChangeAspect="1" noChangeArrowheads="1"/>
+          </p:cNvPicPr>
+          <p:nvPr/>
+        </p:nvPicPr>
+        <p:blipFill>
+          <a:blip r:embed="rId3">
+            <a:extLst>
+              <a:ext uri="{28A0092B-C50C-407E-A947-70E740481C1C}">
+                <a14:useLocalDpi xmlns:a14="http://schemas.microsoft.com/office/drawing/2010/main" val="0"/>
+              </a:ext>
+            </a:extLst>
+          </a:blip>
+          <a:srcRect/>
+          <a:stretch>
+            <a:fillRect/>
+          </a:stretch>
+        </p:blipFill>
+        <p:spPr bwMode="auto">
+          <a:xfrm>
+            <a:off x="4178407" y="764704"/>
+            <a:ext cx="3209925" cy="2390775"/>
+          </a:xfrm>
+          <a:prstGeom prst="rect">
+            <a:avLst/>
+          </a:prstGeom>
+          <a:noFill/>
+          <a:ln>
+            <a:noFill/>
+          </a:ln>
+          <a:effectLst/>
+          <a:extLst>
+            <a:ext uri="{909E8E84-426E-40DD-AFC4-6F175D3DCCD1}">
+              <a14:hiddenFill xmlns:a14="http://schemas.microsoft.com/office/drawing/2010/main">
+                <a:solidFill>
+                  <a:schemeClr val="accent1"/>
+                </a:solidFill>
+              </a14:hiddenFill>
+            </a:ext>
+            <a:ext uri="{91240B29-F687-4F45-9708-019B960494DF}">
+              <a14:hiddenLine xmlns:a14="http://schemas.microsoft.com/office/drawing/2010/main" w="9525">
+                <a:solidFill>
+                  <a:schemeClr val="tx1"/>
+                </a:solidFill>
+                <a:miter lim="800000"/>
+                <a:headEnd/>
+                <a:tailEnd/>
+              </a14:hiddenLine>
+            </a:ext>
+            <a:ext uri="{AF507438-7753-43E0-B8FC-AC1667EBCBE1}">
+              <a14:hiddenEffects xmlns:a14="http://schemas.microsoft.com/office/drawing/2010/main">
+                <a:effectLst>
+                  <a:outerShdw dist="35921" dir="2700000" algn="ctr" rotWithShape="0">
+                    <a:schemeClr val="bg2"/>
+                  </a:outerShdw>
+                </a:effectLst>
+              </a14:hiddenEffects>
+            </a:ext>
+          </a:extLst>
+        </p:spPr>
+      </p:pic>
+      <p:pic>
+        <p:nvPicPr>
+          <p:cNvPr id="2053" name="Obrázek 1"/>
+          <p:cNvPicPr>
+            <a:picLocks noChangeAspect="1" noChangeArrowheads="1"/>
+          </p:cNvPicPr>
+          <p:nvPr/>
+        </p:nvPicPr>
+        <p:blipFill>
+          <a:blip r:embed="rId4">
+            <a:extLst>
+              <a:ext uri="{28A0092B-C50C-407E-A947-70E740481C1C}">
+                <a14:useLocalDpi xmlns:a14="http://schemas.microsoft.com/office/drawing/2010/main" val="0"/>
+              </a:ext>
+            </a:extLst>
+          </a:blip>
+          <a:srcRect/>
+          <a:stretch>
+            <a:fillRect/>
+          </a:stretch>
+        </p:blipFill>
+        <p:spPr bwMode="auto">
+          <a:xfrm>
+            <a:off x="2040483" y="3168799"/>
+            <a:ext cx="2116137" cy="3189288"/>
+          </a:xfrm>
+          <a:prstGeom prst="rect">
+            <a:avLst/>
+          </a:prstGeom>
+          <a:noFill/>
+          <a:ln>
+            <a:noFill/>
+          </a:ln>
+          <a:extLst>
+            <a:ext uri="{909E8E84-426E-40DD-AFC4-6F175D3DCCD1}">
+              <a14:hiddenFill xmlns:a14="http://schemas.microsoft.com/office/drawing/2010/main">
+                <a:solidFill>
+                  <a:srgbClr val="FFFFFF"/>
+                </a:solidFill>
+              </a14:hiddenFill>
+            </a:ext>
+            <a:ext uri="{91240B29-F687-4F45-9708-019B960494DF}">
+              <a14:hiddenLine xmlns:a14="http://schemas.microsoft.com/office/drawing/2010/main" w="9525">
+                <a:solidFill>
+                  <a:srgbClr val="000000"/>
+                </a:solidFill>
+                <a:miter lim="800000"/>
+                <a:headEnd/>
+                <a:tailEnd/>
+              </a14:hiddenLine>
+            </a:ext>
+          </a:extLst>
+        </p:spPr>
+      </p:pic>
+      <p:pic>
+        <p:nvPicPr>
+          <p:cNvPr id="2054" name="Picture 6"/>
+          <p:cNvPicPr>
+            <a:picLocks noChangeAspect="1" noChangeArrowheads="1"/>
+          </p:cNvPicPr>
+          <p:nvPr/>
+        </p:nvPicPr>
+        <p:blipFill>
+          <a:blip r:embed="rId5">
+            <a:extLst>
+              <a:ext uri="{28A0092B-C50C-407E-A947-70E740481C1C}">
+                <a14:useLocalDpi xmlns:a14="http://schemas.microsoft.com/office/drawing/2010/main" val="0"/>
+              </a:ext>
+            </a:extLst>
+          </a:blip>
+          <a:srcRect/>
+          <a:stretch>
+            <a:fillRect/>
+          </a:stretch>
+        </p:blipFill>
+        <p:spPr bwMode="auto">
+          <a:xfrm>
+            <a:off x="4178407" y="3148162"/>
+            <a:ext cx="2124075" cy="3209925"/>
+          </a:xfrm>
+          <a:prstGeom prst="rect">
+            <a:avLst/>
+          </a:prstGeom>
+          <a:noFill/>
+          <a:extLst>
+            <a:ext uri="{909E8E84-426E-40DD-AFC4-6F175D3DCCD1}">
+              <a14:hiddenFill xmlns:a14="http://schemas.microsoft.com/office/drawing/2010/main">
+                <a:solidFill>
+                  <a:srgbClr val="FFFFFF"/>
+                </a:solidFill>
+              </a14:hiddenFill>
+            </a:ext>
+          </a:extLst>
+        </p:spPr>
+      </p:pic>
+      <p:sp>
+        <p:nvSpPr>
+          <p:cNvPr id="6" name="TextovéPole 5"/>
+          <p:cNvSpPr txBox="1"/>
+          <p:nvPr/>
+        </p:nvSpPr>
+        <p:spPr>
+          <a:xfrm>
+            <a:off x="6376513" y="6069546"/>
+            <a:ext cx="2044208" cy="577081"/>
+          </a:xfrm>
+          <a:prstGeom prst="rect">
+            <a:avLst/>
+          </a:prstGeom>
+          <a:noFill/>
+        </p:spPr>
+        <p:txBody>
+          <a:bodyPr wrap="square" rtlCol="0">
+            <a:spAutoFit/>
+          </a:bodyPr>
+          <a:lstStyle/>
+          <a:p>
+            <a:r>
+              <a:rPr lang="cs-CZ" sz="1050" dirty="0" smtClean="0"/>
+              <a:t>Zdroj:</a:t>
+            </a:r>
+          </a:p>
+          <a:p>
+            <a:r>
+              <a:rPr lang="cs-CZ" sz="1050" dirty="0" smtClean="0"/>
+              <a:t>avoision.com</a:t>
+            </a:r>
+          </a:p>
+          <a:p>
+            <a:r>
+              <a:rPr lang="cs-CZ" sz="1050" dirty="0"/>
+              <a:t>paper-bob-omb.deviantart.com</a:t>
+            </a:r>
+          </a:p>
+        </p:txBody>
+      </p:sp>
+    </p:spTree>
+    <p:extLst>
+      <p:ext uri="{BB962C8B-B14F-4D97-AF65-F5344CB8AC3E}">
+        <p14:creationId xmlns:p14="http://schemas.microsoft.com/office/powerpoint/2010/main" val="1078777275"/>
+      </p:ext>
+    </p:extLst>
+  </p:cSld>
+  <p:clrMapOvr>
+    <a:masterClrMapping/>
+  </p:clrMapOvr>
+  <p:timing>
+    <p:tnLst>
+      <p:par>
+        <p:cTn id="1" dur="indefinite" restart="never" nodeType="tmRoot"/>
+      </p:par>
+    </p:tnLst>
+  </p:timing>
+</p:sld>
+</file>
+
+<file path=ppt/slides/slide16.xml><?xml version="1.0" encoding="utf-8"?>
+<p:sld xmlns:a="http://schemas.openxmlformats.org/drawingml/2006/main" xmlns:r="http://schemas.openxmlformats.org/officeDocument/2006/relationships" xmlns:p="http://schemas.openxmlformats.org/presentationml/2006/main">
+  <p:cSld>
+    <p:spTree>
+      <p:nvGrpSpPr>
+        <p:cNvPr id="1" name=""/>
+        <p:cNvGrpSpPr/>
+        <p:nvPr/>
+      </p:nvGrpSpPr>
+      <p:grpSpPr>
+        <a:xfrm>
+          <a:off x="0" y="0"/>
+          <a:ext cx="0" cy="0"/>
+          <a:chOff x="0" y="0"/>
+          <a:chExt cx="0" cy="0"/>
+        </a:xfrm>
+      </p:grpSpPr>
+      <p:sp>
+        <p:nvSpPr>
+          <p:cNvPr id="2" name="Nadpis 1"/>
+          <p:cNvSpPr>
+            <a:spLocks noGrp="1"/>
+          </p:cNvSpPr>
+          <p:nvPr>
+            <p:ph type="title"/>
+          </p:nvPr>
+        </p:nvSpPr>
+        <p:spPr/>
+        <p:txBody>
+          <a:bodyPr/>
+          <a:lstStyle/>
+          <a:p>
+            <a:r>
+              <a:rPr lang="cs-CZ" dirty="0" smtClean="0"/>
+              <a:t>Použitá literatura</a:t>
+            </a:r>
+            <a:endParaRPr lang="cs-CZ" dirty="0"/>
+          </a:p>
+        </p:txBody>
+      </p:sp>
+      <p:sp>
+        <p:nvSpPr>
+          <p:cNvPr id="3" name="Zástupný symbol pro obsah 2"/>
+          <p:cNvSpPr>
+            <a:spLocks noGrp="1"/>
+          </p:cNvSpPr>
+          <p:nvPr>
+            <p:ph sz="quarter" idx="1"/>
+          </p:nvPr>
+        </p:nvSpPr>
+        <p:spPr/>
+        <p:txBody>
+          <a:bodyPr/>
+          <a:lstStyle/>
+          <a:p>
+            <a:r>
+              <a:rPr lang="cs-CZ" sz="1400" dirty="0" smtClean="0"/>
+              <a:t>L</a:t>
+            </a:r>
+            <a:r>
+              <a:rPr lang="cs-CZ" sz="1400" dirty="0"/>
+              <a:t>. Lucas, Image </a:t>
+            </a:r>
+            <a:r>
+              <a:rPr lang="cs-CZ" sz="1400" dirty="0" err="1"/>
+              <a:t>Segmentation</a:t>
+            </a:r>
+            <a:r>
+              <a:rPr lang="cs-CZ" sz="1400" dirty="0"/>
+              <a:t>. </a:t>
+            </a:r>
+            <a:r>
+              <a:rPr lang="cs-CZ" sz="1400" dirty="0" err="1"/>
+              <a:t>München</a:t>
+            </a:r>
+            <a:r>
+              <a:rPr lang="cs-CZ" sz="1400" dirty="0"/>
+              <a:t> : </a:t>
+            </a:r>
+            <a:r>
+              <a:rPr lang="cs-CZ" sz="1400" dirty="0" err="1"/>
+              <a:t>Technische</a:t>
+            </a:r>
+            <a:r>
+              <a:rPr lang="cs-CZ" sz="1400" dirty="0"/>
+              <a:t> </a:t>
+            </a:r>
+            <a:r>
+              <a:rPr lang="cs-CZ" sz="1400" dirty="0" err="1"/>
+              <a:t>Universität</a:t>
+            </a:r>
+            <a:r>
+              <a:rPr lang="cs-CZ" sz="1400" dirty="0"/>
+              <a:t> </a:t>
+            </a:r>
+            <a:r>
+              <a:rPr lang="cs-CZ" sz="1400" dirty="0" err="1"/>
+              <a:t>München</a:t>
+            </a:r>
+            <a:r>
+              <a:rPr lang="cs-CZ" sz="1400" dirty="0"/>
+              <a:t>, 2010.</a:t>
+            </a:r>
+          </a:p>
+          <a:p>
+            <a:r>
+              <a:rPr lang="cs-CZ" sz="1400" dirty="0"/>
+              <a:t>F. </a:t>
+            </a:r>
+            <a:r>
+              <a:rPr lang="cs-CZ" sz="1400" dirty="0" err="1"/>
+              <a:t>Kurugollu</a:t>
+            </a:r>
+            <a:r>
+              <a:rPr lang="cs-CZ" sz="1400" dirty="0"/>
+              <a:t>, B. </a:t>
+            </a:r>
+            <a:r>
+              <a:rPr lang="cs-CZ" sz="1400" dirty="0" err="1"/>
+              <a:t>Sankur</a:t>
+            </a:r>
+            <a:r>
+              <a:rPr lang="cs-CZ" sz="1400" dirty="0"/>
+              <a:t>, A.E. Harmanci. </a:t>
+            </a:r>
+            <a:r>
+              <a:rPr lang="cs-CZ" sz="1400" dirty="0" err="1"/>
+              <a:t>Color</a:t>
+            </a:r>
+            <a:r>
+              <a:rPr lang="cs-CZ" sz="1400" dirty="0"/>
+              <a:t> image </a:t>
+            </a:r>
+            <a:r>
+              <a:rPr lang="cs-CZ" sz="1400" dirty="0" err="1"/>
+              <a:t>segmentation</a:t>
+            </a:r>
+            <a:r>
+              <a:rPr lang="cs-CZ" sz="1400" dirty="0"/>
+              <a:t> </a:t>
+            </a:r>
+            <a:r>
+              <a:rPr lang="cs-CZ" sz="1400" dirty="0" err="1"/>
+              <a:t>using</a:t>
+            </a:r>
+            <a:r>
+              <a:rPr lang="cs-CZ" sz="1400" dirty="0"/>
+              <a:t> histogram </a:t>
+            </a:r>
+            <a:r>
+              <a:rPr lang="cs-CZ" sz="1400" dirty="0" err="1"/>
+              <a:t>multithresholding</a:t>
+            </a:r>
+            <a:r>
+              <a:rPr lang="cs-CZ" sz="1400" dirty="0"/>
+              <a:t> and </a:t>
+            </a:r>
+            <a:r>
+              <a:rPr lang="cs-CZ" sz="1400" dirty="0" err="1"/>
+              <a:t>fusion</a:t>
+            </a:r>
+            <a:r>
+              <a:rPr lang="cs-CZ" sz="1400" dirty="0"/>
+              <a:t>. 2001.</a:t>
+            </a:r>
+          </a:p>
+          <a:p>
+            <a:r>
+              <a:rPr lang="cs-CZ" sz="1400" dirty="0" err="1"/>
+              <a:t>Rajagopal</a:t>
+            </a:r>
+            <a:r>
+              <a:rPr lang="cs-CZ" sz="1400" dirty="0"/>
+              <a:t>, </a:t>
+            </a:r>
+            <a:r>
+              <a:rPr lang="cs-CZ" sz="1400" dirty="0" err="1"/>
+              <a:t>Venugopal</a:t>
+            </a:r>
+            <a:r>
+              <a:rPr lang="cs-CZ" sz="1400" dirty="0"/>
+              <a:t>. Image </a:t>
+            </a:r>
+            <a:r>
+              <a:rPr lang="cs-CZ" sz="1400" dirty="0" err="1"/>
+              <a:t>Segmentation</a:t>
+            </a:r>
+            <a:r>
+              <a:rPr lang="cs-CZ" sz="1400" dirty="0"/>
+              <a:t> by Histogram </a:t>
+            </a:r>
+            <a:r>
+              <a:rPr lang="cs-CZ" sz="1400" dirty="0" err="1"/>
+              <a:t>Thresholding</a:t>
+            </a:r>
+            <a:r>
+              <a:rPr lang="cs-CZ" sz="1400" dirty="0"/>
+              <a:t>. 2002</a:t>
+            </a:r>
+            <a:r>
+              <a:rPr lang="cs-CZ" sz="1400" dirty="0" smtClean="0"/>
+              <a:t>.</a:t>
+            </a:r>
+          </a:p>
+          <a:p>
+            <a:r>
+              <a:rPr lang="pl-PL" sz="1400" dirty="0" smtClean="0"/>
+              <a:t>http</a:t>
+            </a:r>
+            <a:r>
+              <a:rPr lang="pl-PL" sz="1400" dirty="0"/>
+              <a:t>://homepages.inf.ed.ac.uk/rbf/CVonline/LOCAL_COPIES/MORSE/threshold.pdf</a:t>
+            </a:r>
+          </a:p>
+          <a:p>
+            <a:r>
+              <a:rPr lang="pl-PL" sz="1400" dirty="0" smtClean="0"/>
+              <a:t>http</a:t>
+            </a:r>
+            <a:r>
+              <a:rPr lang="pl-PL" sz="1400" dirty="0"/>
+              <a:t>://www.codeproject.com/Articles/38319/Famous-Otsu-Thresholding-in-C</a:t>
+            </a:r>
+          </a:p>
+          <a:p>
+            <a:r>
+              <a:rPr lang="pl-PL" sz="1400" dirty="0" smtClean="0"/>
+              <a:t>http</a:t>
+            </a:r>
+            <a:r>
+              <a:rPr lang="pl-PL" sz="1400" dirty="0"/>
+              <a:t>://www.labbookpages.co.uk/software/imgProc/otsuThreshold.html</a:t>
+            </a:r>
+          </a:p>
+          <a:p>
+            <a:r>
+              <a:rPr lang="pl-PL" sz="1400" dirty="0" smtClean="0"/>
+              <a:t>Inspirace </a:t>
+            </a:r>
+            <a:r>
+              <a:rPr lang="pl-PL" sz="1400" dirty="0"/>
+              <a:t>z projektu z HSC (FIT VUT Brno)</a:t>
+            </a:r>
+          </a:p>
+          <a:p>
+            <a:r>
+              <a:rPr lang="cs-CZ" sz="1400" smtClean="0"/>
+              <a:t>http</a:t>
+            </a:r>
+            <a:r>
+              <a:rPr lang="cs-CZ" sz="1400" dirty="0"/>
+              <a:t>://www.khronos.org/files/opencl-1-2-quick-reference-card.pdf</a:t>
+            </a:r>
+          </a:p>
+          <a:p>
+            <a:endParaRPr lang="cs-CZ" dirty="0"/>
+          </a:p>
+        </p:txBody>
+      </p:sp>
+    </p:spTree>
+    <p:extLst>
+      <p:ext uri="{BB962C8B-B14F-4D97-AF65-F5344CB8AC3E}">
+        <p14:creationId xmlns:p14="http://schemas.microsoft.com/office/powerpoint/2010/main" val="437460664"/>
+      </p:ext>
+    </p:extLst>
+  </p:cSld>
+  <p:clrMapOvr>
+    <a:masterClrMapping/>
+  </p:clrMapOvr>
+  <p:timing>
+    <p:tnLst>
+      <p:par>
+        <p:cTn id="1" dur="indefinite" restart="never" nodeType="tmRoot"/>
+      </p:par>
+    </p:tnLst>
+  </p:timing>
+</p:sld>
+</file>
+
+<file path=ppt/slides/slide2.xml><?xml version="1.0" encoding="utf-8"?>
+<p:sld xmlns:a="http://schemas.openxmlformats.org/drawingml/2006/main" xmlns:r="http://schemas.openxmlformats.org/officeDocument/2006/relationships" xmlns:p="http://schemas.openxmlformats.org/presentationml/2006/main">
+  <p:cSld>
+    <p:spTree>
+      <p:nvGrpSpPr>
+        <p:cNvPr id="1" name=""/>
+        <p:cNvGrpSpPr/>
+        <p:nvPr/>
+      </p:nvGrpSpPr>
+      <p:grpSpPr>
+        <a:xfrm>
+          <a:off x="0" y="0"/>
+          <a:ext cx="0" cy="0"/>
+          <a:chOff x="0" y="0"/>
+          <a:chExt cx="0" cy="0"/>
+        </a:xfrm>
+      </p:grpSpPr>
+      <p:sp>
+        <p:nvSpPr>
+          <p:cNvPr id="2" name="Nadpis 1"/>
+          <p:cNvSpPr>
+            <a:spLocks noGrp="1"/>
+          </p:cNvSpPr>
+          <p:nvPr>
+            <p:ph type="title"/>
+          </p:nvPr>
+        </p:nvSpPr>
+        <p:spPr/>
+        <p:txBody>
+          <a:bodyPr/>
+          <a:lstStyle/>
+          <a:p>
+            <a:r>
+              <a:rPr lang="cs-CZ" dirty="0" smtClean="0"/>
+              <a:t>Upřesnění zadání</a:t>
+            </a:r>
+            <a:endParaRPr lang="cs-CZ" dirty="0"/>
+          </a:p>
+        </p:txBody>
+      </p:sp>
+      <p:sp>
+        <p:nvSpPr>
+          <p:cNvPr id="3" name="Zástupný symbol pro obsah 2"/>
+          <p:cNvSpPr>
+            <a:spLocks noGrp="1"/>
+          </p:cNvSpPr>
+          <p:nvPr>
+            <p:ph sz="quarter" idx="1"/>
+          </p:nvPr>
+        </p:nvSpPr>
+        <p:spPr/>
+        <p:txBody>
+          <a:bodyPr>
+            <a:normAutofit/>
+          </a:bodyPr>
+          <a:lstStyle/>
+          <a:p>
+            <a:pPr lvl="0"/>
+            <a:r>
+              <a:rPr lang="cs-CZ" dirty="0"/>
+              <a:t>Implementovat výpočet histogramu vstupního obrázku pomocí </a:t>
+            </a:r>
+            <a:r>
+              <a:rPr lang="cs-CZ" dirty="0" err="1"/>
+              <a:t>OpenCL</a:t>
+            </a:r>
+            <a:r>
+              <a:rPr lang="cs-CZ" dirty="0"/>
+              <a:t>.</a:t>
+            </a:r>
+          </a:p>
+          <a:p>
+            <a:pPr lvl="0"/>
+            <a:r>
+              <a:rPr lang="cs-CZ" dirty="0"/>
+              <a:t>Každý člen týmu implementovat jednu metodu využívající histogramu, a to jak s pomocí </a:t>
+            </a:r>
+            <a:r>
+              <a:rPr lang="cs-CZ" dirty="0" err="1"/>
+              <a:t>OpenCL</a:t>
+            </a:r>
+            <a:r>
+              <a:rPr lang="cs-CZ" dirty="0"/>
+              <a:t> tak CPU implementaci.</a:t>
+            </a:r>
+          </a:p>
+          <a:p>
+            <a:pPr lvl="0"/>
+            <a:r>
+              <a:rPr lang="cs-CZ" dirty="0"/>
+              <a:t>Vstup aplikace zpracuje vždy oběma způsoby a vypíše čas každé z nich</a:t>
+            </a:r>
+            <a:r>
+              <a:rPr lang="cs-CZ" dirty="0" smtClean="0"/>
+              <a:t>. Zvolené </a:t>
+            </a:r>
+            <a:r>
+              <a:rPr lang="cs-CZ" dirty="0"/>
+              <a:t>metody (algoritmy):</a:t>
+            </a:r>
+          </a:p>
+          <a:p>
+            <a:pPr lvl="1"/>
+            <a:r>
+              <a:rPr lang="cs-CZ" dirty="0" err="1"/>
+              <a:t>Ekvalizace</a:t>
+            </a:r>
+            <a:r>
+              <a:rPr lang="cs-CZ" dirty="0"/>
+              <a:t> histogramu</a:t>
+            </a:r>
+          </a:p>
+          <a:p>
+            <a:pPr lvl="1"/>
+            <a:r>
+              <a:rPr lang="cs-CZ" dirty="0"/>
+              <a:t>Prahování s pomocí metody </a:t>
+            </a:r>
+            <a:r>
+              <a:rPr lang="cs-CZ" dirty="0" err="1"/>
+              <a:t>Otsu</a:t>
+            </a:r>
+            <a:r>
+              <a:rPr lang="cs-CZ" dirty="0"/>
+              <a:t> </a:t>
+            </a:r>
+          </a:p>
+          <a:p>
+            <a:pPr lvl="1"/>
+            <a:r>
+              <a:rPr lang="cs-CZ" dirty="0"/>
+              <a:t>Segmentace obrazu na základě prahování </a:t>
+            </a:r>
+            <a:r>
+              <a:rPr lang="cs-CZ" dirty="0" smtClean="0"/>
+              <a:t>histogramu</a:t>
+            </a:r>
+            <a:endParaRPr lang="cs-CZ" dirty="0"/>
+          </a:p>
+        </p:txBody>
+      </p:sp>
+    </p:spTree>
+    <p:extLst>
+      <p:ext uri="{BB962C8B-B14F-4D97-AF65-F5344CB8AC3E}">
+        <p14:creationId xmlns:p14="http://schemas.microsoft.com/office/powerpoint/2010/main" val="4017374415"/>
+      </p:ext>
+    </p:extLst>
+  </p:cSld>
+  <p:clrMapOvr>
+    <a:masterClrMapping/>
+  </p:clrMapOvr>
+  <p:timing>
+    <p:tnLst>
+      <p:par>
+        <p:cTn id="1" dur="indefinite" restart="never" nodeType="tmRoot"/>
+      </p:par>
+    </p:tnLst>
+  </p:timing>
+</p:sld>
+</file>
+
+<file path=ppt/slides/slide3.xml><?xml version="1.0" encoding="utf-8"?>
+<p:sld xmlns:a="http://schemas.openxmlformats.org/drawingml/2006/main" xmlns:r="http://schemas.openxmlformats.org/officeDocument/2006/relationships" xmlns:p="http://schemas.openxmlformats.org/presentationml/2006/main">
+  <p:cSld>
+    <p:spTree>
+      <p:nvGrpSpPr>
+        <p:cNvPr id="1" name=""/>
+        <p:cNvGrpSpPr/>
+        <p:nvPr/>
+      </p:nvGrpSpPr>
+      <p:grpSpPr>
+        <a:xfrm>
+          <a:off x="0" y="0"/>
+          <a:ext cx="0" cy="0"/>
+          <a:chOff x="0" y="0"/>
+          <a:chExt cx="0" cy="0"/>
+        </a:xfrm>
+      </p:grpSpPr>
+      <p:sp>
+        <p:nvSpPr>
+          <p:cNvPr id="2" name="Nadpis 1"/>
+          <p:cNvSpPr>
+            <a:spLocks noGrp="1"/>
+          </p:cNvSpPr>
+          <p:nvPr>
+            <p:ph type="title"/>
+          </p:nvPr>
+        </p:nvSpPr>
+        <p:spPr/>
+        <p:txBody>
+          <a:bodyPr/>
+          <a:lstStyle/>
+          <a:p>
+            <a:r>
+              <a:rPr lang="cs-CZ" dirty="0" smtClean="0"/>
+              <a:t>Výpočet histogramu</a:t>
+            </a:r>
+            <a:endParaRPr lang="cs-CZ" dirty="0"/>
+          </a:p>
+        </p:txBody>
+      </p:sp>
+      <p:sp>
+        <p:nvSpPr>
+          <p:cNvPr id="3" name="Zástupný symbol pro obsah 2"/>
+          <p:cNvSpPr>
+            <a:spLocks noGrp="1"/>
+          </p:cNvSpPr>
+          <p:nvPr>
+            <p:ph sz="quarter" idx="1"/>
+          </p:nvPr>
+        </p:nvSpPr>
+        <p:spPr/>
+        <p:txBody>
+          <a:bodyPr/>
+          <a:lstStyle/>
+          <a:p>
+            <a:r>
+              <a:rPr lang="en-US" dirty="0" err="1" smtClean="0"/>
+              <a:t>Prvn</a:t>
+            </a:r>
+            <a:r>
+              <a:rPr lang="cs-CZ" dirty="0" smtClean="0"/>
+              <a:t>í metoda: počítání lokálních </a:t>
+            </a:r>
+            <a:r>
+              <a:rPr lang="cs-CZ" dirty="0" err="1" smtClean="0"/>
+              <a:t>subhistogramů</a:t>
+            </a:r>
+            <a:r>
+              <a:rPr lang="cs-CZ" dirty="0" smtClean="0"/>
+              <a:t> ve </a:t>
+            </a:r>
+            <a:r>
+              <a:rPr lang="cs-CZ" dirty="0" err="1" smtClean="0"/>
+              <a:t>workgrupách</a:t>
+            </a:r>
+            <a:r>
+              <a:rPr lang="cs-CZ" dirty="0" smtClean="0"/>
+              <a:t>, jejich následné sečtení, atomické instrukce</a:t>
+            </a:r>
+          </a:p>
+          <a:p>
+            <a:endParaRPr lang="cs-CZ" dirty="0"/>
+          </a:p>
+        </p:txBody>
+      </p:sp>
+      <p:graphicFrame>
+        <p:nvGraphicFramePr>
+          <p:cNvPr id="4" name="Graf 3"/>
+          <p:cNvGraphicFramePr>
+            <a:graphicFrameLocks/>
+          </p:cNvGraphicFramePr>
+          <p:nvPr>
+            <p:extLst>
+              <p:ext uri="{D42A27DB-BD31-4B8C-83A1-F6EECF244321}">
+                <p14:modId xmlns:p14="http://schemas.microsoft.com/office/powerpoint/2010/main" val="904033523"/>
+              </p:ext>
+            </p:extLst>
+          </p:nvPr>
+        </p:nvGraphicFramePr>
+        <p:xfrm>
+          <a:off x="611560" y="2924944"/>
+          <a:ext cx="7276331" cy="3600400"/>
+        </p:xfrm>
+        <a:graphic>
+          <a:graphicData uri="http://schemas.openxmlformats.org/drawingml/2006/chart">
+            <c:chart xmlns:c="http://schemas.openxmlformats.org/drawingml/2006/chart" xmlns:r="http://schemas.openxmlformats.org/officeDocument/2006/relationships" r:id="rId2"/>
+          </a:graphicData>
+        </a:graphic>
+      </p:graphicFrame>
+    </p:spTree>
+    <p:extLst>
+      <p:ext uri="{BB962C8B-B14F-4D97-AF65-F5344CB8AC3E}">
+        <p14:creationId xmlns:p14="http://schemas.microsoft.com/office/powerpoint/2010/main" val="515786011"/>
+      </p:ext>
+    </p:extLst>
+  </p:cSld>
+  <p:clrMapOvr>
+    <a:masterClrMapping/>
+  </p:clrMapOvr>
+  <p:timing>
+    <p:tnLst>
+      <p:par>
+        <p:cTn id="1" dur="indefinite" restart="never" nodeType="tmRoot"/>
+      </p:par>
+    </p:tnLst>
+  </p:timing>
+</p:sld>
+</file>
+
+<file path=ppt/slides/slide4.xml><?xml version="1.0" encoding="utf-8"?>
+<p:sld xmlns:a="http://schemas.openxmlformats.org/drawingml/2006/main" xmlns:r="http://schemas.openxmlformats.org/officeDocument/2006/relationships" xmlns:p="http://schemas.openxmlformats.org/presentationml/2006/main">
+  <p:cSld>
+    <p:spTree>
+      <p:nvGrpSpPr>
+        <p:cNvPr id="1" name=""/>
+        <p:cNvGrpSpPr/>
+        <p:nvPr/>
+      </p:nvGrpSpPr>
+      <p:grpSpPr>
+        <a:xfrm>
+          <a:off x="0" y="0"/>
+          <a:ext cx="0" cy="0"/>
+          <a:chOff x="0" y="0"/>
+          <a:chExt cx="0" cy="0"/>
+        </a:xfrm>
+      </p:grpSpPr>
+      <p:sp>
+        <p:nvSpPr>
+          <p:cNvPr id="2" name="Nadpis 1"/>
+          <p:cNvSpPr>
+            <a:spLocks noGrp="1"/>
+          </p:cNvSpPr>
+          <p:nvPr>
+            <p:ph type="title"/>
+          </p:nvPr>
+        </p:nvSpPr>
+        <p:spPr/>
+        <p:txBody>
+          <a:bodyPr/>
+          <a:lstStyle/>
+          <a:p>
+            <a:r>
+              <a:rPr lang="cs-CZ" dirty="0" smtClean="0"/>
+              <a:t>Výpočet histogramu</a:t>
+            </a:r>
+            <a:endParaRPr lang="cs-CZ" dirty="0"/>
+          </a:p>
+        </p:txBody>
+      </p:sp>
+      <p:sp>
+        <p:nvSpPr>
+          <p:cNvPr id="3" name="Zástupný symbol pro obsah 2"/>
+          <p:cNvSpPr>
+            <a:spLocks noGrp="1"/>
+          </p:cNvSpPr>
+          <p:nvPr>
+            <p:ph sz="quarter" idx="1"/>
+          </p:nvPr>
+        </p:nvSpPr>
+        <p:spPr/>
+        <p:txBody>
+          <a:bodyPr/>
+          <a:lstStyle/>
+          <a:p>
+            <a:r>
+              <a:rPr lang="cs-CZ" dirty="0" smtClean="0"/>
+              <a:t>Druhá</a:t>
+            </a:r>
+            <a:r>
+              <a:rPr lang="cs-CZ" dirty="0" smtClean="0"/>
+              <a:t> metoda: bez použití atomických instrukcí</a:t>
+            </a:r>
+            <a:endParaRPr lang="cs-CZ" dirty="0" smtClean="0"/>
+          </a:p>
+          <a:p>
+            <a:endParaRPr lang="cs-CZ" dirty="0"/>
+          </a:p>
+        </p:txBody>
+      </p:sp>
+      <p:graphicFrame>
+        <p:nvGraphicFramePr>
+          <p:cNvPr id="5" name="Graf 4"/>
+          <p:cNvGraphicFramePr>
+            <a:graphicFrameLocks/>
+          </p:cNvGraphicFramePr>
+          <p:nvPr>
+            <p:extLst>
+              <p:ext uri="{D42A27DB-BD31-4B8C-83A1-F6EECF244321}">
+                <p14:modId xmlns:p14="http://schemas.microsoft.com/office/powerpoint/2010/main" val="3254044849"/>
+              </p:ext>
+            </p:extLst>
+          </p:nvPr>
+        </p:nvGraphicFramePr>
+        <p:xfrm>
+          <a:off x="683568" y="2420888"/>
+          <a:ext cx="7275600" cy="3600000"/>
+        </p:xfrm>
+        <a:graphic>
+          <a:graphicData uri="http://schemas.openxmlformats.org/drawingml/2006/chart">
+            <c:chart xmlns:c="http://schemas.openxmlformats.org/drawingml/2006/chart" xmlns:r="http://schemas.openxmlformats.org/officeDocument/2006/relationships" r:id="rId2"/>
+          </a:graphicData>
+        </a:graphic>
+      </p:graphicFrame>
+    </p:spTree>
+    <p:extLst>
+      <p:ext uri="{BB962C8B-B14F-4D97-AF65-F5344CB8AC3E}">
+        <p14:creationId xmlns:p14="http://schemas.microsoft.com/office/powerpoint/2010/main" val="3122414814"/>
+      </p:ext>
+    </p:extLst>
+  </p:cSld>
+  <p:clrMapOvr>
+    <a:masterClrMapping/>
+  </p:clrMapOvr>
+  <p:timing>
+    <p:tnLst>
+      <p:par>
+        <p:cTn id="1" dur="indefinite" restart="never" nodeType="tmRoot"/>
+      </p:par>
+    </p:tnLst>
+  </p:timing>
+</p:sld>
+</file>
+
+<file path=ppt/slides/slide5.xml><?xml version="1.0" encoding="utf-8"?>
+<p:sld xmlns:a="http://schemas.openxmlformats.org/drawingml/2006/main" xmlns:r="http://schemas.openxmlformats.org/officeDocument/2006/relationships" xmlns:p="http://schemas.openxmlformats.org/presentationml/2006/main">
+  <p:cSld>
+    <p:spTree>
+      <p:nvGrpSpPr>
+        <p:cNvPr id="1" name=""/>
+        <p:cNvGrpSpPr/>
+        <p:nvPr/>
+      </p:nvGrpSpPr>
+      <p:grpSpPr>
+        <a:xfrm>
+          <a:off x="0" y="0"/>
+          <a:ext cx="0" cy="0"/>
+          <a:chOff x="0" y="0"/>
+          <a:chExt cx="0" cy="0"/>
+        </a:xfrm>
+      </p:grpSpPr>
+      <p:sp>
+        <p:nvSpPr>
+          <p:cNvPr id="2" name="Nadpis 1"/>
+          <p:cNvSpPr>
+            <a:spLocks noGrp="1"/>
+          </p:cNvSpPr>
+          <p:nvPr>
+            <p:ph type="title"/>
+          </p:nvPr>
+        </p:nvSpPr>
+        <p:spPr/>
+        <p:txBody>
+          <a:bodyPr/>
+          <a:lstStyle/>
+          <a:p>
+            <a:r>
+              <a:rPr lang="cs-CZ" dirty="0" err="1" smtClean="0"/>
+              <a:t>Ekvalizace</a:t>
+            </a:r>
+            <a:r>
+              <a:rPr lang="cs-CZ" dirty="0" smtClean="0"/>
+              <a:t> histogramu</a:t>
+            </a:r>
+            <a:endParaRPr lang="cs-CZ" dirty="0"/>
+          </a:p>
+        </p:txBody>
+      </p:sp>
+      <p:sp>
+        <p:nvSpPr>
+          <p:cNvPr id="3" name="Zástupný symbol pro obsah 2"/>
+          <p:cNvSpPr>
+            <a:spLocks noGrp="1"/>
+          </p:cNvSpPr>
+          <p:nvPr>
+            <p:ph sz="quarter" idx="1"/>
+          </p:nvPr>
+        </p:nvSpPr>
+        <p:spPr/>
+        <p:txBody>
+          <a:bodyPr/>
+          <a:lstStyle/>
+          <a:p>
+            <a:r>
+              <a:rPr lang="cs-CZ" dirty="0" smtClean="0"/>
+              <a:t>Slouží k zvýšení kontrastu rovnoměrnějším rozložením intenzit</a:t>
+            </a:r>
+          </a:p>
+          <a:p>
+            <a:endParaRPr lang="cs-CZ" dirty="0"/>
+          </a:p>
+        </p:txBody>
+      </p:sp>
+      <p:pic>
+        <p:nvPicPr>
+          <p:cNvPr id="4" name="Obrázek 3"/>
+          <p:cNvPicPr>
+            <a:picLocks noChangeAspect="1"/>
+          </p:cNvPicPr>
+          <p:nvPr/>
+        </p:nvPicPr>
+        <p:blipFill>
+          <a:blip r:embed="rId2">
+            <a:extLst>
+              <a:ext uri="{28A0092B-C50C-407E-A947-70E740481C1C}">
+                <a14:useLocalDpi xmlns:a14="http://schemas.microsoft.com/office/drawing/2010/main" val="0"/>
+              </a:ext>
+            </a:extLst>
+          </a:blip>
+          <a:stretch>
+            <a:fillRect/>
+          </a:stretch>
+        </p:blipFill>
+        <p:spPr>
+          <a:xfrm>
+            <a:off x="2987824" y="2446376"/>
+            <a:ext cx="3384376" cy="1702704"/>
+          </a:xfrm>
+          <a:prstGeom prst="rect">
+            <a:avLst/>
+          </a:prstGeom>
+        </p:spPr>
+      </p:pic>
+      <p:pic>
+        <p:nvPicPr>
+          <p:cNvPr id="3074" name="Picture 2" descr="File:Unequalized Histogram.svg"/>
+          <p:cNvPicPr>
+            <a:picLocks noChangeAspect="1" noChangeArrowheads="1"/>
+          </p:cNvPicPr>
+          <p:nvPr/>
+        </p:nvPicPr>
+        <p:blipFill>
+          <a:blip r:embed="rId3">
+            <a:extLst>
+              <a:ext uri="{28A0092B-C50C-407E-A947-70E740481C1C}">
+                <a14:useLocalDpi xmlns:a14="http://schemas.microsoft.com/office/drawing/2010/main" val="0"/>
+              </a:ext>
+            </a:extLst>
+          </a:blip>
+          <a:srcRect/>
+          <a:stretch>
+            <a:fillRect/>
+          </a:stretch>
+        </p:blipFill>
+        <p:spPr bwMode="auto">
+          <a:xfrm>
+            <a:off x="50660" y="4135791"/>
+            <a:ext cx="3996444" cy="2425606"/>
+          </a:xfrm>
+          <a:prstGeom prst="rect">
+            <a:avLst/>
+          </a:prstGeom>
+          <a:noFill/>
+          <a:extLst>
+            <a:ext uri="{909E8E84-426E-40DD-AFC4-6F175D3DCCD1}">
+              <a14:hiddenFill xmlns:a14="http://schemas.microsoft.com/office/drawing/2010/main">
+                <a:solidFill>
+                  <a:srgbClr val="FFFFFF"/>
+                </a:solidFill>
+              </a14:hiddenFill>
+            </a:ext>
+          </a:extLst>
+        </p:spPr>
+      </p:pic>
+      <p:pic>
+        <p:nvPicPr>
+          <p:cNvPr id="3076" name="Picture 4" descr="File:Equalized Histogram.svg"/>
+          <p:cNvPicPr>
+            <a:picLocks noChangeAspect="1" noChangeArrowheads="1"/>
+          </p:cNvPicPr>
+          <p:nvPr/>
+        </p:nvPicPr>
+        <p:blipFill>
+          <a:blip r:embed="rId4">
+            <a:extLst>
+              <a:ext uri="{28A0092B-C50C-407E-A947-70E740481C1C}">
+                <a14:useLocalDpi xmlns:a14="http://schemas.microsoft.com/office/drawing/2010/main" val="0"/>
+              </a:ext>
+            </a:extLst>
+          </a:blip>
+          <a:srcRect/>
+          <a:stretch>
+            <a:fillRect/>
+          </a:stretch>
+        </p:blipFill>
+        <p:spPr bwMode="auto">
+          <a:xfrm>
+            <a:off x="4680012" y="4149080"/>
+            <a:ext cx="3204356" cy="2266050"/>
+          </a:xfrm>
+          <a:prstGeom prst="rect">
+            <a:avLst/>
+          </a:prstGeom>
+          <a:noFill/>
+          <a:extLst>
+            <a:ext uri="{909E8E84-426E-40DD-AFC4-6F175D3DCCD1}">
+              <a14:hiddenFill xmlns:a14="http://schemas.microsoft.com/office/drawing/2010/main">
+                <a:solidFill>
+                  <a:srgbClr val="FFFFFF"/>
+                </a:solidFill>
+              </a14:hiddenFill>
+            </a:ext>
+          </a:extLst>
+        </p:spPr>
+      </p:pic>
+    </p:spTree>
+    <p:extLst>
+      <p:ext uri="{BB962C8B-B14F-4D97-AF65-F5344CB8AC3E}">
+        <p14:creationId xmlns:p14="http://schemas.microsoft.com/office/powerpoint/2010/main" val="1104924098"/>
+      </p:ext>
+    </p:extLst>
+  </p:cSld>
+  <p:clrMapOvr>
+    <a:masterClrMapping/>
+  </p:clrMapOvr>
+  <p:timing>
+    <p:tnLst>
+      <p:par>
+        <p:cTn id="1" dur="indefinite" restart="never" nodeType="tmRoot"/>
+      </p:par>
+    </p:tnLst>
+  </p:timing>
+</p:sld>
+</file>
+
+<file path=ppt/slides/slide6.xml><?xml version="1.0" encoding="utf-8"?>
+<p:sld xmlns:a="http://schemas.openxmlformats.org/drawingml/2006/main" xmlns:r="http://schemas.openxmlformats.org/officeDocument/2006/relationships" xmlns:p="http://schemas.openxmlformats.org/presentationml/2006/main">
+  <p:cSld>
+    <p:spTree>
+      <p:nvGrpSpPr>
+        <p:cNvPr id="1" name=""/>
+        <p:cNvGrpSpPr/>
+        <p:nvPr/>
+      </p:nvGrpSpPr>
+      <p:grpSpPr>
+        <a:xfrm>
+          <a:off x="0" y="0"/>
+          <a:ext cx="0" cy="0"/>
+          <a:chOff x="0" y="0"/>
+          <a:chExt cx="0" cy="0"/>
+        </a:xfrm>
+      </p:grpSpPr>
+      <p:sp>
+        <p:nvSpPr>
+          <p:cNvPr id="2" name="Nadpis 1"/>
+          <p:cNvSpPr>
+            <a:spLocks noGrp="1"/>
+          </p:cNvSpPr>
+          <p:nvPr>
+            <p:ph type="title"/>
+          </p:nvPr>
+        </p:nvSpPr>
+        <p:spPr/>
+        <p:txBody>
+          <a:bodyPr/>
+          <a:lstStyle/>
+          <a:p>
+            <a:r>
+              <a:rPr lang="cs-CZ" dirty="0" err="1" smtClean="0"/>
+              <a:t>Ekvalizace</a:t>
+            </a:r>
+            <a:r>
+              <a:rPr lang="cs-CZ" dirty="0" smtClean="0"/>
+              <a:t> histogramu</a:t>
+            </a:r>
+            <a:endParaRPr lang="cs-CZ" dirty="0"/>
+          </a:p>
+        </p:txBody>
+      </p:sp>
+      <p:sp>
+        <p:nvSpPr>
+          <p:cNvPr id="3" name="Zástupný symbol pro obsah 2"/>
+          <p:cNvSpPr>
+            <a:spLocks noGrp="1"/>
+          </p:cNvSpPr>
+          <p:nvPr>
+            <p:ph sz="quarter" idx="1"/>
+          </p:nvPr>
+        </p:nvSpPr>
+        <p:spPr/>
+        <p:txBody>
+          <a:bodyPr/>
+          <a:lstStyle/>
+          <a:p>
+            <a:r>
+              <a:rPr lang="cs-CZ" sz="1800" dirty="0" smtClean="0"/>
+              <a:t>Výpočet kumulativního histogramu</a:t>
+            </a:r>
+          </a:p>
+          <a:p>
+            <a:r>
+              <a:rPr lang="cs-CZ" sz="1800" dirty="0" smtClean="0"/>
+              <a:t>Vynásobení jeho hodnot hodnotou (velikost histogramu / počet pixelů) – paralelně</a:t>
+            </a:r>
+          </a:p>
+          <a:p>
+            <a:r>
+              <a:rPr lang="cs-CZ" sz="1800" dirty="0" smtClean="0"/>
+              <a:t>Tím získáme nové hodnoty pro jednotlivé původní hodnoty pixelů</a:t>
+            </a:r>
+          </a:p>
+          <a:p>
+            <a:r>
+              <a:rPr lang="cs-CZ" sz="1800" dirty="0" smtClean="0"/>
+              <a:t>Přiřazení nových hodnot pixelům - paralelně</a:t>
+            </a:r>
+          </a:p>
+          <a:p>
+            <a:endParaRPr lang="cs-CZ" dirty="0" smtClean="0"/>
+          </a:p>
+          <a:p>
+            <a:endParaRPr lang="cs-CZ" dirty="0"/>
+          </a:p>
+        </p:txBody>
+      </p:sp>
+      <p:pic>
+        <p:nvPicPr>
+          <p:cNvPr id="4098" name="Graf 1"/>
+          <p:cNvPicPr>
+            <a:picLocks noChangeArrowheads="1"/>
+          </p:cNvPicPr>
+          <p:nvPr/>
+        </p:nvPicPr>
+        <p:blipFill>
+          <a:blip r:embed="rId2">
+            <a:extLst>
+              <a:ext uri="{28A0092B-C50C-407E-A947-70E740481C1C}">
+                <a14:useLocalDpi xmlns:a14="http://schemas.microsoft.com/office/drawing/2010/main" val="0"/>
+              </a:ext>
+            </a:extLst>
+          </a:blip>
+          <a:srcRect/>
+          <a:stretch>
+            <a:fillRect/>
+          </a:stretch>
+        </p:blipFill>
+        <p:spPr bwMode="auto">
+          <a:xfrm>
+            <a:off x="1979712" y="3404770"/>
+            <a:ext cx="4968552" cy="3168352"/>
+          </a:xfrm>
+          <a:prstGeom prst="rect">
+            <a:avLst/>
+          </a:prstGeom>
+          <a:noFill/>
+          <a:ln>
+            <a:noFill/>
+          </a:ln>
+          <a:extLst>
+            <a:ext uri="{909E8E84-426E-40DD-AFC4-6F175D3DCCD1}">
+              <a14:hiddenFill xmlns:a14="http://schemas.microsoft.com/office/drawing/2010/main">
+                <a:solidFill>
+                  <a:srgbClr val="FFFFFF"/>
+                </a:solidFill>
+              </a14:hiddenFill>
+            </a:ext>
+            <a:ext uri="{91240B29-F687-4F45-9708-019B960494DF}">
+              <a14:hiddenLine xmlns:a14="http://schemas.microsoft.com/office/drawing/2010/main" w="9525">
+                <a:solidFill>
+                  <a:srgbClr val="000000"/>
+                </a:solidFill>
+                <a:miter lim="800000"/>
+                <a:headEnd/>
+                <a:tailEnd/>
+              </a14:hiddenLine>
+            </a:ext>
+          </a:extLst>
+        </p:spPr>
+      </p:pic>
+    </p:spTree>
+    <p:extLst>
+      <p:ext uri="{BB962C8B-B14F-4D97-AF65-F5344CB8AC3E}">
+        <p14:creationId xmlns:p14="http://schemas.microsoft.com/office/powerpoint/2010/main" val="4208077967"/>
+      </p:ext>
+    </p:extLst>
+  </p:cSld>
+  <p:clrMapOvr>
+    <a:masterClrMapping/>
+  </p:clrMapOvr>
+  <p:timing>
+    <p:tnLst>
+      <p:par>
+        <p:cTn id="1" dur="indefinite" restart="never" nodeType="tmRoot"/>
+      </p:par>
+    </p:tnLst>
+  </p:timing>
+</p:sld>
+</file>
+
+<file path=ppt/slides/slide7.xml><?xml version="1.0" encoding="utf-8"?>
+<p:sld xmlns:a="http://schemas.openxmlformats.org/drawingml/2006/main" xmlns:r="http://schemas.openxmlformats.org/officeDocument/2006/relationships" xmlns:p="http://schemas.openxmlformats.org/presentationml/2006/main">
+  <p:cSld>
+    <p:spTree>
+      <p:nvGrpSpPr>
+        <p:cNvPr id="1" name=""/>
+        <p:cNvGrpSpPr/>
+        <p:nvPr/>
+      </p:nvGrpSpPr>
+      <p:grpSpPr>
+        <a:xfrm>
+          <a:off x="0" y="0"/>
+          <a:ext cx="0" cy="0"/>
+          <a:chOff x="0" y="0"/>
+          <a:chExt cx="0" cy="0"/>
+        </a:xfrm>
+      </p:grpSpPr>
+      <p:sp>
+        <p:nvSpPr>
+          <p:cNvPr id="2" name="Nadpis 1"/>
+          <p:cNvSpPr>
+            <a:spLocks noGrp="1"/>
+          </p:cNvSpPr>
+          <p:nvPr>
+            <p:ph type="title"/>
+          </p:nvPr>
+        </p:nvSpPr>
+        <p:spPr/>
+        <p:txBody>
+          <a:bodyPr>
+            <a:normAutofit/>
+          </a:bodyPr>
+          <a:lstStyle/>
+          <a:p>
+            <a:r>
+              <a:rPr lang="cs-CZ" dirty="0"/>
+              <a:t/>
+            </a:r>
+            <a:br>
+              <a:rPr lang="cs-CZ" dirty="0"/>
+            </a:br>
+            <a:r>
+              <a:rPr lang="cs-CZ" dirty="0"/>
+              <a:t>Prahování s pomocí metody </a:t>
+            </a:r>
+            <a:r>
+              <a:rPr lang="cs-CZ" dirty="0" err="1"/>
+              <a:t>Otsu</a:t>
+            </a:r>
+            <a:r>
+              <a:rPr lang="cs-CZ" dirty="0"/>
+              <a:t> </a:t>
+            </a:r>
+          </a:p>
+        </p:txBody>
+      </p:sp>
+      <p:sp>
+        <p:nvSpPr>
+          <p:cNvPr id="3" name="Zástupný symbol pro obsah 2"/>
+          <p:cNvSpPr>
+            <a:spLocks noGrp="1"/>
+          </p:cNvSpPr>
+          <p:nvPr>
+            <p:ph sz="quarter" idx="1"/>
+          </p:nvPr>
+        </p:nvSpPr>
+        <p:spPr/>
+        <p:txBody>
+          <a:bodyPr/>
+          <a:lstStyle/>
+          <a:p>
+            <a:r>
+              <a:rPr lang="cs-CZ" dirty="0"/>
+              <a:t>H</a:t>
+            </a:r>
+            <a:r>
+              <a:rPr lang="cs-CZ" dirty="0" smtClean="0"/>
+              <a:t>ledání </a:t>
+            </a:r>
+            <a:r>
+              <a:rPr lang="cs-CZ" dirty="0"/>
+              <a:t>optimálního prahu na základě výpočtu </a:t>
+            </a:r>
+            <a:r>
+              <a:rPr lang="cs-CZ" dirty="0" smtClean="0"/>
+              <a:t>rozptylu.</a:t>
+            </a:r>
+          </a:p>
+          <a:p>
+            <a:r>
+              <a:rPr lang="cs-CZ" dirty="0" smtClean="0"/>
+              <a:t>Cílem </a:t>
+            </a:r>
+            <a:r>
+              <a:rPr lang="cs-CZ" dirty="0"/>
+              <a:t>je najít takový </a:t>
+            </a:r>
+            <a:r>
+              <a:rPr lang="cs-CZ" dirty="0" smtClean="0"/>
+              <a:t>práh, </a:t>
+            </a:r>
+            <a:r>
+              <a:rPr lang="cs-CZ" dirty="0"/>
+              <a:t>který maximalizuje mezi-rozptyl, nebo alternativně minimalizuje vnitřní rozptyl</a:t>
+            </a:r>
+            <a:r>
+              <a:rPr lang="cs-CZ" dirty="0" smtClean="0"/>
+              <a:t>.</a:t>
+            </a:r>
+            <a:endParaRPr lang="cs-CZ" dirty="0"/>
+          </a:p>
+        </p:txBody>
+      </p:sp>
+      <p:pic>
+        <p:nvPicPr>
+          <p:cNvPr id="3077" name="Picture 5"/>
+          <p:cNvPicPr>
+            <a:picLocks noChangeAspect="1" noChangeArrowheads="1"/>
+          </p:cNvPicPr>
+          <p:nvPr/>
+        </p:nvPicPr>
+        <p:blipFill>
+          <a:blip r:embed="rId2">
+            <a:extLst>
+              <a:ext uri="{28A0092B-C50C-407E-A947-70E740481C1C}">
+                <a14:useLocalDpi xmlns:a14="http://schemas.microsoft.com/office/drawing/2010/main" val="0"/>
+              </a:ext>
+            </a:extLst>
+          </a:blip>
+          <a:srcRect/>
+          <a:stretch>
+            <a:fillRect/>
+          </a:stretch>
+        </p:blipFill>
+        <p:spPr bwMode="auto">
+          <a:xfrm>
+            <a:off x="2267744" y="3724224"/>
+            <a:ext cx="4032448" cy="2660562"/>
+          </a:xfrm>
+          <a:prstGeom prst="rect">
+            <a:avLst/>
+          </a:prstGeom>
+          <a:noFill/>
+          <a:ln>
+            <a:noFill/>
+          </a:ln>
+          <a:effectLst/>
+          <a:extLst>
+            <a:ext uri="{909E8E84-426E-40DD-AFC4-6F175D3DCCD1}">
+              <a14:hiddenFill xmlns:a14="http://schemas.microsoft.com/office/drawing/2010/main">
+                <a:solidFill>
+                  <a:schemeClr val="accent1"/>
+                </a:solidFill>
+              </a14:hiddenFill>
+            </a:ext>
+            <a:ext uri="{91240B29-F687-4F45-9708-019B960494DF}">
+              <a14:hiddenLine xmlns:a14="http://schemas.microsoft.com/office/drawing/2010/main" w="9525">
+                <a:solidFill>
+                  <a:schemeClr val="tx1"/>
+                </a:solidFill>
+                <a:miter lim="800000"/>
+                <a:headEnd/>
+                <a:tailEnd/>
+              </a14:hiddenLine>
+            </a:ext>
+            <a:ext uri="{AF507438-7753-43E0-B8FC-AC1667EBCBE1}">
+              <a14:hiddenEffects xmlns:a14="http://schemas.microsoft.com/office/drawing/2010/main">
+                <a:effectLst>
+                  <a:outerShdw dist="35921" dir="2700000" algn="ctr" rotWithShape="0">
+                    <a:schemeClr val="bg2"/>
+                  </a:outerShdw>
+                </a:effectLst>
+              </a14:hiddenEffects>
+            </a:ext>
+          </a:extLst>
+        </p:spPr>
+      </p:pic>
+    </p:spTree>
+    <p:extLst>
+      <p:ext uri="{BB962C8B-B14F-4D97-AF65-F5344CB8AC3E}">
+        <p14:creationId xmlns:p14="http://schemas.microsoft.com/office/powerpoint/2010/main" val="3373878369"/>
+      </p:ext>
+    </p:extLst>
+  </p:cSld>
+  <p:clrMapOvr>
+    <a:masterClrMapping/>
+  </p:clrMapOvr>
+  <p:timing>
+    <p:tnLst>
+      <p:par>
+        <p:cTn id="1" dur="indefinite" restart="never" nodeType="tmRoot"/>
+      </p:par>
+    </p:tnLst>
+  </p:timing>
+</p:sld>
+</file>
+
+<file path=ppt/slides/slide8.xml><?xml version="1.0" encoding="utf-8"?>
+<p:sld xmlns:a="http://schemas.openxmlformats.org/drawingml/2006/main" xmlns:r="http://schemas.openxmlformats.org/officeDocument/2006/relationships" xmlns:p="http://schemas.openxmlformats.org/presentationml/2006/main">
+  <p:cSld>
+    <p:spTree>
+      <p:nvGrpSpPr>
+        <p:cNvPr id="1" name=""/>
+        <p:cNvGrpSpPr/>
+        <p:nvPr/>
+      </p:nvGrpSpPr>
+      <p:grpSpPr>
+        <a:xfrm>
+          <a:off x="0" y="0"/>
+          <a:ext cx="0" cy="0"/>
+          <a:chOff x="0" y="0"/>
+          <a:chExt cx="0" cy="0"/>
+        </a:xfrm>
+      </p:grpSpPr>
+      <p:sp>
+        <p:nvSpPr>
+          <p:cNvPr id="2" name="Nadpis 1"/>
+          <p:cNvSpPr>
+            <a:spLocks noGrp="1"/>
+          </p:cNvSpPr>
+          <p:nvPr>
+            <p:ph type="title"/>
+          </p:nvPr>
+        </p:nvSpPr>
+        <p:spPr/>
+        <p:txBody>
+          <a:bodyPr/>
+          <a:lstStyle/>
+          <a:p>
+            <a:r>
+              <a:rPr lang="cs-CZ" dirty="0" err="1"/>
+              <a:t>Prahování</a:t>
+            </a:r>
+            <a:r>
+              <a:rPr lang="cs-CZ" dirty="0"/>
+              <a:t> s pomocí metody </a:t>
+            </a:r>
+            <a:r>
+              <a:rPr lang="cs-CZ" dirty="0" err="1"/>
+              <a:t>Otsu</a:t>
+            </a:r>
+            <a:endParaRPr lang="cs-CZ" dirty="0"/>
+          </a:p>
+        </p:txBody>
+      </p:sp>
+      <p:sp>
+        <p:nvSpPr>
+          <p:cNvPr id="3" name="Zástupný symbol pro obsah 2"/>
+          <p:cNvSpPr>
+            <a:spLocks noGrp="1"/>
+          </p:cNvSpPr>
+          <p:nvPr>
+            <p:ph sz="quarter" idx="1"/>
+          </p:nvPr>
+        </p:nvSpPr>
+        <p:spPr/>
+        <p:txBody>
+          <a:bodyPr/>
+          <a:lstStyle/>
+          <a:p>
+            <a:endParaRPr lang="cs-CZ"/>
+          </a:p>
+        </p:txBody>
+      </p:sp>
+      <p:pic>
+        <p:nvPicPr>
+          <p:cNvPr id="5122" name="Picture 2"/>
+          <p:cNvPicPr>
+            <a:picLocks noChangeAspect="1" noChangeArrowheads="1"/>
+          </p:cNvPicPr>
+          <p:nvPr/>
+        </p:nvPicPr>
+        <p:blipFill rotWithShape="1">
+          <a:blip r:embed="rId2">
+            <a:extLst>
+              <a:ext uri="{28A0092B-C50C-407E-A947-70E740481C1C}">
+                <a14:useLocalDpi xmlns:a14="http://schemas.microsoft.com/office/drawing/2010/main" val="0"/>
+              </a:ext>
+            </a:extLst>
+          </a:blip>
+          <a:srcRect l="26427" t="17677" r="13091" b="15846"/>
+          <a:stretch/>
+        </p:blipFill>
+        <p:spPr bwMode="auto">
+          <a:xfrm>
+            <a:off x="179512" y="1556792"/>
+            <a:ext cx="8578593" cy="5301208"/>
+          </a:xfrm>
+          <a:prstGeom prst="rect">
+            <a:avLst/>
+          </a:prstGeom>
+          <a:noFill/>
+          <a:ln>
+            <a:noFill/>
+          </a:ln>
+          <a:effectLst/>
+          <a:extLst>
+            <a:ext uri="{909E8E84-426E-40DD-AFC4-6F175D3DCCD1}">
+              <a14:hiddenFill xmlns:a14="http://schemas.microsoft.com/office/drawing/2010/main">
+                <a:solidFill>
+                  <a:schemeClr val="accent1"/>
+                </a:solidFill>
+              </a14:hiddenFill>
+            </a:ext>
+            <a:ext uri="{91240B29-F687-4F45-9708-019B960494DF}">
+              <a14:hiddenLine xmlns:a14="http://schemas.microsoft.com/office/drawing/2010/main" w="9525">
+                <a:solidFill>
+                  <a:schemeClr val="tx1"/>
+                </a:solidFill>
+                <a:miter lim="800000"/>
+                <a:headEnd/>
+                <a:tailEnd/>
+              </a14:hiddenLine>
+            </a:ext>
+            <a:ext uri="{AF507438-7753-43E0-B8FC-AC1667EBCBE1}">
+              <a14:hiddenEffects xmlns:a14="http://schemas.microsoft.com/office/drawing/2010/main">
+                <a:effectLst>
+                  <a:outerShdw dist="35921" dir="2700000" algn="ctr" rotWithShape="0">
+                    <a:schemeClr val="bg2"/>
+                  </a:outerShdw>
+                </a:effectLst>
+              </a14:hiddenEffects>
+            </a:ext>
+          </a:extLst>
+        </p:spPr>
+      </p:pic>
+    </p:spTree>
+    <p:extLst>
+      <p:ext uri="{BB962C8B-B14F-4D97-AF65-F5344CB8AC3E}">
+        <p14:creationId xmlns:p14="http://schemas.microsoft.com/office/powerpoint/2010/main" val="3929802479"/>
+      </p:ext>
+    </p:extLst>
+  </p:cSld>
+  <p:clrMapOvr>
+    <a:masterClrMapping/>
+  </p:clrMapOvr>
+  <p:timing>
+    <p:tnLst>
+      <p:par>
+        <p:cTn id="1" dur="indefinite" restart="never" nodeType="tmRoot"/>
+      </p:par>
+    </p:tnLst>
+  </p:timing>
+</p:sld>
+</file>
+
+<file path=ppt/slides/slide9.xml><?xml version="1.0" encoding="utf-8"?>
+<p:sld xmlns:a="http://schemas.openxmlformats.org/drawingml/2006/main" xmlns:r="http://schemas.openxmlformats.org/officeDocument/2006/relationships" xmlns:p="http://schemas.openxmlformats.org/presentationml/2006/main">
+  <p:cSld>
+    <p:spTree>
+      <p:nvGrpSpPr>
+        <p:cNvPr id="1" name=""/>
+        <p:cNvGrpSpPr/>
+        <p:nvPr/>
+      </p:nvGrpSpPr>
+      <p:grpSpPr>
+        <a:xfrm>
+          <a:off x="0" y="0"/>
+          <a:ext cx="0" cy="0"/>
+          <a:chOff x="0" y="0"/>
+          <a:chExt cx="0" cy="0"/>
+        </a:xfrm>
+      </p:grpSpPr>
+      <p:sp>
+        <p:nvSpPr>
+          <p:cNvPr id="2" name="Nadpis 1"/>
+          <p:cNvSpPr>
+            <a:spLocks noGrp="1"/>
+          </p:cNvSpPr>
+          <p:nvPr>
+            <p:ph type="title"/>
+          </p:nvPr>
+        </p:nvSpPr>
+        <p:spPr/>
+        <p:txBody>
+          <a:bodyPr>
+            <a:normAutofit/>
+          </a:bodyPr>
+          <a:lstStyle/>
+          <a:p>
+            <a:r>
+              <a:rPr lang="cs-CZ" dirty="0"/>
+              <a:t/>
+            </a:r>
+            <a:br>
+              <a:rPr lang="cs-CZ" dirty="0"/>
+            </a:br>
+            <a:r>
+              <a:rPr lang="cs-CZ" dirty="0"/>
+              <a:t>Prahování s pomocí metody </a:t>
+            </a:r>
+            <a:r>
+              <a:rPr lang="cs-CZ" dirty="0" err="1"/>
+              <a:t>Otsu</a:t>
+            </a:r>
+            <a:r>
+              <a:rPr lang="cs-CZ" dirty="0"/>
+              <a:t> </a:t>
+            </a:r>
+          </a:p>
+        </p:txBody>
+      </p:sp>
+      <p:pic>
+        <p:nvPicPr>
+          <p:cNvPr id="6" name="Picture 4" descr="http://www.labbookpages.co.uk/software/imgProc/files/otsuResult.png"/>
+          <p:cNvPicPr>
+            <a:picLocks noChangeAspect="1" noChangeArrowheads="1"/>
+          </p:cNvPicPr>
+          <p:nvPr/>
+        </p:nvPicPr>
+        <p:blipFill>
+          <a:blip r:embed="rId2">
+            <a:extLst>
+              <a:ext uri="{28A0092B-C50C-407E-A947-70E740481C1C}">
+                <a14:useLocalDpi xmlns:a14="http://schemas.microsoft.com/office/drawing/2010/main" val="0"/>
+              </a:ext>
+            </a:extLst>
+          </a:blip>
+          <a:srcRect/>
+          <a:stretch>
+            <a:fillRect/>
+          </a:stretch>
+        </p:blipFill>
+        <p:spPr bwMode="auto">
+          <a:xfrm>
+            <a:off x="1907704" y="4581128"/>
+            <a:ext cx="4896544" cy="1846944"/>
+          </a:xfrm>
+          <a:prstGeom prst="rect">
+            <a:avLst/>
+          </a:prstGeom>
+          <a:noFill/>
+          <a:extLst>
+            <a:ext uri="{909E8E84-426E-40DD-AFC4-6F175D3DCCD1}">
+              <a14:hiddenFill xmlns:a14="http://schemas.microsoft.com/office/drawing/2010/main">
+                <a:solidFill>
+                  <a:srgbClr val="FFFFFF"/>
+                </a:solidFill>
+              </a14:hiddenFill>
+            </a:ext>
+          </a:extLst>
+        </p:spPr>
+      </p:pic>
+      <p:pic>
+        <p:nvPicPr>
+          <p:cNvPr id="4100" name="Picture 4" descr="Background levels"/>
+          <p:cNvPicPr>
+            <a:picLocks noChangeAspect="1" noChangeArrowheads="1"/>
+          </p:cNvPicPr>
+          <p:nvPr/>
+        </p:nvPicPr>
+        <p:blipFill>
+          <a:blip r:embed="rId3">
+            <a:extLst>
+              <a:ext uri="{28A0092B-C50C-407E-A947-70E740481C1C}">
+                <a14:useLocalDpi xmlns:a14="http://schemas.microsoft.com/office/drawing/2010/main" val="0"/>
+              </a:ext>
+            </a:extLst>
+          </a:blip>
+          <a:srcRect/>
+          <a:stretch>
+            <a:fillRect/>
+          </a:stretch>
+        </p:blipFill>
+        <p:spPr bwMode="auto">
+          <a:xfrm>
+            <a:off x="683568" y="1484784"/>
+            <a:ext cx="3471548" cy="2725708"/>
+          </a:xfrm>
+          <a:prstGeom prst="rect">
+            <a:avLst/>
+          </a:prstGeom>
+          <a:noFill/>
+          <a:extLst>
+            <a:ext uri="{909E8E84-426E-40DD-AFC4-6F175D3DCCD1}">
+              <a14:hiddenFill xmlns:a14="http://schemas.microsoft.com/office/drawing/2010/main">
+                <a:solidFill>
+                  <a:srgbClr val="FFFFFF"/>
+                </a:solidFill>
+              </a14:hiddenFill>
+            </a:ext>
+          </a:extLst>
+        </p:spPr>
+      </p:pic>
+      <p:pic>
+        <p:nvPicPr>
+          <p:cNvPr id="4102" name="Picture 6" descr="Foreground levels"/>
+          <p:cNvPicPr>
+            <a:picLocks noChangeAspect="1" noChangeArrowheads="1"/>
+          </p:cNvPicPr>
+          <p:nvPr/>
+        </p:nvPicPr>
+        <p:blipFill>
+          <a:blip r:embed="rId4">
+            <a:extLst>
+              <a:ext uri="{28A0092B-C50C-407E-A947-70E740481C1C}">
+                <a14:useLocalDpi xmlns:a14="http://schemas.microsoft.com/office/drawing/2010/main" val="0"/>
+              </a:ext>
+            </a:extLst>
+          </a:blip>
+          <a:srcRect/>
+          <a:stretch>
+            <a:fillRect/>
+          </a:stretch>
+        </p:blipFill>
+        <p:spPr bwMode="auto">
+          <a:xfrm>
+            <a:off x="4644008" y="1484784"/>
+            <a:ext cx="3728070" cy="2695475"/>
+          </a:xfrm>
+          <a:prstGeom prst="rect">
+            <a:avLst/>
+          </a:prstGeom>
+          <a:noFill/>
+          <a:extLst>
+            <a:ext uri="{909E8E84-426E-40DD-AFC4-6F175D3DCCD1}">
+              <a14:hiddenFill xmlns:a14="http://schemas.microsoft.com/office/drawing/2010/main">
+                <a:solidFill>
+                  <a:srgbClr val="FFFFFF"/>
+                </a:solidFill>
+              </a14:hiddenFill>
+            </a:ext>
+          </a:extLst>
+        </p:spPr>
+      </p:pic>
+      <p:sp>
+        <p:nvSpPr>
+          <p:cNvPr id="4" name="Obdélník 3"/>
+          <p:cNvSpPr/>
+          <p:nvPr/>
+        </p:nvSpPr>
+        <p:spPr>
+          <a:xfrm>
+            <a:off x="1187624" y="6488668"/>
+            <a:ext cx="6696744" cy="369332"/>
+          </a:xfrm>
+          <a:prstGeom prst="rect">
+            <a:avLst/>
+          </a:prstGeom>
+        </p:spPr>
+        <p:txBody>
+          <a:bodyPr wrap="square">
+            <a:spAutoFit/>
+          </a:bodyPr>
+          <a:lstStyle/>
+          <a:p>
+            <a:r>
+              <a:rPr lang="cs-CZ" dirty="0" smtClean="0">
+                <a:hlinkClick r:id="rId5"/>
+              </a:rPr>
+              <a:t>www.labbookpages.co.uk/software/imgProc/otsuThreshold.html</a:t>
+            </a:r>
+            <a:endParaRPr lang="cs-CZ" dirty="0"/>
+          </a:p>
+        </p:txBody>
+      </p:sp>
+    </p:spTree>
+    <p:extLst>
+      <p:ext uri="{BB962C8B-B14F-4D97-AF65-F5344CB8AC3E}">
+        <p14:creationId xmlns:p14="http://schemas.microsoft.com/office/powerpoint/2010/main" val="2019928245"/>
       </p:ext>
     </p:extLst>
   </p:cSld>
